--- a/docs/presentations/LORE #2.pptx
+++ b/docs/presentations/LORE #2.pptx
@@ -9,6 +9,13 @@
     <p:sldId id="257" r:id="rId6"/>
     <p:sldId id="270" r:id="rId7"/>
     <p:sldId id="271" r:id="rId8"/>
+    <p:sldId id="273" r:id="rId9"/>
+    <p:sldId id="274" r:id="rId10"/>
+    <p:sldId id="278" r:id="rId11"/>
+    <p:sldId id="279" r:id="rId12"/>
+    <p:sldId id="280" r:id="rId13"/>
+    <p:sldId id="281" r:id="rId14"/>
+    <p:sldId id="282" r:id="rId15"/>
   </p:sldIdLst>
   <p:sldSz cx="12192000" cy="6858000"/>
   <p:notesSz cx="6805613" cy="9944100"/>
@@ -431,6 +438,3054 @@
     </pc:docChg>
   </pc:docChgLst>
 </pc:chgInfo>
+</file>
+
+<file path=ppt/diagrams/colors1.xml><?xml version="1.0" encoding="utf-8"?>
+<dgm:colorsDef xmlns:dgm="http://schemas.openxmlformats.org/drawingml/2006/diagram" xmlns:a="http://schemas.openxmlformats.org/drawingml/2006/main" uniqueId="urn:microsoft.com/office/officeart/2005/8/colors/accent2_2">
+  <dgm:title val=""/>
+  <dgm:desc val=""/>
+  <dgm:catLst>
+    <dgm:cat type="accent2" pri="11200"/>
+  </dgm:catLst>
+  <dgm:styleLbl name="node0">
+    <dgm:fillClrLst meth="repeat">
+      <a:schemeClr val="accent2"/>
+    </dgm:fillClrLst>
+    <dgm:linClrLst meth="repeat">
+      <a:schemeClr val="lt1"/>
+    </dgm:linClrLst>
+    <dgm:effectClrLst/>
+    <dgm:txLinClrLst/>
+    <dgm:txFillClrLst/>
+    <dgm:txEffectClrLst/>
+  </dgm:styleLbl>
+  <dgm:styleLbl name="node1">
+    <dgm:fillClrLst meth="repeat">
+      <a:schemeClr val="accent2"/>
+    </dgm:fillClrLst>
+    <dgm:linClrLst meth="repeat">
+      <a:schemeClr val="lt1"/>
+    </dgm:linClrLst>
+    <dgm:effectClrLst/>
+    <dgm:txLinClrLst/>
+    <dgm:txFillClrLst/>
+    <dgm:txEffectClrLst/>
+  </dgm:styleLbl>
+  <dgm:styleLbl name="alignNode1">
+    <dgm:fillClrLst meth="repeat">
+      <a:schemeClr val="accent2"/>
+    </dgm:fillClrLst>
+    <dgm:linClrLst meth="repeat">
+      <a:schemeClr val="accent2"/>
+    </dgm:linClrLst>
+    <dgm:effectClrLst/>
+    <dgm:txLinClrLst/>
+    <dgm:txFillClrLst/>
+    <dgm:txEffectClrLst/>
+  </dgm:styleLbl>
+  <dgm:styleLbl name="lnNode1">
+    <dgm:fillClrLst meth="repeat">
+      <a:schemeClr val="accent2"/>
+    </dgm:fillClrLst>
+    <dgm:linClrLst meth="repeat">
+      <a:schemeClr val="lt1"/>
+    </dgm:linClrLst>
+    <dgm:effectClrLst/>
+    <dgm:txLinClrLst/>
+    <dgm:txFillClrLst/>
+    <dgm:txEffectClrLst/>
+  </dgm:styleLbl>
+  <dgm:styleLbl name="vennNode1">
+    <dgm:fillClrLst meth="repeat">
+      <a:schemeClr val="accent2">
+        <a:alpha val="50000"/>
+      </a:schemeClr>
+    </dgm:fillClrLst>
+    <dgm:linClrLst meth="repeat">
+      <a:schemeClr val="lt1"/>
+    </dgm:linClrLst>
+    <dgm:effectClrLst/>
+    <dgm:txLinClrLst/>
+    <dgm:txFillClrLst/>
+    <dgm:txEffectClrLst/>
+  </dgm:styleLbl>
+  <dgm:styleLbl name="node2">
+    <dgm:fillClrLst meth="repeat">
+      <a:schemeClr val="accent2"/>
+    </dgm:fillClrLst>
+    <dgm:linClrLst meth="repeat">
+      <a:schemeClr val="lt1"/>
+    </dgm:linClrLst>
+    <dgm:effectClrLst/>
+    <dgm:txLinClrLst/>
+    <dgm:txFillClrLst/>
+    <dgm:txEffectClrLst/>
+  </dgm:styleLbl>
+  <dgm:styleLbl name="node3">
+    <dgm:fillClrLst meth="repeat">
+      <a:schemeClr val="accent2"/>
+    </dgm:fillClrLst>
+    <dgm:linClrLst meth="repeat">
+      <a:schemeClr val="lt1"/>
+    </dgm:linClrLst>
+    <dgm:effectClrLst/>
+    <dgm:txLinClrLst/>
+    <dgm:txFillClrLst/>
+    <dgm:txEffectClrLst/>
+  </dgm:styleLbl>
+  <dgm:styleLbl name="node4">
+    <dgm:fillClrLst meth="repeat">
+      <a:schemeClr val="accent2"/>
+    </dgm:fillClrLst>
+    <dgm:linClrLst meth="repeat">
+      <a:schemeClr val="lt1"/>
+    </dgm:linClrLst>
+    <dgm:effectClrLst/>
+    <dgm:txLinClrLst/>
+    <dgm:txFillClrLst/>
+    <dgm:txEffectClrLst/>
+  </dgm:styleLbl>
+  <dgm:styleLbl name="fgImgPlace1">
+    <dgm:fillClrLst meth="repeat">
+      <a:schemeClr val="accent2">
+        <a:tint val="50000"/>
+      </a:schemeClr>
+    </dgm:fillClrLst>
+    <dgm:linClrLst meth="repeat">
+      <a:schemeClr val="lt1"/>
+    </dgm:linClrLst>
+    <dgm:effectClrLst/>
+    <dgm:txLinClrLst/>
+    <dgm:txFillClrLst meth="repeat">
+      <a:schemeClr val="lt1"/>
+    </dgm:txFillClrLst>
+    <dgm:txEffectClrLst/>
+  </dgm:styleLbl>
+  <dgm:styleLbl name="alignImgPlace1">
+    <dgm:fillClrLst meth="repeat">
+      <a:schemeClr val="accent2">
+        <a:tint val="50000"/>
+      </a:schemeClr>
+    </dgm:fillClrLst>
+    <dgm:linClrLst meth="repeat">
+      <a:schemeClr val="lt1"/>
+    </dgm:linClrLst>
+    <dgm:effectClrLst/>
+    <dgm:txLinClrLst/>
+    <dgm:txFillClrLst meth="repeat">
+      <a:schemeClr val="lt1"/>
+    </dgm:txFillClrLst>
+    <dgm:txEffectClrLst/>
+  </dgm:styleLbl>
+  <dgm:styleLbl name="bgImgPlace1">
+    <dgm:fillClrLst meth="repeat">
+      <a:schemeClr val="accent2">
+        <a:tint val="50000"/>
+      </a:schemeClr>
+    </dgm:fillClrLst>
+    <dgm:linClrLst meth="repeat">
+      <a:schemeClr val="lt1"/>
+    </dgm:linClrLst>
+    <dgm:effectClrLst/>
+    <dgm:txLinClrLst/>
+    <dgm:txFillClrLst meth="repeat">
+      <a:schemeClr val="lt1"/>
+    </dgm:txFillClrLst>
+    <dgm:txEffectClrLst/>
+  </dgm:styleLbl>
+  <dgm:styleLbl name="sibTrans2D1">
+    <dgm:fillClrLst meth="repeat">
+      <a:schemeClr val="accent2">
+        <a:tint val="60000"/>
+      </a:schemeClr>
+    </dgm:fillClrLst>
+    <dgm:linClrLst meth="repeat">
+      <a:schemeClr val="accent2">
+        <a:tint val="60000"/>
+      </a:schemeClr>
+    </dgm:linClrLst>
+    <dgm:effectClrLst/>
+    <dgm:txLinClrLst/>
+    <dgm:txFillClrLst/>
+    <dgm:txEffectClrLst/>
+  </dgm:styleLbl>
+  <dgm:styleLbl name="fgSibTrans2D1">
+    <dgm:fillClrLst meth="repeat">
+      <a:schemeClr val="accent2">
+        <a:tint val="60000"/>
+      </a:schemeClr>
+    </dgm:fillClrLst>
+    <dgm:linClrLst meth="repeat">
+      <a:schemeClr val="accent2">
+        <a:tint val="60000"/>
+      </a:schemeClr>
+    </dgm:linClrLst>
+    <dgm:effectClrLst/>
+    <dgm:txLinClrLst/>
+    <dgm:txFillClrLst/>
+    <dgm:txEffectClrLst/>
+  </dgm:styleLbl>
+  <dgm:styleLbl name="bgSibTrans2D1">
+    <dgm:fillClrLst meth="repeat">
+      <a:schemeClr val="accent2">
+        <a:tint val="60000"/>
+      </a:schemeClr>
+    </dgm:fillClrLst>
+    <dgm:linClrLst meth="repeat">
+      <a:schemeClr val="accent2">
+        <a:tint val="60000"/>
+      </a:schemeClr>
+    </dgm:linClrLst>
+    <dgm:effectClrLst/>
+    <dgm:txLinClrLst/>
+    <dgm:txFillClrLst/>
+    <dgm:txEffectClrLst/>
+  </dgm:styleLbl>
+  <dgm:styleLbl name="sibTrans1D1">
+    <dgm:fillClrLst meth="repeat">
+      <a:schemeClr val="accent2"/>
+    </dgm:fillClrLst>
+    <dgm:linClrLst meth="repeat">
+      <a:schemeClr val="accent2"/>
+    </dgm:linClrLst>
+    <dgm:effectClrLst/>
+    <dgm:txLinClrLst/>
+    <dgm:txFillClrLst meth="repeat">
+      <a:schemeClr val="tx1"/>
+    </dgm:txFillClrLst>
+    <dgm:txEffectClrLst/>
+  </dgm:styleLbl>
+  <dgm:styleLbl name="callout">
+    <dgm:fillClrLst meth="repeat">
+      <a:schemeClr val="accent2"/>
+    </dgm:fillClrLst>
+    <dgm:linClrLst meth="repeat">
+      <a:schemeClr val="accent2">
+        <a:tint val="50000"/>
+      </a:schemeClr>
+    </dgm:linClrLst>
+    <dgm:effectClrLst/>
+    <dgm:txLinClrLst/>
+    <dgm:txFillClrLst meth="repeat">
+      <a:schemeClr val="tx1"/>
+    </dgm:txFillClrLst>
+    <dgm:txEffectClrLst/>
+  </dgm:styleLbl>
+  <dgm:styleLbl name="asst0">
+    <dgm:fillClrLst meth="repeat">
+      <a:schemeClr val="accent2"/>
+    </dgm:fillClrLst>
+    <dgm:linClrLst meth="repeat">
+      <a:schemeClr val="lt1"/>
+    </dgm:linClrLst>
+    <dgm:effectClrLst/>
+    <dgm:txLinClrLst/>
+    <dgm:txFillClrLst/>
+    <dgm:txEffectClrLst/>
+  </dgm:styleLbl>
+  <dgm:styleLbl name="asst1">
+    <dgm:fillClrLst meth="repeat">
+      <a:schemeClr val="accent2"/>
+    </dgm:fillClrLst>
+    <dgm:linClrLst meth="repeat">
+      <a:schemeClr val="lt1"/>
+    </dgm:linClrLst>
+    <dgm:effectClrLst/>
+    <dgm:txLinClrLst/>
+    <dgm:txFillClrLst/>
+    <dgm:txEffectClrLst/>
+  </dgm:styleLbl>
+  <dgm:styleLbl name="asst2">
+    <dgm:fillClrLst meth="repeat">
+      <a:schemeClr val="accent2"/>
+    </dgm:fillClrLst>
+    <dgm:linClrLst meth="repeat">
+      <a:schemeClr val="lt1"/>
+    </dgm:linClrLst>
+    <dgm:effectClrLst/>
+    <dgm:txLinClrLst/>
+    <dgm:txFillClrLst/>
+    <dgm:txEffectClrLst/>
+  </dgm:styleLbl>
+  <dgm:styleLbl name="asst3">
+    <dgm:fillClrLst meth="repeat">
+      <a:schemeClr val="accent2"/>
+    </dgm:fillClrLst>
+    <dgm:linClrLst meth="repeat">
+      <a:schemeClr val="lt1"/>
+    </dgm:linClrLst>
+    <dgm:effectClrLst/>
+    <dgm:txLinClrLst/>
+    <dgm:txFillClrLst/>
+    <dgm:txEffectClrLst/>
+  </dgm:styleLbl>
+  <dgm:styleLbl name="asst4">
+    <dgm:fillClrLst meth="repeat">
+      <a:schemeClr val="accent2"/>
+    </dgm:fillClrLst>
+    <dgm:linClrLst meth="repeat">
+      <a:schemeClr val="lt1"/>
+    </dgm:linClrLst>
+    <dgm:effectClrLst/>
+    <dgm:txLinClrLst/>
+    <dgm:txFillClrLst/>
+    <dgm:txEffectClrLst/>
+  </dgm:styleLbl>
+  <dgm:styleLbl name="parChTrans2D1">
+    <dgm:fillClrLst meth="repeat">
+      <a:schemeClr val="accent2">
+        <a:tint val="60000"/>
+      </a:schemeClr>
+    </dgm:fillClrLst>
+    <dgm:linClrLst meth="repeat">
+      <a:schemeClr val="accent2">
+        <a:tint val="60000"/>
+      </a:schemeClr>
+    </dgm:linClrLst>
+    <dgm:effectClrLst/>
+    <dgm:txLinClrLst/>
+    <dgm:txFillClrLst meth="repeat">
+      <a:schemeClr val="lt1"/>
+    </dgm:txFillClrLst>
+    <dgm:txEffectClrLst/>
+  </dgm:styleLbl>
+  <dgm:styleLbl name="parChTrans2D2">
+    <dgm:fillClrLst meth="repeat">
+      <a:schemeClr val="accent2"/>
+    </dgm:fillClrLst>
+    <dgm:linClrLst meth="repeat">
+      <a:schemeClr val="accent2"/>
+    </dgm:linClrLst>
+    <dgm:effectClrLst/>
+    <dgm:txLinClrLst/>
+    <dgm:txFillClrLst meth="repeat">
+      <a:schemeClr val="lt1"/>
+    </dgm:txFillClrLst>
+    <dgm:txEffectClrLst/>
+  </dgm:styleLbl>
+  <dgm:styleLbl name="parChTrans2D3">
+    <dgm:fillClrLst meth="repeat">
+      <a:schemeClr val="accent2"/>
+    </dgm:fillClrLst>
+    <dgm:linClrLst meth="repeat">
+      <a:schemeClr val="accent2"/>
+    </dgm:linClrLst>
+    <dgm:effectClrLst/>
+    <dgm:txLinClrLst/>
+    <dgm:txFillClrLst meth="repeat">
+      <a:schemeClr val="lt1"/>
+    </dgm:txFillClrLst>
+    <dgm:txEffectClrLst/>
+  </dgm:styleLbl>
+  <dgm:styleLbl name="parChTrans2D4">
+    <dgm:fillClrLst meth="repeat">
+      <a:schemeClr val="accent2"/>
+    </dgm:fillClrLst>
+    <dgm:linClrLst meth="repeat">
+      <a:schemeClr val="accent2"/>
+    </dgm:linClrLst>
+    <dgm:effectClrLst/>
+    <dgm:txLinClrLst/>
+    <dgm:txFillClrLst meth="repeat">
+      <a:schemeClr val="lt1"/>
+    </dgm:txFillClrLst>
+    <dgm:txEffectClrLst/>
+  </dgm:styleLbl>
+  <dgm:styleLbl name="parChTrans1D1">
+    <dgm:fillClrLst meth="repeat">
+      <a:schemeClr val="accent2"/>
+    </dgm:fillClrLst>
+    <dgm:linClrLst meth="repeat">
+      <a:schemeClr val="accent2">
+        <a:shade val="60000"/>
+      </a:schemeClr>
+    </dgm:linClrLst>
+    <dgm:effectClrLst/>
+    <dgm:txLinClrLst/>
+    <dgm:txFillClrLst meth="repeat">
+      <a:schemeClr val="tx1"/>
+    </dgm:txFillClrLst>
+    <dgm:txEffectClrLst/>
+  </dgm:styleLbl>
+  <dgm:styleLbl name="parChTrans1D2">
+    <dgm:fillClrLst meth="repeat">
+      <a:schemeClr val="accent2"/>
+    </dgm:fillClrLst>
+    <dgm:linClrLst meth="repeat">
+      <a:schemeClr val="accent2">
+        <a:shade val="60000"/>
+      </a:schemeClr>
+    </dgm:linClrLst>
+    <dgm:effectClrLst/>
+    <dgm:txLinClrLst/>
+    <dgm:txFillClrLst meth="repeat">
+      <a:schemeClr val="tx1"/>
+    </dgm:txFillClrLst>
+    <dgm:txEffectClrLst/>
+  </dgm:styleLbl>
+  <dgm:styleLbl name="parChTrans1D3">
+    <dgm:fillClrLst meth="repeat">
+      <a:schemeClr val="accent2"/>
+    </dgm:fillClrLst>
+    <dgm:linClrLst meth="repeat">
+      <a:schemeClr val="accent2">
+        <a:shade val="80000"/>
+      </a:schemeClr>
+    </dgm:linClrLst>
+    <dgm:effectClrLst/>
+    <dgm:txLinClrLst/>
+    <dgm:txFillClrLst meth="repeat">
+      <a:schemeClr val="tx1"/>
+    </dgm:txFillClrLst>
+    <dgm:txEffectClrLst/>
+  </dgm:styleLbl>
+  <dgm:styleLbl name="parChTrans1D4">
+    <dgm:fillClrLst meth="repeat">
+      <a:schemeClr val="accent2"/>
+    </dgm:fillClrLst>
+    <dgm:linClrLst meth="repeat">
+      <a:schemeClr val="accent2">
+        <a:shade val="80000"/>
+      </a:schemeClr>
+    </dgm:linClrLst>
+    <dgm:effectClrLst/>
+    <dgm:txLinClrLst/>
+    <dgm:txFillClrLst meth="repeat">
+      <a:schemeClr val="tx1"/>
+    </dgm:txFillClrLst>
+    <dgm:txEffectClrLst/>
+  </dgm:styleLbl>
+  <dgm:styleLbl name="fgAcc1">
+    <dgm:fillClrLst meth="repeat">
+      <a:schemeClr val="lt1">
+        <a:alpha val="90000"/>
+      </a:schemeClr>
+    </dgm:fillClrLst>
+    <dgm:linClrLst meth="repeat">
+      <a:schemeClr val="accent2"/>
+    </dgm:linClrLst>
+    <dgm:effectClrLst/>
+    <dgm:txLinClrLst/>
+    <dgm:txFillClrLst meth="repeat">
+      <a:schemeClr val="dk1"/>
+    </dgm:txFillClrLst>
+    <dgm:txEffectClrLst/>
+  </dgm:styleLbl>
+  <dgm:styleLbl name="conFgAcc1">
+    <dgm:fillClrLst meth="repeat">
+      <a:schemeClr val="lt1">
+        <a:alpha val="90000"/>
+      </a:schemeClr>
+    </dgm:fillClrLst>
+    <dgm:linClrLst meth="repeat">
+      <a:schemeClr val="accent2"/>
+    </dgm:linClrLst>
+    <dgm:effectClrLst/>
+    <dgm:txLinClrLst/>
+    <dgm:txFillClrLst meth="repeat">
+      <a:schemeClr val="dk1"/>
+    </dgm:txFillClrLst>
+    <dgm:txEffectClrLst/>
+  </dgm:styleLbl>
+  <dgm:styleLbl name="alignAcc1">
+    <dgm:fillClrLst meth="repeat">
+      <a:schemeClr val="lt1">
+        <a:alpha val="90000"/>
+      </a:schemeClr>
+    </dgm:fillClrLst>
+    <dgm:linClrLst meth="repeat">
+      <a:schemeClr val="accent2"/>
+    </dgm:linClrLst>
+    <dgm:effectClrLst/>
+    <dgm:txLinClrLst/>
+    <dgm:txFillClrLst meth="repeat">
+      <a:schemeClr val="dk1"/>
+    </dgm:txFillClrLst>
+    <dgm:txEffectClrLst/>
+  </dgm:styleLbl>
+  <dgm:styleLbl name="trAlignAcc1">
+    <dgm:fillClrLst meth="repeat">
+      <a:schemeClr val="lt1">
+        <a:alpha val="40000"/>
+      </a:schemeClr>
+    </dgm:fillClrLst>
+    <dgm:linClrLst meth="repeat">
+      <a:schemeClr val="accent2"/>
+    </dgm:linClrLst>
+    <dgm:effectClrLst/>
+    <dgm:txLinClrLst/>
+    <dgm:txFillClrLst meth="repeat">
+      <a:schemeClr val="dk1"/>
+    </dgm:txFillClrLst>
+    <dgm:txEffectClrLst/>
+  </dgm:styleLbl>
+  <dgm:styleLbl name="bgAcc1">
+    <dgm:fillClrLst meth="repeat">
+      <a:schemeClr val="lt1">
+        <a:alpha val="90000"/>
+      </a:schemeClr>
+    </dgm:fillClrLst>
+    <dgm:linClrLst meth="repeat">
+      <a:schemeClr val="accent2"/>
+    </dgm:linClrLst>
+    <dgm:effectClrLst/>
+    <dgm:txLinClrLst/>
+    <dgm:txFillClrLst meth="repeat">
+      <a:schemeClr val="dk1"/>
+    </dgm:txFillClrLst>
+    <dgm:txEffectClrLst/>
+  </dgm:styleLbl>
+  <dgm:styleLbl name="solidFgAcc1">
+    <dgm:fillClrLst meth="repeat">
+      <a:schemeClr val="lt1"/>
+    </dgm:fillClrLst>
+    <dgm:linClrLst meth="repeat">
+      <a:schemeClr val="accent2"/>
+    </dgm:linClrLst>
+    <dgm:effectClrLst/>
+    <dgm:txLinClrLst/>
+    <dgm:txFillClrLst meth="repeat">
+      <a:schemeClr val="dk1"/>
+    </dgm:txFillClrLst>
+    <dgm:txEffectClrLst/>
+  </dgm:styleLbl>
+  <dgm:styleLbl name="solidAlignAcc1">
+    <dgm:fillClrLst meth="repeat">
+      <a:schemeClr val="lt1"/>
+    </dgm:fillClrLst>
+    <dgm:linClrLst meth="repeat">
+      <a:schemeClr val="accent2"/>
+    </dgm:linClrLst>
+    <dgm:effectClrLst/>
+    <dgm:txLinClrLst/>
+    <dgm:txFillClrLst meth="repeat">
+      <a:schemeClr val="dk1"/>
+    </dgm:txFillClrLst>
+    <dgm:txEffectClrLst/>
+  </dgm:styleLbl>
+  <dgm:styleLbl name="solidBgAcc1">
+    <dgm:fillClrLst meth="repeat">
+      <a:schemeClr val="lt1"/>
+    </dgm:fillClrLst>
+    <dgm:linClrLst meth="repeat">
+      <a:schemeClr val="accent2"/>
+    </dgm:linClrLst>
+    <dgm:effectClrLst/>
+    <dgm:txLinClrLst/>
+    <dgm:txFillClrLst meth="repeat">
+      <a:schemeClr val="dk1"/>
+    </dgm:txFillClrLst>
+    <dgm:txEffectClrLst/>
+  </dgm:styleLbl>
+  <dgm:styleLbl name="fgAccFollowNode1">
+    <dgm:fillClrLst meth="repeat">
+      <a:schemeClr val="accent2">
+        <a:alpha val="90000"/>
+        <a:tint val="40000"/>
+      </a:schemeClr>
+    </dgm:fillClrLst>
+    <dgm:linClrLst meth="repeat">
+      <a:schemeClr val="accent2">
+        <a:alpha val="90000"/>
+        <a:tint val="40000"/>
+      </a:schemeClr>
+    </dgm:linClrLst>
+    <dgm:effectClrLst/>
+    <dgm:txLinClrLst/>
+    <dgm:txFillClrLst meth="repeat">
+      <a:schemeClr val="dk1"/>
+    </dgm:txFillClrLst>
+    <dgm:txEffectClrLst/>
+  </dgm:styleLbl>
+  <dgm:styleLbl name="alignAccFollowNode1">
+    <dgm:fillClrLst meth="repeat">
+      <a:schemeClr val="accent2">
+        <a:alpha val="90000"/>
+        <a:tint val="40000"/>
+      </a:schemeClr>
+    </dgm:fillClrLst>
+    <dgm:linClrLst meth="repeat">
+      <a:schemeClr val="accent2">
+        <a:alpha val="90000"/>
+        <a:tint val="40000"/>
+      </a:schemeClr>
+    </dgm:linClrLst>
+    <dgm:effectClrLst/>
+    <dgm:txLinClrLst/>
+    <dgm:txFillClrLst meth="repeat">
+      <a:schemeClr val="dk1"/>
+    </dgm:txFillClrLst>
+    <dgm:txEffectClrLst/>
+  </dgm:styleLbl>
+  <dgm:styleLbl name="bgAccFollowNode1">
+    <dgm:fillClrLst meth="repeat">
+      <a:schemeClr val="accent2">
+        <a:alpha val="90000"/>
+        <a:tint val="40000"/>
+      </a:schemeClr>
+    </dgm:fillClrLst>
+    <dgm:linClrLst meth="repeat">
+      <a:schemeClr val="accent2">
+        <a:alpha val="90000"/>
+        <a:tint val="40000"/>
+      </a:schemeClr>
+    </dgm:linClrLst>
+    <dgm:effectClrLst/>
+    <dgm:txLinClrLst/>
+    <dgm:txFillClrLst meth="repeat">
+      <a:schemeClr val="dk1"/>
+    </dgm:txFillClrLst>
+    <dgm:txEffectClrLst/>
+  </dgm:styleLbl>
+  <dgm:styleLbl name="fgAcc0">
+    <dgm:fillClrLst meth="repeat">
+      <a:schemeClr val="lt1">
+        <a:alpha val="90000"/>
+      </a:schemeClr>
+    </dgm:fillClrLst>
+    <dgm:linClrLst meth="repeat">
+      <a:schemeClr val="accent2"/>
+    </dgm:linClrLst>
+    <dgm:effectClrLst/>
+    <dgm:txLinClrLst/>
+    <dgm:txFillClrLst meth="repeat">
+      <a:schemeClr val="dk1"/>
+    </dgm:txFillClrLst>
+    <dgm:txEffectClrLst/>
+  </dgm:styleLbl>
+  <dgm:styleLbl name="fgAcc2">
+    <dgm:fillClrLst meth="repeat">
+      <a:schemeClr val="lt1">
+        <a:alpha val="90000"/>
+      </a:schemeClr>
+    </dgm:fillClrLst>
+    <dgm:linClrLst meth="repeat">
+      <a:schemeClr val="accent2"/>
+    </dgm:linClrLst>
+    <dgm:effectClrLst/>
+    <dgm:txLinClrLst/>
+    <dgm:txFillClrLst meth="repeat">
+      <a:schemeClr val="dk1"/>
+    </dgm:txFillClrLst>
+    <dgm:txEffectClrLst/>
+  </dgm:styleLbl>
+  <dgm:styleLbl name="fgAcc3">
+    <dgm:fillClrLst meth="repeat">
+      <a:schemeClr val="lt1">
+        <a:alpha val="90000"/>
+      </a:schemeClr>
+    </dgm:fillClrLst>
+    <dgm:linClrLst meth="repeat">
+      <a:schemeClr val="accent2"/>
+    </dgm:linClrLst>
+    <dgm:effectClrLst/>
+    <dgm:txLinClrLst/>
+    <dgm:txFillClrLst meth="repeat">
+      <a:schemeClr val="dk1"/>
+    </dgm:txFillClrLst>
+    <dgm:txEffectClrLst/>
+  </dgm:styleLbl>
+  <dgm:styleLbl name="fgAcc4">
+    <dgm:fillClrLst meth="repeat">
+      <a:schemeClr val="lt1">
+        <a:alpha val="90000"/>
+      </a:schemeClr>
+    </dgm:fillClrLst>
+    <dgm:linClrLst meth="repeat">
+      <a:schemeClr val="accent2"/>
+    </dgm:linClrLst>
+    <dgm:effectClrLst/>
+    <dgm:txLinClrLst/>
+    <dgm:txFillClrLst meth="repeat">
+      <a:schemeClr val="dk1"/>
+    </dgm:txFillClrLst>
+    <dgm:txEffectClrLst/>
+  </dgm:styleLbl>
+  <dgm:styleLbl name="bgShp">
+    <dgm:fillClrLst meth="repeat">
+      <a:schemeClr val="accent2">
+        <a:tint val="40000"/>
+      </a:schemeClr>
+    </dgm:fillClrLst>
+    <dgm:linClrLst meth="repeat">
+      <a:schemeClr val="accent2"/>
+    </dgm:linClrLst>
+    <dgm:effectClrLst/>
+    <dgm:txLinClrLst/>
+    <dgm:txFillClrLst meth="repeat">
+      <a:schemeClr val="dk1"/>
+    </dgm:txFillClrLst>
+    <dgm:txEffectClrLst/>
+  </dgm:styleLbl>
+  <dgm:styleLbl name="dkBgShp">
+    <dgm:fillClrLst meth="repeat">
+      <a:schemeClr val="accent2">
+        <a:shade val="80000"/>
+      </a:schemeClr>
+    </dgm:fillClrLst>
+    <dgm:linClrLst meth="repeat">
+      <a:schemeClr val="accent2"/>
+    </dgm:linClrLst>
+    <dgm:effectClrLst/>
+    <dgm:txLinClrLst/>
+    <dgm:txFillClrLst meth="repeat">
+      <a:schemeClr val="lt1"/>
+    </dgm:txFillClrLst>
+    <dgm:txEffectClrLst/>
+  </dgm:styleLbl>
+  <dgm:styleLbl name="trBgShp">
+    <dgm:fillClrLst meth="repeat">
+      <a:schemeClr val="accent2">
+        <a:tint val="50000"/>
+        <a:alpha val="40000"/>
+      </a:schemeClr>
+    </dgm:fillClrLst>
+    <dgm:linClrLst meth="repeat">
+      <a:schemeClr val="accent2"/>
+    </dgm:linClrLst>
+    <dgm:effectClrLst/>
+    <dgm:txLinClrLst/>
+    <dgm:txFillClrLst meth="repeat">
+      <a:schemeClr val="lt1"/>
+    </dgm:txFillClrLst>
+    <dgm:txEffectClrLst/>
+  </dgm:styleLbl>
+  <dgm:styleLbl name="fgShp">
+    <dgm:fillClrLst meth="repeat">
+      <a:schemeClr val="accent2">
+        <a:tint val="60000"/>
+      </a:schemeClr>
+    </dgm:fillClrLst>
+    <dgm:linClrLst meth="repeat">
+      <a:schemeClr val="lt1"/>
+    </dgm:linClrLst>
+    <dgm:effectClrLst/>
+    <dgm:txLinClrLst/>
+    <dgm:txFillClrLst meth="repeat">
+      <a:schemeClr val="dk1"/>
+    </dgm:txFillClrLst>
+    <dgm:txEffectClrLst/>
+  </dgm:styleLbl>
+  <dgm:styleLbl name="revTx">
+    <dgm:fillClrLst meth="repeat">
+      <a:schemeClr val="lt1">
+        <a:alpha val="0"/>
+      </a:schemeClr>
+    </dgm:fillClrLst>
+    <dgm:linClrLst meth="repeat">
+      <a:schemeClr val="dk1">
+        <a:alpha val="0"/>
+      </a:schemeClr>
+    </dgm:linClrLst>
+    <dgm:effectClrLst/>
+    <dgm:txLinClrLst/>
+    <dgm:txFillClrLst meth="repeat">
+      <a:schemeClr val="tx1"/>
+    </dgm:txFillClrLst>
+    <dgm:txEffectClrLst/>
+  </dgm:styleLbl>
+</dgm:colorsDef>
+</file>
+
+<file path=ppt/diagrams/data1.xml><?xml version="1.0" encoding="utf-8"?>
+<dgm:dataModel xmlns:dgm="http://schemas.openxmlformats.org/drawingml/2006/diagram" xmlns:a="http://schemas.openxmlformats.org/drawingml/2006/main">
+  <dgm:ptLst>
+    <dgm:pt modelId="{D950DB30-ACAA-40F9-8F55-DED8F3393D4E}" type="doc">
+      <dgm:prSet loTypeId="urn:microsoft.com/office/officeart/2018/5/layout/IconCircleLabelList" loCatId="icon" qsTypeId="urn:microsoft.com/office/officeart/2005/8/quickstyle/simple1" qsCatId="simple" csTypeId="urn:microsoft.com/office/officeart/2005/8/colors/accent2_2" csCatId="accent2" phldr="1"/>
+      <dgm:spPr/>
+      <dgm:t>
+        <a:bodyPr/>
+        <a:lstStyle/>
+        <a:p>
+          <a:endParaRPr lang="en-US"/>
+        </a:p>
+      </dgm:t>
+    </dgm:pt>
+    <dgm:pt modelId="{E99CE5DD-2D11-4D91-9F55-B8EAF42CED9C}">
+      <dgm:prSet/>
+      <dgm:spPr/>
+      <dgm:t>
+        <a:bodyPr/>
+        <a:lstStyle/>
+        <a:p>
+          <a:pPr>
+            <a:defRPr cap="all"/>
+          </a:pPr>
+          <a:r>
+            <a:rPr lang="nl-BE" b="1" i="0"/>
+            <a:t>Problem</a:t>
+          </a:r>
+          <a:endParaRPr lang="en-US"/>
+        </a:p>
+      </dgm:t>
+    </dgm:pt>
+    <dgm:pt modelId="{84A51572-981D-44B0-8262-1BE33195AEF5}" type="parTrans" cxnId="{6856488F-ACEA-4063-81D2-F2A4C17FE0E2}">
+      <dgm:prSet/>
+      <dgm:spPr/>
+      <dgm:t>
+        <a:bodyPr/>
+        <a:lstStyle/>
+        <a:p>
+          <a:endParaRPr lang="en-US"/>
+        </a:p>
+      </dgm:t>
+    </dgm:pt>
+    <dgm:pt modelId="{562C58A0-88C8-44D1-B7C3-882BE4B215B2}" type="sibTrans" cxnId="{6856488F-ACEA-4063-81D2-F2A4C17FE0E2}">
+      <dgm:prSet/>
+      <dgm:spPr/>
+      <dgm:t>
+        <a:bodyPr/>
+        <a:lstStyle/>
+        <a:p>
+          <a:endParaRPr lang="en-US"/>
+        </a:p>
+      </dgm:t>
+    </dgm:pt>
+    <dgm:pt modelId="{8E031C1A-2970-4BF8-859D-B64EDB0E5E46}">
+      <dgm:prSet/>
+      <dgm:spPr/>
+      <dgm:t>
+        <a:bodyPr/>
+        <a:lstStyle/>
+        <a:p>
+          <a:pPr>
+            <a:defRPr cap="all"/>
+          </a:pPr>
+          <a:r>
+            <a:rPr lang="nl-BE" b="1" i="0" dirty="0"/>
+            <a:t>Solution</a:t>
+          </a:r>
+          <a:endParaRPr lang="en-US" dirty="0"/>
+        </a:p>
+      </dgm:t>
+    </dgm:pt>
+    <dgm:pt modelId="{F9907D4E-48F6-4444-88C8-D0DDE25E3936}" type="parTrans" cxnId="{D0381720-C356-404B-B098-A177F248B39B}">
+      <dgm:prSet/>
+      <dgm:spPr/>
+      <dgm:t>
+        <a:bodyPr/>
+        <a:lstStyle/>
+        <a:p>
+          <a:endParaRPr lang="en-US"/>
+        </a:p>
+      </dgm:t>
+    </dgm:pt>
+    <dgm:pt modelId="{32F44216-2CBA-43FB-B4C7-C39BA7CDC500}" type="sibTrans" cxnId="{D0381720-C356-404B-B098-A177F248B39B}">
+      <dgm:prSet/>
+      <dgm:spPr/>
+      <dgm:t>
+        <a:bodyPr/>
+        <a:lstStyle/>
+        <a:p>
+          <a:endParaRPr lang="en-US"/>
+        </a:p>
+      </dgm:t>
+    </dgm:pt>
+    <dgm:pt modelId="{273B371C-FBAE-47C6-A5DF-D65795EC3A2F}">
+      <dgm:prSet/>
+      <dgm:spPr/>
+      <dgm:t>
+        <a:bodyPr/>
+        <a:lstStyle/>
+        <a:p>
+          <a:pPr>
+            <a:defRPr cap="all"/>
+          </a:pPr>
+          <a:r>
+            <a:rPr lang="nl-BE" b="1" i="0"/>
+            <a:t>Progress</a:t>
+          </a:r>
+          <a:endParaRPr lang="en-US"/>
+        </a:p>
+      </dgm:t>
+    </dgm:pt>
+    <dgm:pt modelId="{86069B33-461D-432F-A158-6623A50D1486}" type="parTrans" cxnId="{513A13F6-2387-4541-8203-1625474906B6}">
+      <dgm:prSet/>
+      <dgm:spPr/>
+      <dgm:t>
+        <a:bodyPr/>
+        <a:lstStyle/>
+        <a:p>
+          <a:endParaRPr lang="en-US"/>
+        </a:p>
+      </dgm:t>
+    </dgm:pt>
+    <dgm:pt modelId="{D0C9C92D-08E9-4782-8DCE-E2025E754BF3}" type="sibTrans" cxnId="{513A13F6-2387-4541-8203-1625474906B6}">
+      <dgm:prSet/>
+      <dgm:spPr/>
+      <dgm:t>
+        <a:bodyPr/>
+        <a:lstStyle/>
+        <a:p>
+          <a:endParaRPr lang="en-US"/>
+        </a:p>
+      </dgm:t>
+    </dgm:pt>
+    <dgm:pt modelId="{86C4EC34-286E-4BA5-811A-2A75C261AA44}">
+      <dgm:prSet/>
+      <dgm:spPr/>
+      <dgm:t>
+        <a:bodyPr/>
+        <a:lstStyle/>
+        <a:p>
+          <a:pPr>
+            <a:defRPr cap="all"/>
+          </a:pPr>
+          <a:r>
+            <a:rPr lang="nl-BE" b="1" i="0"/>
+            <a:t>Key takeaways</a:t>
+          </a:r>
+          <a:endParaRPr lang="en-US"/>
+        </a:p>
+      </dgm:t>
+    </dgm:pt>
+    <dgm:pt modelId="{BC533E27-4493-4F67-A1B4-6CA3DB133A72}" type="parTrans" cxnId="{8768D9F6-36EE-46A6-AE5C-512CF707F572}">
+      <dgm:prSet/>
+      <dgm:spPr/>
+      <dgm:t>
+        <a:bodyPr/>
+        <a:lstStyle/>
+        <a:p>
+          <a:endParaRPr lang="en-US"/>
+        </a:p>
+      </dgm:t>
+    </dgm:pt>
+    <dgm:pt modelId="{16ED4713-25BB-45E3-8725-22CE8893A33D}" type="sibTrans" cxnId="{8768D9F6-36EE-46A6-AE5C-512CF707F572}">
+      <dgm:prSet/>
+      <dgm:spPr/>
+      <dgm:t>
+        <a:bodyPr/>
+        <a:lstStyle/>
+        <a:p>
+          <a:endParaRPr lang="en-US"/>
+        </a:p>
+      </dgm:t>
+    </dgm:pt>
+    <dgm:pt modelId="{DE82E119-8150-439D-9705-2CDE75AE19A6}" type="pres">
+      <dgm:prSet presAssocID="{D950DB30-ACAA-40F9-8F55-DED8F3393D4E}" presName="root" presStyleCnt="0">
+        <dgm:presLayoutVars>
+          <dgm:dir/>
+          <dgm:resizeHandles val="exact"/>
+        </dgm:presLayoutVars>
+      </dgm:prSet>
+      <dgm:spPr/>
+    </dgm:pt>
+    <dgm:pt modelId="{846A877A-817D-48DA-97AA-4C89D8FAA22A}" type="pres">
+      <dgm:prSet presAssocID="{E99CE5DD-2D11-4D91-9F55-B8EAF42CED9C}" presName="compNode" presStyleCnt="0"/>
+      <dgm:spPr/>
+    </dgm:pt>
+    <dgm:pt modelId="{09D3D674-0D7A-4BEF-9E79-50E5F2596738}" type="pres">
+      <dgm:prSet presAssocID="{E99CE5DD-2D11-4D91-9F55-B8EAF42CED9C}" presName="iconBgRect" presStyleLbl="bgShp" presStyleIdx="0" presStyleCnt="4"/>
+      <dgm:spPr/>
+    </dgm:pt>
+    <dgm:pt modelId="{D202B5F7-E71F-4226-8635-1B89198FE1CE}" type="pres">
+      <dgm:prSet presAssocID="{E99CE5DD-2D11-4D91-9F55-B8EAF42CED9C}" presName="iconRect" presStyleLbl="node1" presStyleIdx="0" presStyleCnt="4"/>
+      <dgm:spPr>
+        <a:blipFill>
+          <a:blip xmlns:r="http://schemas.openxmlformats.org/officeDocument/2006/relationships" r:embed="rId1">
+            <a:extLst>
+              <a:ext uri="{28A0092B-C50C-407E-A947-70E740481C1C}">
+                <a14:useLocalDpi xmlns:a14="http://schemas.microsoft.com/office/drawing/2010/main" val="0"/>
+              </a:ext>
+              <a:ext uri="{96DAC541-7B7A-43D3-8B79-37D633B846F1}">
+                <asvg:svgBlip xmlns:asvg="http://schemas.microsoft.com/office/drawing/2016/SVG/main" r:embed="rId2"/>
+              </a:ext>
+            </a:extLst>
+          </a:blip>
+          <a:stretch>
+            <a:fillRect/>
+          </a:stretch>
+        </a:blipFill>
+        <a:ln>
+          <a:noFill/>
+        </a:ln>
+      </dgm:spPr>
+      <dgm:extLst>
+        <a:ext uri="{E40237B7-FDA0-4F09-8148-C483321AD2D9}">
+          <dgm14:cNvPr xmlns:dgm14="http://schemas.microsoft.com/office/drawing/2010/diagram" id="0" name="" descr="Question mark"/>
+        </a:ext>
+      </dgm:extLst>
+    </dgm:pt>
+    <dgm:pt modelId="{2FB58F02-D529-4F85-97E9-C22638AE90D7}" type="pres">
+      <dgm:prSet presAssocID="{E99CE5DD-2D11-4D91-9F55-B8EAF42CED9C}" presName="spaceRect" presStyleCnt="0"/>
+      <dgm:spPr/>
+    </dgm:pt>
+    <dgm:pt modelId="{D396D921-983C-4FA3-8E92-83CC29806A25}" type="pres">
+      <dgm:prSet presAssocID="{E99CE5DD-2D11-4D91-9F55-B8EAF42CED9C}" presName="textRect" presStyleLbl="revTx" presStyleIdx="0" presStyleCnt="4">
+        <dgm:presLayoutVars>
+          <dgm:chMax val="1"/>
+          <dgm:chPref val="1"/>
+        </dgm:presLayoutVars>
+      </dgm:prSet>
+      <dgm:spPr/>
+    </dgm:pt>
+    <dgm:pt modelId="{48DED780-B873-47C8-AD82-5EB83F5F04F6}" type="pres">
+      <dgm:prSet presAssocID="{562C58A0-88C8-44D1-B7C3-882BE4B215B2}" presName="sibTrans" presStyleCnt="0"/>
+      <dgm:spPr/>
+    </dgm:pt>
+    <dgm:pt modelId="{E8A9C9EA-ABB9-46CD-8DBF-3AD666959AF0}" type="pres">
+      <dgm:prSet presAssocID="{8E031C1A-2970-4BF8-859D-B64EDB0E5E46}" presName="compNode" presStyleCnt="0"/>
+      <dgm:spPr/>
+    </dgm:pt>
+    <dgm:pt modelId="{AA62B71C-035E-4825-A801-78C3FCDB2B89}" type="pres">
+      <dgm:prSet presAssocID="{8E031C1A-2970-4BF8-859D-B64EDB0E5E46}" presName="iconBgRect" presStyleLbl="bgShp" presStyleIdx="1" presStyleCnt="4"/>
+      <dgm:spPr/>
+    </dgm:pt>
+    <dgm:pt modelId="{F58BB4C2-8170-4A31-8157-28032BB69BAF}" type="pres">
+      <dgm:prSet presAssocID="{8E031C1A-2970-4BF8-859D-B64EDB0E5E46}" presName="iconRect" presStyleLbl="node1" presStyleIdx="1" presStyleCnt="4"/>
+      <dgm:spPr>
+        <a:blipFill>
+          <a:blip xmlns:r="http://schemas.openxmlformats.org/officeDocument/2006/relationships" r:embed="rId3">
+            <a:extLst>
+              <a:ext uri="{28A0092B-C50C-407E-A947-70E740481C1C}">
+                <a14:useLocalDpi xmlns:a14="http://schemas.microsoft.com/office/drawing/2010/main" val="0"/>
+              </a:ext>
+              <a:ext uri="{96DAC541-7B7A-43D3-8B79-37D633B846F1}">
+                <asvg:svgBlip xmlns:asvg="http://schemas.microsoft.com/office/drawing/2016/SVG/main" r:embed="rId4"/>
+              </a:ext>
+            </a:extLst>
+          </a:blip>
+          <a:stretch>
+            <a:fillRect/>
+          </a:stretch>
+        </a:blipFill>
+        <a:ln>
+          <a:noFill/>
+        </a:ln>
+      </dgm:spPr>
+      <dgm:extLst>
+        <a:ext uri="{E40237B7-FDA0-4F09-8148-C483321AD2D9}">
+          <dgm14:cNvPr xmlns:dgm14="http://schemas.microsoft.com/office/drawing/2010/diagram" id="0" name="" descr="Lightbulb"/>
+        </a:ext>
+      </dgm:extLst>
+    </dgm:pt>
+    <dgm:pt modelId="{9BA1187A-0E69-4285-B8F7-1A46BF352078}" type="pres">
+      <dgm:prSet presAssocID="{8E031C1A-2970-4BF8-859D-B64EDB0E5E46}" presName="spaceRect" presStyleCnt="0"/>
+      <dgm:spPr/>
+    </dgm:pt>
+    <dgm:pt modelId="{0FFD61E3-FE4D-4EE5-B63E-90945C137E07}" type="pres">
+      <dgm:prSet presAssocID="{8E031C1A-2970-4BF8-859D-B64EDB0E5E46}" presName="textRect" presStyleLbl="revTx" presStyleIdx="1" presStyleCnt="4">
+        <dgm:presLayoutVars>
+          <dgm:chMax val="1"/>
+          <dgm:chPref val="1"/>
+        </dgm:presLayoutVars>
+      </dgm:prSet>
+      <dgm:spPr/>
+    </dgm:pt>
+    <dgm:pt modelId="{4EBC29E3-632A-4BEA-AB3B-47144A8E7A6B}" type="pres">
+      <dgm:prSet presAssocID="{32F44216-2CBA-43FB-B4C7-C39BA7CDC500}" presName="sibTrans" presStyleCnt="0"/>
+      <dgm:spPr/>
+    </dgm:pt>
+    <dgm:pt modelId="{F879C8D1-1C0E-474C-8ADB-EB3E8560F6D1}" type="pres">
+      <dgm:prSet presAssocID="{273B371C-FBAE-47C6-A5DF-D65795EC3A2F}" presName="compNode" presStyleCnt="0"/>
+      <dgm:spPr/>
+    </dgm:pt>
+    <dgm:pt modelId="{52E0DC7C-A355-4B49-9EA3-30F60B99BB2B}" type="pres">
+      <dgm:prSet presAssocID="{273B371C-FBAE-47C6-A5DF-D65795EC3A2F}" presName="iconBgRect" presStyleLbl="bgShp" presStyleIdx="2" presStyleCnt="4"/>
+      <dgm:spPr/>
+    </dgm:pt>
+    <dgm:pt modelId="{FD67CB69-341C-427C-A698-A0AB93F141E0}" type="pres">
+      <dgm:prSet presAssocID="{273B371C-FBAE-47C6-A5DF-D65795EC3A2F}" presName="iconRect" presStyleLbl="node1" presStyleIdx="2" presStyleCnt="4"/>
+      <dgm:spPr>
+        <a:blipFill>
+          <a:blip xmlns:r="http://schemas.openxmlformats.org/officeDocument/2006/relationships" r:embed="rId5">
+            <a:extLst>
+              <a:ext uri="{28A0092B-C50C-407E-A947-70E740481C1C}">
+                <a14:useLocalDpi xmlns:a14="http://schemas.microsoft.com/office/drawing/2010/main" val="0"/>
+              </a:ext>
+              <a:ext uri="{96DAC541-7B7A-43D3-8B79-37D633B846F1}">
+                <asvg:svgBlip xmlns:asvg="http://schemas.microsoft.com/office/drawing/2016/SVG/main" r:embed="rId6"/>
+              </a:ext>
+            </a:extLst>
+          </a:blip>
+          <a:stretch>
+            <a:fillRect/>
+          </a:stretch>
+        </a:blipFill>
+        <a:ln>
+          <a:noFill/>
+        </a:ln>
+      </dgm:spPr>
+      <dgm:extLst>
+        <a:ext uri="{E40237B7-FDA0-4F09-8148-C483321AD2D9}">
+          <dgm14:cNvPr xmlns:dgm14="http://schemas.microsoft.com/office/drawing/2010/diagram" id="0" name="" descr="Business Growth"/>
+        </a:ext>
+      </dgm:extLst>
+    </dgm:pt>
+    <dgm:pt modelId="{639A6994-E7F3-4CAB-846E-732611817908}" type="pres">
+      <dgm:prSet presAssocID="{273B371C-FBAE-47C6-A5DF-D65795EC3A2F}" presName="spaceRect" presStyleCnt="0"/>
+      <dgm:spPr/>
+    </dgm:pt>
+    <dgm:pt modelId="{16DD2D81-E07B-48F4-BD4D-149D38CFEF9B}" type="pres">
+      <dgm:prSet presAssocID="{273B371C-FBAE-47C6-A5DF-D65795EC3A2F}" presName="textRect" presStyleLbl="revTx" presStyleIdx="2" presStyleCnt="4">
+        <dgm:presLayoutVars>
+          <dgm:chMax val="1"/>
+          <dgm:chPref val="1"/>
+        </dgm:presLayoutVars>
+      </dgm:prSet>
+      <dgm:spPr/>
+    </dgm:pt>
+    <dgm:pt modelId="{8C7F6D71-D32D-4701-89B2-BD0EF5E82488}" type="pres">
+      <dgm:prSet presAssocID="{D0C9C92D-08E9-4782-8DCE-E2025E754BF3}" presName="sibTrans" presStyleCnt="0"/>
+      <dgm:spPr/>
+    </dgm:pt>
+    <dgm:pt modelId="{96BD8FFB-9473-4F8A-AE8A-AE2AC84F21A9}" type="pres">
+      <dgm:prSet presAssocID="{86C4EC34-286E-4BA5-811A-2A75C261AA44}" presName="compNode" presStyleCnt="0"/>
+      <dgm:spPr/>
+    </dgm:pt>
+    <dgm:pt modelId="{BE43E17B-991B-4847-92F0-DB95FE45F4D4}" type="pres">
+      <dgm:prSet presAssocID="{86C4EC34-286E-4BA5-811A-2A75C261AA44}" presName="iconBgRect" presStyleLbl="bgShp" presStyleIdx="3" presStyleCnt="4"/>
+      <dgm:spPr/>
+    </dgm:pt>
+    <dgm:pt modelId="{155A40F8-408D-4AA8-AD84-75EA29298D22}" type="pres">
+      <dgm:prSet presAssocID="{86C4EC34-286E-4BA5-811A-2A75C261AA44}" presName="iconRect" presStyleLbl="node1" presStyleIdx="3" presStyleCnt="4"/>
+      <dgm:spPr>
+        <a:blipFill>
+          <a:blip xmlns:r="http://schemas.openxmlformats.org/officeDocument/2006/relationships" r:embed="rId7">
+            <a:extLst>
+              <a:ext uri="{28A0092B-C50C-407E-A947-70E740481C1C}">
+                <a14:useLocalDpi xmlns:a14="http://schemas.microsoft.com/office/drawing/2010/main" val="0"/>
+              </a:ext>
+              <a:ext uri="{96DAC541-7B7A-43D3-8B79-37D633B846F1}">
+                <asvg:svgBlip xmlns:asvg="http://schemas.microsoft.com/office/drawing/2016/SVG/main" r:embed="rId8"/>
+              </a:ext>
+            </a:extLst>
+          </a:blip>
+          <a:stretch>
+            <a:fillRect/>
+          </a:stretch>
+        </a:blipFill>
+        <a:ln>
+          <a:noFill/>
+        </a:ln>
+      </dgm:spPr>
+      <dgm:extLst>
+        <a:ext uri="{E40237B7-FDA0-4F09-8148-C483321AD2D9}">
+          <dgm14:cNvPr xmlns:dgm14="http://schemas.microsoft.com/office/drawing/2010/diagram" id="0" name="" descr="Checkmark"/>
+        </a:ext>
+      </dgm:extLst>
+    </dgm:pt>
+    <dgm:pt modelId="{07B4B162-C710-4A2A-9F2D-60107E2FD9DE}" type="pres">
+      <dgm:prSet presAssocID="{86C4EC34-286E-4BA5-811A-2A75C261AA44}" presName="spaceRect" presStyleCnt="0"/>
+      <dgm:spPr/>
+    </dgm:pt>
+    <dgm:pt modelId="{D21DB69A-16BE-4471-80C4-9A36E939F5D4}" type="pres">
+      <dgm:prSet presAssocID="{86C4EC34-286E-4BA5-811A-2A75C261AA44}" presName="textRect" presStyleLbl="revTx" presStyleIdx="3" presStyleCnt="4">
+        <dgm:presLayoutVars>
+          <dgm:chMax val="1"/>
+          <dgm:chPref val="1"/>
+        </dgm:presLayoutVars>
+      </dgm:prSet>
+      <dgm:spPr/>
+    </dgm:pt>
+  </dgm:ptLst>
+  <dgm:cxnLst>
+    <dgm:cxn modelId="{9E81440B-A84E-44AE-A7DF-434E6947EFA3}" type="presOf" srcId="{86C4EC34-286E-4BA5-811A-2A75C261AA44}" destId="{D21DB69A-16BE-4471-80C4-9A36E939F5D4}" srcOrd="0" destOrd="0" presId="urn:microsoft.com/office/officeart/2018/5/layout/IconCircleLabelList"/>
+    <dgm:cxn modelId="{701EAC15-7EF4-469E-B521-CA990C778863}" type="presOf" srcId="{8E031C1A-2970-4BF8-859D-B64EDB0E5E46}" destId="{0FFD61E3-FE4D-4EE5-B63E-90945C137E07}" srcOrd="0" destOrd="0" presId="urn:microsoft.com/office/officeart/2018/5/layout/IconCircleLabelList"/>
+    <dgm:cxn modelId="{D0381720-C356-404B-B098-A177F248B39B}" srcId="{D950DB30-ACAA-40F9-8F55-DED8F3393D4E}" destId="{8E031C1A-2970-4BF8-859D-B64EDB0E5E46}" srcOrd="1" destOrd="0" parTransId="{F9907D4E-48F6-4444-88C8-D0DDE25E3936}" sibTransId="{32F44216-2CBA-43FB-B4C7-C39BA7CDC500}"/>
+    <dgm:cxn modelId="{15592126-5B3A-4E08-B430-967F056451EE}" type="presOf" srcId="{E99CE5DD-2D11-4D91-9F55-B8EAF42CED9C}" destId="{D396D921-983C-4FA3-8E92-83CC29806A25}" srcOrd="0" destOrd="0" presId="urn:microsoft.com/office/officeart/2018/5/layout/IconCircleLabelList"/>
+    <dgm:cxn modelId="{6856488F-ACEA-4063-81D2-F2A4C17FE0E2}" srcId="{D950DB30-ACAA-40F9-8F55-DED8F3393D4E}" destId="{E99CE5DD-2D11-4D91-9F55-B8EAF42CED9C}" srcOrd="0" destOrd="0" parTransId="{84A51572-981D-44B0-8262-1BE33195AEF5}" sibTransId="{562C58A0-88C8-44D1-B7C3-882BE4B215B2}"/>
+    <dgm:cxn modelId="{DD7100E2-87F5-4EFF-8FCD-E13871438988}" type="presOf" srcId="{273B371C-FBAE-47C6-A5DF-D65795EC3A2F}" destId="{16DD2D81-E07B-48F4-BD4D-149D38CFEF9B}" srcOrd="0" destOrd="0" presId="urn:microsoft.com/office/officeart/2018/5/layout/IconCircleLabelList"/>
+    <dgm:cxn modelId="{372207EE-2734-499A-912F-42E4EF330A23}" type="presOf" srcId="{D950DB30-ACAA-40F9-8F55-DED8F3393D4E}" destId="{DE82E119-8150-439D-9705-2CDE75AE19A6}" srcOrd="0" destOrd="0" presId="urn:microsoft.com/office/officeart/2018/5/layout/IconCircleLabelList"/>
+    <dgm:cxn modelId="{513A13F6-2387-4541-8203-1625474906B6}" srcId="{D950DB30-ACAA-40F9-8F55-DED8F3393D4E}" destId="{273B371C-FBAE-47C6-A5DF-D65795EC3A2F}" srcOrd="2" destOrd="0" parTransId="{86069B33-461D-432F-A158-6623A50D1486}" sibTransId="{D0C9C92D-08E9-4782-8DCE-E2025E754BF3}"/>
+    <dgm:cxn modelId="{8768D9F6-36EE-46A6-AE5C-512CF707F572}" srcId="{D950DB30-ACAA-40F9-8F55-DED8F3393D4E}" destId="{86C4EC34-286E-4BA5-811A-2A75C261AA44}" srcOrd="3" destOrd="0" parTransId="{BC533E27-4493-4F67-A1B4-6CA3DB133A72}" sibTransId="{16ED4713-25BB-45E3-8725-22CE8893A33D}"/>
+    <dgm:cxn modelId="{126AE791-BF4F-4873-8EB8-BDC631D1F3AA}" type="presParOf" srcId="{DE82E119-8150-439D-9705-2CDE75AE19A6}" destId="{846A877A-817D-48DA-97AA-4C89D8FAA22A}" srcOrd="0" destOrd="0" presId="urn:microsoft.com/office/officeart/2018/5/layout/IconCircleLabelList"/>
+    <dgm:cxn modelId="{035A082D-C2C8-4EB8-9666-EBB39E74FE22}" type="presParOf" srcId="{846A877A-817D-48DA-97AA-4C89D8FAA22A}" destId="{09D3D674-0D7A-4BEF-9E79-50E5F2596738}" srcOrd="0" destOrd="0" presId="urn:microsoft.com/office/officeart/2018/5/layout/IconCircleLabelList"/>
+    <dgm:cxn modelId="{23E2CC2C-D658-45B8-9C66-307657907A75}" type="presParOf" srcId="{846A877A-817D-48DA-97AA-4C89D8FAA22A}" destId="{D202B5F7-E71F-4226-8635-1B89198FE1CE}" srcOrd="1" destOrd="0" presId="urn:microsoft.com/office/officeart/2018/5/layout/IconCircleLabelList"/>
+    <dgm:cxn modelId="{7D2C5EB9-1E67-473D-A4FD-EC3DBCBB3C90}" type="presParOf" srcId="{846A877A-817D-48DA-97AA-4C89D8FAA22A}" destId="{2FB58F02-D529-4F85-97E9-C22638AE90D7}" srcOrd="2" destOrd="0" presId="urn:microsoft.com/office/officeart/2018/5/layout/IconCircleLabelList"/>
+    <dgm:cxn modelId="{5A2AB3C7-1523-44D5-9E93-F4DC1A07FD2D}" type="presParOf" srcId="{846A877A-817D-48DA-97AA-4C89D8FAA22A}" destId="{D396D921-983C-4FA3-8E92-83CC29806A25}" srcOrd="3" destOrd="0" presId="urn:microsoft.com/office/officeart/2018/5/layout/IconCircleLabelList"/>
+    <dgm:cxn modelId="{EEF56690-0A77-4DEC-B582-CA3A457BB6E8}" type="presParOf" srcId="{DE82E119-8150-439D-9705-2CDE75AE19A6}" destId="{48DED780-B873-47C8-AD82-5EB83F5F04F6}" srcOrd="1" destOrd="0" presId="urn:microsoft.com/office/officeart/2018/5/layout/IconCircleLabelList"/>
+    <dgm:cxn modelId="{AD649D39-2276-49AE-97B3-F0B38F8781C1}" type="presParOf" srcId="{DE82E119-8150-439D-9705-2CDE75AE19A6}" destId="{E8A9C9EA-ABB9-46CD-8DBF-3AD666959AF0}" srcOrd="2" destOrd="0" presId="urn:microsoft.com/office/officeart/2018/5/layout/IconCircleLabelList"/>
+    <dgm:cxn modelId="{13C513BD-A8E4-4BDD-9D6B-0AB6CAEFF5BA}" type="presParOf" srcId="{E8A9C9EA-ABB9-46CD-8DBF-3AD666959AF0}" destId="{AA62B71C-035E-4825-A801-78C3FCDB2B89}" srcOrd="0" destOrd="0" presId="urn:microsoft.com/office/officeart/2018/5/layout/IconCircleLabelList"/>
+    <dgm:cxn modelId="{7CC46D52-79E8-4B6D-BACE-CE902D23EAE2}" type="presParOf" srcId="{E8A9C9EA-ABB9-46CD-8DBF-3AD666959AF0}" destId="{F58BB4C2-8170-4A31-8157-28032BB69BAF}" srcOrd="1" destOrd="0" presId="urn:microsoft.com/office/officeart/2018/5/layout/IconCircleLabelList"/>
+    <dgm:cxn modelId="{2C1DB11C-959C-4279-87AF-6671889EBF19}" type="presParOf" srcId="{E8A9C9EA-ABB9-46CD-8DBF-3AD666959AF0}" destId="{9BA1187A-0E69-4285-B8F7-1A46BF352078}" srcOrd="2" destOrd="0" presId="urn:microsoft.com/office/officeart/2018/5/layout/IconCircleLabelList"/>
+    <dgm:cxn modelId="{FE103B5D-F1B4-414F-83ED-E457C0556529}" type="presParOf" srcId="{E8A9C9EA-ABB9-46CD-8DBF-3AD666959AF0}" destId="{0FFD61E3-FE4D-4EE5-B63E-90945C137E07}" srcOrd="3" destOrd="0" presId="urn:microsoft.com/office/officeart/2018/5/layout/IconCircleLabelList"/>
+    <dgm:cxn modelId="{52392E5E-C8B8-4E7A-BDFD-935B4D0B3766}" type="presParOf" srcId="{DE82E119-8150-439D-9705-2CDE75AE19A6}" destId="{4EBC29E3-632A-4BEA-AB3B-47144A8E7A6B}" srcOrd="3" destOrd="0" presId="urn:microsoft.com/office/officeart/2018/5/layout/IconCircleLabelList"/>
+    <dgm:cxn modelId="{0E4CF246-C331-43CC-9824-A0317CC46430}" type="presParOf" srcId="{DE82E119-8150-439D-9705-2CDE75AE19A6}" destId="{F879C8D1-1C0E-474C-8ADB-EB3E8560F6D1}" srcOrd="4" destOrd="0" presId="urn:microsoft.com/office/officeart/2018/5/layout/IconCircleLabelList"/>
+    <dgm:cxn modelId="{A9FAA8AB-5741-4C66-8888-1BA9EE3506FA}" type="presParOf" srcId="{F879C8D1-1C0E-474C-8ADB-EB3E8560F6D1}" destId="{52E0DC7C-A355-4B49-9EA3-30F60B99BB2B}" srcOrd="0" destOrd="0" presId="urn:microsoft.com/office/officeart/2018/5/layout/IconCircleLabelList"/>
+    <dgm:cxn modelId="{58585AA0-028A-4A4E-82F0-80E8568B1243}" type="presParOf" srcId="{F879C8D1-1C0E-474C-8ADB-EB3E8560F6D1}" destId="{FD67CB69-341C-427C-A698-A0AB93F141E0}" srcOrd="1" destOrd="0" presId="urn:microsoft.com/office/officeart/2018/5/layout/IconCircleLabelList"/>
+    <dgm:cxn modelId="{8B8DB59A-8AFF-4C32-928F-536718FCE255}" type="presParOf" srcId="{F879C8D1-1C0E-474C-8ADB-EB3E8560F6D1}" destId="{639A6994-E7F3-4CAB-846E-732611817908}" srcOrd="2" destOrd="0" presId="urn:microsoft.com/office/officeart/2018/5/layout/IconCircleLabelList"/>
+    <dgm:cxn modelId="{AC07B50D-CB15-45E2-B029-580EDCC2D5B6}" type="presParOf" srcId="{F879C8D1-1C0E-474C-8ADB-EB3E8560F6D1}" destId="{16DD2D81-E07B-48F4-BD4D-149D38CFEF9B}" srcOrd="3" destOrd="0" presId="urn:microsoft.com/office/officeart/2018/5/layout/IconCircleLabelList"/>
+    <dgm:cxn modelId="{15F92F56-E7D4-434B-A730-256E46C62DD2}" type="presParOf" srcId="{DE82E119-8150-439D-9705-2CDE75AE19A6}" destId="{8C7F6D71-D32D-4701-89B2-BD0EF5E82488}" srcOrd="5" destOrd="0" presId="urn:microsoft.com/office/officeart/2018/5/layout/IconCircleLabelList"/>
+    <dgm:cxn modelId="{AAECB9D1-B73F-46C0-9ED0-A06593190326}" type="presParOf" srcId="{DE82E119-8150-439D-9705-2CDE75AE19A6}" destId="{96BD8FFB-9473-4F8A-AE8A-AE2AC84F21A9}" srcOrd="6" destOrd="0" presId="urn:microsoft.com/office/officeart/2018/5/layout/IconCircleLabelList"/>
+    <dgm:cxn modelId="{DA336DAE-4EAF-4E63-88E5-ACCDB19AA978}" type="presParOf" srcId="{96BD8FFB-9473-4F8A-AE8A-AE2AC84F21A9}" destId="{BE43E17B-991B-4847-92F0-DB95FE45F4D4}" srcOrd="0" destOrd="0" presId="urn:microsoft.com/office/officeart/2018/5/layout/IconCircleLabelList"/>
+    <dgm:cxn modelId="{D6B6A7DA-FC65-4443-B608-C68EFB683F52}" type="presParOf" srcId="{96BD8FFB-9473-4F8A-AE8A-AE2AC84F21A9}" destId="{155A40F8-408D-4AA8-AD84-75EA29298D22}" srcOrd="1" destOrd="0" presId="urn:microsoft.com/office/officeart/2018/5/layout/IconCircleLabelList"/>
+    <dgm:cxn modelId="{BD5D3BB4-F15F-4FD9-B56C-D222A7580E52}" type="presParOf" srcId="{96BD8FFB-9473-4F8A-AE8A-AE2AC84F21A9}" destId="{07B4B162-C710-4A2A-9F2D-60107E2FD9DE}" srcOrd="2" destOrd="0" presId="urn:microsoft.com/office/officeart/2018/5/layout/IconCircleLabelList"/>
+    <dgm:cxn modelId="{F59C8F93-5A02-40CE-9A59-48C65EDD22CC}" type="presParOf" srcId="{96BD8FFB-9473-4F8A-AE8A-AE2AC84F21A9}" destId="{D21DB69A-16BE-4471-80C4-9A36E939F5D4}" srcOrd="3" destOrd="0" presId="urn:microsoft.com/office/officeart/2018/5/layout/IconCircleLabelList"/>
+  </dgm:cxnLst>
+  <dgm:bg/>
+  <dgm:whole/>
+  <dgm:extLst>
+    <a:ext uri="http://schemas.microsoft.com/office/drawing/2008/diagram">
+      <dsp:dataModelExt xmlns:dsp="http://schemas.microsoft.com/office/drawing/2008/diagram" relId="rId6" minVer="http://schemas.openxmlformats.org/drawingml/2006/diagram"/>
+    </a:ext>
+  </dgm:extLst>
+</dgm:dataModel>
+</file>
+
+<file path=ppt/diagrams/drawing1.xml><?xml version="1.0" encoding="utf-8"?>
+<dsp:drawing xmlns:dgm="http://schemas.openxmlformats.org/drawingml/2006/diagram" xmlns:dsp="http://schemas.microsoft.com/office/drawing/2008/diagram" xmlns:a="http://schemas.openxmlformats.org/drawingml/2006/main">
+  <dsp:spTree>
+    <dsp:nvGrpSpPr>
+      <dsp:cNvPr id="0" name=""/>
+      <dsp:cNvGrpSpPr/>
+    </dsp:nvGrpSpPr>
+    <dsp:grpSpPr/>
+    <dsp:sp modelId="{09D3D674-0D7A-4BEF-9E79-50E5F2596738}">
+      <dsp:nvSpPr>
+        <dsp:cNvPr id="0" name=""/>
+        <dsp:cNvSpPr/>
+      </dsp:nvSpPr>
+      <dsp:spPr>
+        <a:xfrm>
+          <a:off x="569006" y="1020808"/>
+          <a:ext cx="1446623" cy="1446623"/>
+        </a:xfrm>
+        <a:prstGeom prst="ellipse">
+          <a:avLst/>
+        </a:prstGeom>
+        <a:solidFill>
+          <a:schemeClr val="accent2">
+            <a:tint val="40000"/>
+            <a:hueOff val="0"/>
+            <a:satOff val="0"/>
+            <a:lumOff val="0"/>
+            <a:alphaOff val="0"/>
+          </a:schemeClr>
+        </a:solidFill>
+        <a:ln>
+          <a:noFill/>
+        </a:ln>
+        <a:effectLst/>
+      </dsp:spPr>
+      <dsp:style>
+        <a:lnRef idx="0">
+          <a:scrgbClr r="0" g="0" b="0"/>
+        </a:lnRef>
+        <a:fillRef idx="1">
+          <a:scrgbClr r="0" g="0" b="0"/>
+        </a:fillRef>
+        <a:effectRef idx="0">
+          <a:scrgbClr r="0" g="0" b="0"/>
+        </a:effectRef>
+        <a:fontRef idx="minor"/>
+      </dsp:style>
+    </dsp:sp>
+    <dsp:sp modelId="{D202B5F7-E71F-4226-8635-1B89198FE1CE}">
+      <dsp:nvSpPr>
+        <dsp:cNvPr id="0" name=""/>
+        <dsp:cNvSpPr/>
+      </dsp:nvSpPr>
+      <dsp:spPr>
+        <a:xfrm>
+          <a:off x="877303" y="1329105"/>
+          <a:ext cx="830029" cy="830029"/>
+        </a:xfrm>
+        <a:prstGeom prst="rect">
+          <a:avLst/>
+        </a:prstGeom>
+        <a:blipFill>
+          <a:blip xmlns:r="http://schemas.openxmlformats.org/officeDocument/2006/relationships" r:embed="rId1">
+            <a:extLst>
+              <a:ext uri="{28A0092B-C50C-407E-A947-70E740481C1C}">
+                <a14:useLocalDpi xmlns:a14="http://schemas.microsoft.com/office/drawing/2010/main" val="0"/>
+              </a:ext>
+              <a:ext uri="{96DAC541-7B7A-43D3-8B79-37D633B846F1}">
+                <asvg:svgBlip xmlns:asvg="http://schemas.microsoft.com/office/drawing/2016/SVG/main" r:embed="rId2"/>
+              </a:ext>
+            </a:extLst>
+          </a:blip>
+          <a:stretch>
+            <a:fillRect/>
+          </a:stretch>
+        </a:blipFill>
+        <a:ln w="25400" cap="flat" cmpd="sng" algn="ctr">
+          <a:noFill/>
+          <a:prstDash val="solid"/>
+        </a:ln>
+        <a:effectLst/>
+      </dsp:spPr>
+      <dsp:style>
+        <a:lnRef idx="2">
+          <a:scrgbClr r="0" g="0" b="0"/>
+        </a:lnRef>
+        <a:fillRef idx="1">
+          <a:scrgbClr r="0" g="0" b="0"/>
+        </a:fillRef>
+        <a:effectRef idx="0">
+          <a:scrgbClr r="0" g="0" b="0"/>
+        </a:effectRef>
+        <a:fontRef idx="minor">
+          <a:schemeClr val="lt1"/>
+        </a:fontRef>
+      </dsp:style>
+    </dsp:sp>
+    <dsp:sp modelId="{D396D921-983C-4FA3-8E92-83CC29806A25}">
+      <dsp:nvSpPr>
+        <dsp:cNvPr id="0" name=""/>
+        <dsp:cNvSpPr/>
+      </dsp:nvSpPr>
+      <dsp:spPr>
+        <a:xfrm>
+          <a:off x="106561" y="2918020"/>
+          <a:ext cx="2371514" cy="720000"/>
+        </a:xfrm>
+        <a:prstGeom prst="rect">
+          <a:avLst/>
+        </a:prstGeom>
+        <a:noFill/>
+        <a:ln>
+          <a:noFill/>
+        </a:ln>
+        <a:effectLst/>
+      </dsp:spPr>
+      <dsp:style>
+        <a:lnRef idx="0">
+          <a:scrgbClr r="0" g="0" b="0"/>
+        </a:lnRef>
+        <a:fillRef idx="0">
+          <a:scrgbClr r="0" g="0" b="0"/>
+        </a:fillRef>
+        <a:effectRef idx="0">
+          <a:scrgbClr r="0" g="0" b="0"/>
+        </a:effectRef>
+        <a:fontRef idx="minor"/>
+      </dsp:style>
+      <dsp:txBody>
+        <a:bodyPr spcFirstLastPara="0" vert="horz" wrap="square" lIns="0" tIns="0" rIns="0" bIns="0" numCol="1" spcCol="1270" anchor="t" anchorCtr="0">
+          <a:noAutofit/>
+        </a:bodyPr>
+        <a:lstStyle/>
+        <a:p>
+          <a:pPr marL="0" lvl="0" indent="0" algn="ctr" defTabSz="1200150">
+            <a:lnSpc>
+              <a:spcPct val="90000"/>
+            </a:lnSpc>
+            <a:spcBef>
+              <a:spcPct val="0"/>
+            </a:spcBef>
+            <a:spcAft>
+              <a:spcPct val="35000"/>
+            </a:spcAft>
+            <a:buNone/>
+            <a:defRPr cap="all"/>
+          </a:pPr>
+          <a:r>
+            <a:rPr lang="nl-BE" sz="2700" b="1" i="0" kern="1200"/>
+            <a:t>Problem</a:t>
+          </a:r>
+          <a:endParaRPr lang="en-US" sz="2700" kern="1200"/>
+        </a:p>
+      </dsp:txBody>
+      <dsp:txXfrm>
+        <a:off x="106561" y="2918020"/>
+        <a:ext cx="2371514" cy="720000"/>
+      </dsp:txXfrm>
+    </dsp:sp>
+    <dsp:sp modelId="{AA62B71C-035E-4825-A801-78C3FCDB2B89}">
+      <dsp:nvSpPr>
+        <dsp:cNvPr id="0" name=""/>
+        <dsp:cNvSpPr/>
+      </dsp:nvSpPr>
+      <dsp:spPr>
+        <a:xfrm>
+          <a:off x="3355535" y="1020808"/>
+          <a:ext cx="1446623" cy="1446623"/>
+        </a:xfrm>
+        <a:prstGeom prst="ellipse">
+          <a:avLst/>
+        </a:prstGeom>
+        <a:solidFill>
+          <a:schemeClr val="accent2">
+            <a:tint val="40000"/>
+            <a:hueOff val="0"/>
+            <a:satOff val="0"/>
+            <a:lumOff val="0"/>
+            <a:alphaOff val="0"/>
+          </a:schemeClr>
+        </a:solidFill>
+        <a:ln>
+          <a:noFill/>
+        </a:ln>
+        <a:effectLst/>
+      </dsp:spPr>
+      <dsp:style>
+        <a:lnRef idx="0">
+          <a:scrgbClr r="0" g="0" b="0"/>
+        </a:lnRef>
+        <a:fillRef idx="1">
+          <a:scrgbClr r="0" g="0" b="0"/>
+        </a:fillRef>
+        <a:effectRef idx="0">
+          <a:scrgbClr r="0" g="0" b="0"/>
+        </a:effectRef>
+        <a:fontRef idx="minor"/>
+      </dsp:style>
+    </dsp:sp>
+    <dsp:sp modelId="{F58BB4C2-8170-4A31-8157-28032BB69BAF}">
+      <dsp:nvSpPr>
+        <dsp:cNvPr id="0" name=""/>
+        <dsp:cNvSpPr/>
+      </dsp:nvSpPr>
+      <dsp:spPr>
+        <a:xfrm>
+          <a:off x="3663832" y="1329105"/>
+          <a:ext cx="830029" cy="830029"/>
+        </a:xfrm>
+        <a:prstGeom prst="rect">
+          <a:avLst/>
+        </a:prstGeom>
+        <a:blipFill>
+          <a:blip xmlns:r="http://schemas.openxmlformats.org/officeDocument/2006/relationships" r:embed="rId3">
+            <a:extLst>
+              <a:ext uri="{28A0092B-C50C-407E-A947-70E740481C1C}">
+                <a14:useLocalDpi xmlns:a14="http://schemas.microsoft.com/office/drawing/2010/main" val="0"/>
+              </a:ext>
+              <a:ext uri="{96DAC541-7B7A-43D3-8B79-37D633B846F1}">
+                <asvg:svgBlip xmlns:asvg="http://schemas.microsoft.com/office/drawing/2016/SVG/main" r:embed="rId4"/>
+              </a:ext>
+            </a:extLst>
+          </a:blip>
+          <a:stretch>
+            <a:fillRect/>
+          </a:stretch>
+        </a:blipFill>
+        <a:ln w="25400" cap="flat" cmpd="sng" algn="ctr">
+          <a:noFill/>
+          <a:prstDash val="solid"/>
+        </a:ln>
+        <a:effectLst/>
+      </dsp:spPr>
+      <dsp:style>
+        <a:lnRef idx="2">
+          <a:scrgbClr r="0" g="0" b="0"/>
+        </a:lnRef>
+        <a:fillRef idx="1">
+          <a:scrgbClr r="0" g="0" b="0"/>
+        </a:fillRef>
+        <a:effectRef idx="0">
+          <a:scrgbClr r="0" g="0" b="0"/>
+        </a:effectRef>
+        <a:fontRef idx="minor">
+          <a:schemeClr val="lt1"/>
+        </a:fontRef>
+      </dsp:style>
+    </dsp:sp>
+    <dsp:sp modelId="{0FFD61E3-FE4D-4EE5-B63E-90945C137E07}">
+      <dsp:nvSpPr>
+        <dsp:cNvPr id="0" name=""/>
+        <dsp:cNvSpPr/>
+      </dsp:nvSpPr>
+      <dsp:spPr>
+        <a:xfrm>
+          <a:off x="2893090" y="2918020"/>
+          <a:ext cx="2371514" cy="720000"/>
+        </a:xfrm>
+        <a:prstGeom prst="rect">
+          <a:avLst/>
+        </a:prstGeom>
+        <a:noFill/>
+        <a:ln>
+          <a:noFill/>
+        </a:ln>
+        <a:effectLst/>
+      </dsp:spPr>
+      <dsp:style>
+        <a:lnRef idx="0">
+          <a:scrgbClr r="0" g="0" b="0"/>
+        </a:lnRef>
+        <a:fillRef idx="0">
+          <a:scrgbClr r="0" g="0" b="0"/>
+        </a:fillRef>
+        <a:effectRef idx="0">
+          <a:scrgbClr r="0" g="0" b="0"/>
+        </a:effectRef>
+        <a:fontRef idx="minor"/>
+      </dsp:style>
+      <dsp:txBody>
+        <a:bodyPr spcFirstLastPara="0" vert="horz" wrap="square" lIns="0" tIns="0" rIns="0" bIns="0" numCol="1" spcCol="1270" anchor="t" anchorCtr="0">
+          <a:noAutofit/>
+        </a:bodyPr>
+        <a:lstStyle/>
+        <a:p>
+          <a:pPr marL="0" lvl="0" indent="0" algn="ctr" defTabSz="1200150">
+            <a:lnSpc>
+              <a:spcPct val="90000"/>
+            </a:lnSpc>
+            <a:spcBef>
+              <a:spcPct val="0"/>
+            </a:spcBef>
+            <a:spcAft>
+              <a:spcPct val="35000"/>
+            </a:spcAft>
+            <a:buNone/>
+            <a:defRPr cap="all"/>
+          </a:pPr>
+          <a:r>
+            <a:rPr lang="nl-BE" sz="2700" b="1" i="0" kern="1200" dirty="0"/>
+            <a:t>Solution</a:t>
+          </a:r>
+          <a:endParaRPr lang="en-US" sz="2700" kern="1200" dirty="0"/>
+        </a:p>
+      </dsp:txBody>
+      <dsp:txXfrm>
+        <a:off x="2893090" y="2918020"/>
+        <a:ext cx="2371514" cy="720000"/>
+      </dsp:txXfrm>
+    </dsp:sp>
+    <dsp:sp modelId="{52E0DC7C-A355-4B49-9EA3-30F60B99BB2B}">
+      <dsp:nvSpPr>
+        <dsp:cNvPr id="0" name=""/>
+        <dsp:cNvSpPr/>
+      </dsp:nvSpPr>
+      <dsp:spPr>
+        <a:xfrm>
+          <a:off x="6142064" y="1020808"/>
+          <a:ext cx="1446623" cy="1446623"/>
+        </a:xfrm>
+        <a:prstGeom prst="ellipse">
+          <a:avLst/>
+        </a:prstGeom>
+        <a:solidFill>
+          <a:schemeClr val="accent2">
+            <a:tint val="40000"/>
+            <a:hueOff val="0"/>
+            <a:satOff val="0"/>
+            <a:lumOff val="0"/>
+            <a:alphaOff val="0"/>
+          </a:schemeClr>
+        </a:solidFill>
+        <a:ln>
+          <a:noFill/>
+        </a:ln>
+        <a:effectLst/>
+      </dsp:spPr>
+      <dsp:style>
+        <a:lnRef idx="0">
+          <a:scrgbClr r="0" g="0" b="0"/>
+        </a:lnRef>
+        <a:fillRef idx="1">
+          <a:scrgbClr r="0" g="0" b="0"/>
+        </a:fillRef>
+        <a:effectRef idx="0">
+          <a:scrgbClr r="0" g="0" b="0"/>
+        </a:effectRef>
+        <a:fontRef idx="minor"/>
+      </dsp:style>
+    </dsp:sp>
+    <dsp:sp modelId="{FD67CB69-341C-427C-A698-A0AB93F141E0}">
+      <dsp:nvSpPr>
+        <dsp:cNvPr id="0" name=""/>
+        <dsp:cNvSpPr/>
+      </dsp:nvSpPr>
+      <dsp:spPr>
+        <a:xfrm>
+          <a:off x="6450361" y="1329105"/>
+          <a:ext cx="830029" cy="830029"/>
+        </a:xfrm>
+        <a:prstGeom prst="rect">
+          <a:avLst/>
+        </a:prstGeom>
+        <a:blipFill>
+          <a:blip xmlns:r="http://schemas.openxmlformats.org/officeDocument/2006/relationships" r:embed="rId5">
+            <a:extLst>
+              <a:ext uri="{28A0092B-C50C-407E-A947-70E740481C1C}">
+                <a14:useLocalDpi xmlns:a14="http://schemas.microsoft.com/office/drawing/2010/main" val="0"/>
+              </a:ext>
+              <a:ext uri="{96DAC541-7B7A-43D3-8B79-37D633B846F1}">
+                <asvg:svgBlip xmlns:asvg="http://schemas.microsoft.com/office/drawing/2016/SVG/main" r:embed="rId6"/>
+              </a:ext>
+            </a:extLst>
+          </a:blip>
+          <a:stretch>
+            <a:fillRect/>
+          </a:stretch>
+        </a:blipFill>
+        <a:ln w="25400" cap="flat" cmpd="sng" algn="ctr">
+          <a:noFill/>
+          <a:prstDash val="solid"/>
+        </a:ln>
+        <a:effectLst/>
+      </dsp:spPr>
+      <dsp:style>
+        <a:lnRef idx="2">
+          <a:scrgbClr r="0" g="0" b="0"/>
+        </a:lnRef>
+        <a:fillRef idx="1">
+          <a:scrgbClr r="0" g="0" b="0"/>
+        </a:fillRef>
+        <a:effectRef idx="0">
+          <a:scrgbClr r="0" g="0" b="0"/>
+        </a:effectRef>
+        <a:fontRef idx="minor">
+          <a:schemeClr val="lt1"/>
+        </a:fontRef>
+      </dsp:style>
+    </dsp:sp>
+    <dsp:sp modelId="{16DD2D81-E07B-48F4-BD4D-149D38CFEF9B}">
+      <dsp:nvSpPr>
+        <dsp:cNvPr id="0" name=""/>
+        <dsp:cNvSpPr/>
+      </dsp:nvSpPr>
+      <dsp:spPr>
+        <a:xfrm>
+          <a:off x="5679619" y="2918020"/>
+          <a:ext cx="2371514" cy="720000"/>
+        </a:xfrm>
+        <a:prstGeom prst="rect">
+          <a:avLst/>
+        </a:prstGeom>
+        <a:noFill/>
+        <a:ln>
+          <a:noFill/>
+        </a:ln>
+        <a:effectLst/>
+      </dsp:spPr>
+      <dsp:style>
+        <a:lnRef idx="0">
+          <a:scrgbClr r="0" g="0" b="0"/>
+        </a:lnRef>
+        <a:fillRef idx="0">
+          <a:scrgbClr r="0" g="0" b="0"/>
+        </a:fillRef>
+        <a:effectRef idx="0">
+          <a:scrgbClr r="0" g="0" b="0"/>
+        </a:effectRef>
+        <a:fontRef idx="minor"/>
+      </dsp:style>
+      <dsp:txBody>
+        <a:bodyPr spcFirstLastPara="0" vert="horz" wrap="square" lIns="0" tIns="0" rIns="0" bIns="0" numCol="1" spcCol="1270" anchor="t" anchorCtr="0">
+          <a:noAutofit/>
+        </a:bodyPr>
+        <a:lstStyle/>
+        <a:p>
+          <a:pPr marL="0" lvl="0" indent="0" algn="ctr" defTabSz="1200150">
+            <a:lnSpc>
+              <a:spcPct val="90000"/>
+            </a:lnSpc>
+            <a:spcBef>
+              <a:spcPct val="0"/>
+            </a:spcBef>
+            <a:spcAft>
+              <a:spcPct val="35000"/>
+            </a:spcAft>
+            <a:buNone/>
+            <a:defRPr cap="all"/>
+          </a:pPr>
+          <a:r>
+            <a:rPr lang="nl-BE" sz="2700" b="1" i="0" kern="1200"/>
+            <a:t>Progress</a:t>
+          </a:r>
+          <a:endParaRPr lang="en-US" sz="2700" kern="1200"/>
+        </a:p>
+      </dsp:txBody>
+      <dsp:txXfrm>
+        <a:off x="5679619" y="2918020"/>
+        <a:ext cx="2371514" cy="720000"/>
+      </dsp:txXfrm>
+    </dsp:sp>
+    <dsp:sp modelId="{BE43E17B-991B-4847-92F0-DB95FE45F4D4}">
+      <dsp:nvSpPr>
+        <dsp:cNvPr id="0" name=""/>
+        <dsp:cNvSpPr/>
+      </dsp:nvSpPr>
+      <dsp:spPr>
+        <a:xfrm>
+          <a:off x="8928593" y="1020808"/>
+          <a:ext cx="1446623" cy="1446623"/>
+        </a:xfrm>
+        <a:prstGeom prst="ellipse">
+          <a:avLst/>
+        </a:prstGeom>
+        <a:solidFill>
+          <a:schemeClr val="accent2">
+            <a:tint val="40000"/>
+            <a:hueOff val="0"/>
+            <a:satOff val="0"/>
+            <a:lumOff val="0"/>
+            <a:alphaOff val="0"/>
+          </a:schemeClr>
+        </a:solidFill>
+        <a:ln>
+          <a:noFill/>
+        </a:ln>
+        <a:effectLst/>
+      </dsp:spPr>
+      <dsp:style>
+        <a:lnRef idx="0">
+          <a:scrgbClr r="0" g="0" b="0"/>
+        </a:lnRef>
+        <a:fillRef idx="1">
+          <a:scrgbClr r="0" g="0" b="0"/>
+        </a:fillRef>
+        <a:effectRef idx="0">
+          <a:scrgbClr r="0" g="0" b="0"/>
+        </a:effectRef>
+        <a:fontRef idx="minor"/>
+      </dsp:style>
+    </dsp:sp>
+    <dsp:sp modelId="{155A40F8-408D-4AA8-AD84-75EA29298D22}">
+      <dsp:nvSpPr>
+        <dsp:cNvPr id="0" name=""/>
+        <dsp:cNvSpPr/>
+      </dsp:nvSpPr>
+      <dsp:spPr>
+        <a:xfrm>
+          <a:off x="9236890" y="1329105"/>
+          <a:ext cx="830029" cy="830029"/>
+        </a:xfrm>
+        <a:prstGeom prst="rect">
+          <a:avLst/>
+        </a:prstGeom>
+        <a:blipFill>
+          <a:blip xmlns:r="http://schemas.openxmlformats.org/officeDocument/2006/relationships" r:embed="rId7">
+            <a:extLst>
+              <a:ext uri="{28A0092B-C50C-407E-A947-70E740481C1C}">
+                <a14:useLocalDpi xmlns:a14="http://schemas.microsoft.com/office/drawing/2010/main" val="0"/>
+              </a:ext>
+              <a:ext uri="{96DAC541-7B7A-43D3-8B79-37D633B846F1}">
+                <asvg:svgBlip xmlns:asvg="http://schemas.microsoft.com/office/drawing/2016/SVG/main" r:embed="rId8"/>
+              </a:ext>
+            </a:extLst>
+          </a:blip>
+          <a:stretch>
+            <a:fillRect/>
+          </a:stretch>
+        </a:blipFill>
+        <a:ln w="25400" cap="flat" cmpd="sng" algn="ctr">
+          <a:noFill/>
+          <a:prstDash val="solid"/>
+        </a:ln>
+        <a:effectLst/>
+      </dsp:spPr>
+      <dsp:style>
+        <a:lnRef idx="2">
+          <a:scrgbClr r="0" g="0" b="0"/>
+        </a:lnRef>
+        <a:fillRef idx="1">
+          <a:scrgbClr r="0" g="0" b="0"/>
+        </a:fillRef>
+        <a:effectRef idx="0">
+          <a:scrgbClr r="0" g="0" b="0"/>
+        </a:effectRef>
+        <a:fontRef idx="minor">
+          <a:schemeClr val="lt1"/>
+        </a:fontRef>
+      </dsp:style>
+    </dsp:sp>
+    <dsp:sp modelId="{D21DB69A-16BE-4471-80C4-9A36E939F5D4}">
+      <dsp:nvSpPr>
+        <dsp:cNvPr id="0" name=""/>
+        <dsp:cNvSpPr/>
+      </dsp:nvSpPr>
+      <dsp:spPr>
+        <a:xfrm>
+          <a:off x="8466148" y="2918020"/>
+          <a:ext cx="2371514" cy="720000"/>
+        </a:xfrm>
+        <a:prstGeom prst="rect">
+          <a:avLst/>
+        </a:prstGeom>
+        <a:noFill/>
+        <a:ln>
+          <a:noFill/>
+        </a:ln>
+        <a:effectLst/>
+      </dsp:spPr>
+      <dsp:style>
+        <a:lnRef idx="0">
+          <a:scrgbClr r="0" g="0" b="0"/>
+        </a:lnRef>
+        <a:fillRef idx="0">
+          <a:scrgbClr r="0" g="0" b="0"/>
+        </a:fillRef>
+        <a:effectRef idx="0">
+          <a:scrgbClr r="0" g="0" b="0"/>
+        </a:effectRef>
+        <a:fontRef idx="minor"/>
+      </dsp:style>
+      <dsp:txBody>
+        <a:bodyPr spcFirstLastPara="0" vert="horz" wrap="square" lIns="0" tIns="0" rIns="0" bIns="0" numCol="1" spcCol="1270" anchor="t" anchorCtr="0">
+          <a:noAutofit/>
+        </a:bodyPr>
+        <a:lstStyle/>
+        <a:p>
+          <a:pPr marL="0" lvl="0" indent="0" algn="ctr" defTabSz="1200150">
+            <a:lnSpc>
+              <a:spcPct val="90000"/>
+            </a:lnSpc>
+            <a:spcBef>
+              <a:spcPct val="0"/>
+            </a:spcBef>
+            <a:spcAft>
+              <a:spcPct val="35000"/>
+            </a:spcAft>
+            <a:buNone/>
+            <a:defRPr cap="all"/>
+          </a:pPr>
+          <a:r>
+            <a:rPr lang="nl-BE" sz="2700" b="1" i="0" kern="1200"/>
+            <a:t>Key takeaways</a:t>
+          </a:r>
+          <a:endParaRPr lang="en-US" sz="2700" kern="1200"/>
+        </a:p>
+      </dsp:txBody>
+      <dsp:txXfrm>
+        <a:off x="8466148" y="2918020"/>
+        <a:ext cx="2371514" cy="720000"/>
+      </dsp:txXfrm>
+    </dsp:sp>
+  </dsp:spTree>
+</dsp:drawing>
+</file>
+
+<file path=ppt/diagrams/layout1.xml><?xml version="1.0" encoding="utf-8"?>
+<dgm:layoutDef xmlns:dgm="http://schemas.openxmlformats.org/drawingml/2006/diagram" xmlns:a="http://schemas.openxmlformats.org/drawingml/2006/main" uniqueId="urn:microsoft.com/office/officeart/2018/5/layout/IconCircleLabelList">
+  <dgm:title val="Icon Circle Label List"/>
+  <dgm:desc val="Use to show non-sequential or grouped chunks of information accompanied by a related visuals. Works best with icons or small pictures with short text captions."/>
+  <dgm:catLst>
+    <dgm:cat type="icon" pri="500"/>
+  </dgm:catLst>
+  <dgm:sampData useDef="1">
+    <dgm:dataModel>
+      <dgm:ptLst/>
+      <dgm:bg/>
+      <dgm:whole/>
+    </dgm:dataModel>
+  </dgm:sampData>
+  <dgm:styleData useDef="1">
+    <dgm:dataModel>
+      <dgm:ptLst/>
+      <dgm:bg/>
+      <dgm:whole/>
+    </dgm:dataModel>
+  </dgm:styleData>
+  <dgm:clrData useDef="1">
+    <dgm:dataModel>
+      <dgm:ptLst/>
+      <dgm:bg/>
+      <dgm:whole/>
+    </dgm:dataModel>
+  </dgm:clrData>
+  <dgm:layoutNode name="root">
+    <dgm:varLst>
+      <dgm:dir/>
+      <dgm:resizeHandles val="exact"/>
+    </dgm:varLst>
+    <dgm:choose name="Name0">
+      <dgm:if name="Name1" axis="self" func="var" arg="dir" op="equ" val="norm">
+        <dgm:alg type="snake">
+          <dgm:param type="grDir" val="tL"/>
+          <dgm:param type="flowDir" val="row"/>
+          <dgm:param type="contDir" val="sameDir"/>
+          <dgm:param type="off" val="ctr"/>
+          <dgm:param type="vertAlign" val="mid"/>
+          <dgm:param type="horzAlign" val="ctr"/>
+        </dgm:alg>
+      </dgm:if>
+      <dgm:else name="Name2">
+        <dgm:alg type="snake">
+          <dgm:param type="grDir" val="tR"/>
+          <dgm:param type="flowDir" val="row"/>
+          <dgm:param type="contDir" val="sameDir"/>
+          <dgm:param type="off" val="ctr"/>
+          <dgm:param type="vertAlign" val="mid"/>
+          <dgm:param type="horzAlign" val="ctr"/>
+        </dgm:alg>
+      </dgm:else>
+    </dgm:choose>
+    <dgm:shape xmlns:r="http://schemas.openxmlformats.org/officeDocument/2006/relationships" r:blip="">
+      <dgm:adjLst/>
+    </dgm:shape>
+    <dgm:presOf/>
+    <dgm:choose name="Name3">
+      <dgm:if name="Name4" axis="ch" ptType="node" func="cnt" op="lte" val="2">
+        <dgm:constrLst>
+          <dgm:constr type="h" for="ch" forName="compNode" refType="h" fact="0.4"/>
+          <dgm:constr type="w" for="ch" forName="compNode" val="100"/>
+          <dgm:constr type="w" for="ch" forName="sibTrans" refType="w" refFor="ch" refForName="compNode" fact="0.175"/>
+          <dgm:constr type="sp" refType="w" refFor="ch" refForName="compNode" op="equ" fact="0.25"/>
+          <dgm:constr type="primFontSz" for="des" ptType="node" op="equ" val="44"/>
+          <dgm:constr type="h" for="des" forName="compNode" op="equ"/>
+          <dgm:constr type="h" for="des" forName="textRect" op="equ"/>
+        </dgm:constrLst>
+      </dgm:if>
+      <dgm:if name="Name5" axis="ch" ptType="node" func="cnt" op="lte" val="3">
+        <dgm:constrLst>
+          <dgm:constr type="h" for="ch" forName="compNode" refType="h" fact="0.4"/>
+          <dgm:constr type="w" for="ch" forName="compNode" val="100"/>
+          <dgm:constr type="w" for="ch" forName="sibTrans" refType="w" refFor="ch" refForName="compNode" fact="0.175"/>
+          <dgm:constr type="sp" refType="w" refFor="ch" refForName="compNode" op="equ" fact="0.25"/>
+          <dgm:constr type="primFontSz" for="des" ptType="node" op="equ" val="40"/>
+          <dgm:constr type="h" for="des" forName="compNode" op="equ"/>
+          <dgm:constr type="h" for="des" forName="textRect" op="equ"/>
+        </dgm:constrLst>
+      </dgm:if>
+      <dgm:if name="Name6" axis="ch" ptType="node" func="cnt" op="lte" val="4">
+        <dgm:constrLst>
+          <dgm:constr type="h" for="ch" forName="compNode" refType="h" fact="0.4"/>
+          <dgm:constr type="w" for="ch" forName="compNode" refType="w"/>
+          <dgm:constr type="w" for="ch" forName="sibTrans" refType="w" refFor="ch" refForName="compNode" fact="0.175"/>
+          <dgm:constr type="sp" refType="w" refFor="ch" refForName="compNode" op="equ" fact="0.25"/>
+          <dgm:constr type="primFontSz" for="des" ptType="node" op="equ" val="32"/>
+          <dgm:constr type="h" for="des" forName="compNode" op="equ"/>
+          <dgm:constr type="h" for="des" forName="textRect" op="equ"/>
+        </dgm:constrLst>
+      </dgm:if>
+      <dgm:else name="Name7">
+        <dgm:constrLst>
+          <dgm:constr type="h" for="ch" forName="compNode" refType="h" fact="0.4"/>
+          <dgm:constr type="w" for="ch" forName="compNode" refType="w"/>
+          <dgm:constr type="w" for="ch" forName="sibTrans" refType="w" refFor="ch" refForName="compNode" fact="0.175"/>
+          <dgm:constr type="sp" refType="w" refFor="ch" refForName="compNode" op="equ" fact="0.25"/>
+          <dgm:constr type="primFontSz" for="des" ptType="node" op="equ" val="24"/>
+          <dgm:constr type="h" for="des" forName="compNode" op="equ"/>
+          <dgm:constr type="h" for="des" forName="textRect" op="equ"/>
+        </dgm:constrLst>
+      </dgm:else>
+    </dgm:choose>
+    <dgm:ruleLst>
+      <dgm:rule type="w" for="ch" forName="compNode" val="50" fact="NaN" max="NaN"/>
+    </dgm:ruleLst>
+    <dgm:forEach name="Name8" axis="ch" ptType="node">
+      <dgm:layoutNode name="compNode">
+        <dgm:alg type="composite"/>
+        <dgm:shape xmlns:r="http://schemas.openxmlformats.org/officeDocument/2006/relationships" r:blip="">
+          <dgm:adjLst/>
+        </dgm:shape>
+        <dgm:presOf axis="self"/>
+        <dgm:constrLst>
+          <dgm:constr type="w" for="ch" forName="iconBgRect" refType="w" fact="0.61"/>
+          <dgm:constr type="h" for="ch" forName="iconBgRect" refType="w" refFor="ch" refForName="iconBgRect"/>
+          <dgm:constr type="t" for="ch" forName="iconBgRect"/>
+          <dgm:constr type="ctrX" for="ch" forName="iconBgRect" refType="w" fact="0.5"/>
+          <dgm:constr type="w" for="ch" forName="iconRect" refType="w" fact="0.35"/>
+          <dgm:constr type="h" for="ch" forName="iconRect" refType="w" refFor="ch" refForName="iconRect"/>
+          <dgm:constr type="ctrX" for="ch" forName="iconRect" refType="ctrX" refFor="ch" refForName="iconBgRect"/>
+          <dgm:constr type="ctrY" for="ch" forName="iconRect" refType="ctrY" refFor="ch" refForName="iconBgRect"/>
+          <dgm:constr type="h" for="ch" forName="spaceRect" refType="w" fact="0.19"/>
+          <dgm:constr type="w" for="ch" forName="spaceRect" refType="w"/>
+          <dgm:constr type="l" for="ch" forName="spaceRect"/>
+          <dgm:constr type="t" for="ch" forName="spaceRect" refType="b" refFor="ch" refForName="iconBgRect"/>
+          <dgm:constr type="h" for="ch" forName="textRect" val="20"/>
+          <dgm:constr type="w" for="ch" forName="textRect" refType="w"/>
+          <dgm:constr type="l" for="ch" forName="textRect"/>
+          <dgm:constr type="t" for="ch" forName="textRect" refType="b" refFor="ch" refForName="spaceRect"/>
+        </dgm:constrLst>
+        <dgm:ruleLst>
+          <dgm:rule type="h" val="INF" fact="NaN" max="NaN"/>
+        </dgm:ruleLst>
+        <dgm:layoutNode name="iconBgRect" styleLbl="bgShp">
+          <dgm:alg type="sp"/>
+          <dgm:shape xmlns:r="http://schemas.openxmlformats.org/officeDocument/2006/relationships" type="ellipse" r:blip="">
+            <dgm:adjLst/>
+          </dgm:shape>
+          <dgm:presOf/>
+          <dgm:constrLst/>
+          <dgm:ruleLst/>
+        </dgm:layoutNode>
+        <dgm:layoutNode name="iconRect" styleLbl="node1">
+          <dgm:alg type="sp"/>
+          <dgm:shape xmlns:r="http://schemas.openxmlformats.org/officeDocument/2006/relationships" type="rect" r:blip="" blipPhldr="1">
+            <dgm:adjLst/>
+          </dgm:shape>
+          <dgm:presOf/>
+          <dgm:constrLst/>
+          <dgm:ruleLst/>
+        </dgm:layoutNode>
+        <dgm:layoutNode name="spaceRect">
+          <dgm:alg type="sp"/>
+          <dgm:shape xmlns:r="http://schemas.openxmlformats.org/officeDocument/2006/relationships" r:blip="">
+            <dgm:adjLst/>
+          </dgm:shape>
+          <dgm:presOf/>
+          <dgm:constrLst/>
+          <dgm:ruleLst/>
+        </dgm:layoutNode>
+        <dgm:layoutNode name="textRect" styleLbl="revTx">
+          <dgm:varLst>
+            <dgm:chMax val="1"/>
+            <dgm:chPref val="1"/>
+          </dgm:varLst>
+          <dgm:alg type="tx">
+            <dgm:param type="txAnchorVert" val="t"/>
+          </dgm:alg>
+          <dgm:shape xmlns:r="http://schemas.openxmlformats.org/officeDocument/2006/relationships" type="rect" r:blip="">
+            <dgm:adjLst/>
+          </dgm:shape>
+          <dgm:presOf axis="self" ptType="node"/>
+          <dgm:constrLst>
+            <dgm:constr type="lMarg"/>
+            <dgm:constr type="rMarg"/>
+            <dgm:constr type="tMarg"/>
+            <dgm:constr type="bMarg"/>
+          </dgm:constrLst>
+          <dgm:ruleLst>
+            <dgm:rule type="primFontSz" val="11" fact="NaN" max="NaN"/>
+            <dgm:rule type="h" val="INF" fact="NaN" max="NaN"/>
+          </dgm:ruleLst>
+        </dgm:layoutNode>
+      </dgm:layoutNode>
+      <dgm:forEach name="Name9" axis="followSib" ptType="sibTrans" cnt="1">
+        <dgm:layoutNode name="sibTrans">
+          <dgm:alg type="sp"/>
+          <dgm:shape xmlns:r="http://schemas.openxmlformats.org/officeDocument/2006/relationships" r:blip="">
+            <dgm:adjLst/>
+          </dgm:shape>
+          <dgm:presOf axis="self"/>
+          <dgm:constrLst/>
+          <dgm:ruleLst/>
+        </dgm:layoutNode>
+      </dgm:forEach>
+    </dgm:forEach>
+  </dgm:layoutNode>
+  <dgm:extLst>
+    <a:ext uri="{68A01E43-0DF5-4B5B-8FA6-DAF915123BFB}">
+      <dgm1612:lstStyle xmlns:dgm1612="http://schemas.microsoft.com/office/drawing/2016/12/diagram">
+        <a:lvl1pPr>
+          <a:lnSpc>
+            <a:spcPct val="100000"/>
+          </a:lnSpc>
+          <a:defRPr cap="all"/>
+        </a:lvl1pPr>
+      </dgm1612:lstStyle>
+    </a:ext>
+  </dgm:extLst>
+</dgm:layoutDef>
+</file>
+
+<file path=ppt/diagrams/quickStyle1.xml><?xml version="1.0" encoding="utf-8"?>
+<dgm:styleDef xmlns:dgm="http://schemas.openxmlformats.org/drawingml/2006/diagram" xmlns:a="http://schemas.openxmlformats.org/drawingml/2006/main" uniqueId="urn:microsoft.com/office/officeart/2005/8/quickstyle/simple1">
+  <dgm:title val=""/>
+  <dgm:desc val=""/>
+  <dgm:catLst>
+    <dgm:cat type="simple" pri="10100"/>
+  </dgm:catLst>
+  <dgm:scene3d>
+    <a:camera prst="orthographicFront"/>
+    <a:lightRig rig="threePt" dir="t"/>
+  </dgm:scene3d>
+  <dgm:styleLbl name="node0">
+    <dgm:scene3d>
+      <a:camera prst="orthographicFront"/>
+      <a:lightRig rig="threePt" dir="t"/>
+    </dgm:scene3d>
+    <dgm:sp3d/>
+    <dgm:txPr/>
+    <dgm:style>
+      <a:lnRef idx="2">
+        <a:scrgbClr r="0" g="0" b="0"/>
+      </a:lnRef>
+      <a:fillRef idx="1">
+        <a:scrgbClr r="0" g="0" b="0"/>
+      </a:fillRef>
+      <a:effectRef idx="0">
+        <a:scrgbClr r="0" g="0" b="0"/>
+      </a:effectRef>
+      <a:fontRef idx="minor">
+        <a:schemeClr val="lt1"/>
+      </a:fontRef>
+    </dgm:style>
+  </dgm:styleLbl>
+  <dgm:styleLbl name="lnNode1">
+    <dgm:scene3d>
+      <a:camera prst="orthographicFront"/>
+      <a:lightRig rig="threePt" dir="t"/>
+    </dgm:scene3d>
+    <dgm:sp3d/>
+    <dgm:txPr/>
+    <dgm:style>
+      <a:lnRef idx="2">
+        <a:scrgbClr r="0" g="0" b="0"/>
+      </a:lnRef>
+      <a:fillRef idx="1">
+        <a:scrgbClr r="0" g="0" b="0"/>
+      </a:fillRef>
+      <a:effectRef idx="0">
+        <a:scrgbClr r="0" g="0" b="0"/>
+      </a:effectRef>
+      <a:fontRef idx="minor">
+        <a:schemeClr val="lt1"/>
+      </a:fontRef>
+    </dgm:style>
+  </dgm:styleLbl>
+  <dgm:styleLbl name="vennNode1">
+    <dgm:scene3d>
+      <a:camera prst="orthographicFront"/>
+      <a:lightRig rig="threePt" dir="t"/>
+    </dgm:scene3d>
+    <dgm:sp3d/>
+    <dgm:txPr/>
+    <dgm:style>
+      <a:lnRef idx="2">
+        <a:scrgbClr r="0" g="0" b="0"/>
+      </a:lnRef>
+      <a:fillRef idx="1">
+        <a:scrgbClr r="0" g="0" b="0"/>
+      </a:fillRef>
+      <a:effectRef idx="0">
+        <a:scrgbClr r="0" g="0" b="0"/>
+      </a:effectRef>
+      <a:fontRef idx="minor">
+        <a:schemeClr val="tx1"/>
+      </a:fontRef>
+    </dgm:style>
+  </dgm:styleLbl>
+  <dgm:styleLbl name="alignNode1">
+    <dgm:scene3d>
+      <a:camera prst="orthographicFront"/>
+      <a:lightRig rig="threePt" dir="t"/>
+    </dgm:scene3d>
+    <dgm:sp3d/>
+    <dgm:txPr/>
+    <dgm:style>
+      <a:lnRef idx="2">
+        <a:scrgbClr r="0" g="0" b="0"/>
+      </a:lnRef>
+      <a:fillRef idx="1">
+        <a:scrgbClr r="0" g="0" b="0"/>
+      </a:fillRef>
+      <a:effectRef idx="0">
+        <a:scrgbClr r="0" g="0" b="0"/>
+      </a:effectRef>
+      <a:fontRef idx="minor">
+        <a:schemeClr val="lt1"/>
+      </a:fontRef>
+    </dgm:style>
+  </dgm:styleLbl>
+  <dgm:styleLbl name="node1">
+    <dgm:scene3d>
+      <a:camera prst="orthographicFront"/>
+      <a:lightRig rig="threePt" dir="t"/>
+    </dgm:scene3d>
+    <dgm:sp3d/>
+    <dgm:txPr/>
+    <dgm:style>
+      <a:lnRef idx="2">
+        <a:scrgbClr r="0" g="0" b="0"/>
+      </a:lnRef>
+      <a:fillRef idx="1">
+        <a:scrgbClr r="0" g="0" b="0"/>
+      </a:fillRef>
+      <a:effectRef idx="0">
+        <a:scrgbClr r="0" g="0" b="0"/>
+      </a:effectRef>
+      <a:fontRef idx="minor">
+        <a:schemeClr val="lt1"/>
+      </a:fontRef>
+    </dgm:style>
+  </dgm:styleLbl>
+  <dgm:styleLbl name="node2">
+    <dgm:scene3d>
+      <a:camera prst="orthographicFront"/>
+      <a:lightRig rig="threePt" dir="t"/>
+    </dgm:scene3d>
+    <dgm:sp3d/>
+    <dgm:txPr/>
+    <dgm:style>
+      <a:lnRef idx="2">
+        <a:scrgbClr r="0" g="0" b="0"/>
+      </a:lnRef>
+      <a:fillRef idx="1">
+        <a:scrgbClr r="0" g="0" b="0"/>
+      </a:fillRef>
+      <a:effectRef idx="0">
+        <a:scrgbClr r="0" g="0" b="0"/>
+      </a:effectRef>
+      <a:fontRef idx="minor">
+        <a:schemeClr val="lt1"/>
+      </a:fontRef>
+    </dgm:style>
+  </dgm:styleLbl>
+  <dgm:styleLbl name="node3">
+    <dgm:scene3d>
+      <a:camera prst="orthographicFront"/>
+      <a:lightRig rig="threePt" dir="t"/>
+    </dgm:scene3d>
+    <dgm:sp3d/>
+    <dgm:txPr/>
+    <dgm:style>
+      <a:lnRef idx="2">
+        <a:scrgbClr r="0" g="0" b="0"/>
+      </a:lnRef>
+      <a:fillRef idx="1">
+        <a:scrgbClr r="0" g="0" b="0"/>
+      </a:fillRef>
+      <a:effectRef idx="0">
+        <a:scrgbClr r="0" g="0" b="0"/>
+      </a:effectRef>
+      <a:fontRef idx="minor">
+        <a:schemeClr val="lt1"/>
+      </a:fontRef>
+    </dgm:style>
+  </dgm:styleLbl>
+  <dgm:styleLbl name="node4">
+    <dgm:scene3d>
+      <a:camera prst="orthographicFront"/>
+      <a:lightRig rig="threePt" dir="t"/>
+    </dgm:scene3d>
+    <dgm:sp3d/>
+    <dgm:txPr/>
+    <dgm:style>
+      <a:lnRef idx="2">
+        <a:scrgbClr r="0" g="0" b="0"/>
+      </a:lnRef>
+      <a:fillRef idx="1">
+        <a:scrgbClr r="0" g="0" b="0"/>
+      </a:fillRef>
+      <a:effectRef idx="0">
+        <a:scrgbClr r="0" g="0" b="0"/>
+      </a:effectRef>
+      <a:fontRef idx="minor">
+        <a:schemeClr val="lt1"/>
+      </a:fontRef>
+    </dgm:style>
+  </dgm:styleLbl>
+  <dgm:styleLbl name="fgImgPlace1">
+    <dgm:scene3d>
+      <a:camera prst="orthographicFront"/>
+      <a:lightRig rig="threePt" dir="t"/>
+    </dgm:scene3d>
+    <dgm:sp3d/>
+    <dgm:txPr/>
+    <dgm:style>
+      <a:lnRef idx="2">
+        <a:scrgbClr r="0" g="0" b="0"/>
+      </a:lnRef>
+      <a:fillRef idx="1">
+        <a:scrgbClr r="0" g="0" b="0"/>
+      </a:fillRef>
+      <a:effectRef idx="0">
+        <a:scrgbClr r="0" g="0" b="0"/>
+      </a:effectRef>
+      <a:fontRef idx="minor"/>
+    </dgm:style>
+  </dgm:styleLbl>
+  <dgm:styleLbl name="alignImgPlace1">
+    <dgm:scene3d>
+      <a:camera prst="orthographicFront"/>
+      <a:lightRig rig="threePt" dir="t"/>
+    </dgm:scene3d>
+    <dgm:sp3d/>
+    <dgm:txPr/>
+    <dgm:style>
+      <a:lnRef idx="2">
+        <a:scrgbClr r="0" g="0" b="0"/>
+      </a:lnRef>
+      <a:fillRef idx="1">
+        <a:scrgbClr r="0" g="0" b="0"/>
+      </a:fillRef>
+      <a:effectRef idx="0">
+        <a:scrgbClr r="0" g="0" b="0"/>
+      </a:effectRef>
+      <a:fontRef idx="minor"/>
+    </dgm:style>
+  </dgm:styleLbl>
+  <dgm:styleLbl name="bgImgPlace1">
+    <dgm:scene3d>
+      <a:camera prst="orthographicFront"/>
+      <a:lightRig rig="threePt" dir="t"/>
+    </dgm:scene3d>
+    <dgm:sp3d/>
+    <dgm:txPr/>
+    <dgm:style>
+      <a:lnRef idx="2">
+        <a:scrgbClr r="0" g="0" b="0"/>
+      </a:lnRef>
+      <a:fillRef idx="1">
+        <a:scrgbClr r="0" g="0" b="0"/>
+      </a:fillRef>
+      <a:effectRef idx="0">
+        <a:scrgbClr r="0" g="0" b="0"/>
+      </a:effectRef>
+      <a:fontRef idx="minor"/>
+    </dgm:style>
+  </dgm:styleLbl>
+  <dgm:styleLbl name="sibTrans2D1">
+    <dgm:scene3d>
+      <a:camera prst="orthographicFront"/>
+      <a:lightRig rig="threePt" dir="t"/>
+    </dgm:scene3d>
+    <dgm:sp3d/>
+    <dgm:txPr/>
+    <dgm:style>
+      <a:lnRef idx="0">
+        <a:scrgbClr r="0" g="0" b="0"/>
+      </a:lnRef>
+      <a:fillRef idx="1">
+        <a:scrgbClr r="0" g="0" b="0"/>
+      </a:fillRef>
+      <a:effectRef idx="0">
+        <a:scrgbClr r="0" g="0" b="0"/>
+      </a:effectRef>
+      <a:fontRef idx="minor">
+        <a:schemeClr val="lt1"/>
+      </a:fontRef>
+    </dgm:style>
+  </dgm:styleLbl>
+  <dgm:styleLbl name="fgSibTrans2D1">
+    <dgm:scene3d>
+      <a:camera prst="orthographicFront"/>
+      <a:lightRig rig="threePt" dir="t"/>
+    </dgm:scene3d>
+    <dgm:sp3d/>
+    <dgm:txPr/>
+    <dgm:style>
+      <a:lnRef idx="0">
+        <a:scrgbClr r="0" g="0" b="0"/>
+      </a:lnRef>
+      <a:fillRef idx="1">
+        <a:scrgbClr r="0" g="0" b="0"/>
+      </a:fillRef>
+      <a:effectRef idx="0">
+        <a:scrgbClr r="0" g="0" b="0"/>
+      </a:effectRef>
+      <a:fontRef idx="minor">
+        <a:schemeClr val="lt1"/>
+      </a:fontRef>
+    </dgm:style>
+  </dgm:styleLbl>
+  <dgm:styleLbl name="bgSibTrans2D1">
+    <dgm:scene3d>
+      <a:camera prst="orthographicFront"/>
+      <a:lightRig rig="threePt" dir="t"/>
+    </dgm:scene3d>
+    <dgm:sp3d/>
+    <dgm:txPr/>
+    <dgm:style>
+      <a:lnRef idx="0">
+        <a:scrgbClr r="0" g="0" b="0"/>
+      </a:lnRef>
+      <a:fillRef idx="1">
+        <a:scrgbClr r="0" g="0" b="0"/>
+      </a:fillRef>
+      <a:effectRef idx="0">
+        <a:scrgbClr r="0" g="0" b="0"/>
+      </a:effectRef>
+      <a:fontRef idx="minor">
+        <a:schemeClr val="lt1"/>
+      </a:fontRef>
+    </dgm:style>
+  </dgm:styleLbl>
+  <dgm:styleLbl name="sibTrans1D1">
+    <dgm:scene3d>
+      <a:camera prst="orthographicFront"/>
+      <a:lightRig rig="threePt" dir="t"/>
+    </dgm:scene3d>
+    <dgm:sp3d/>
+    <dgm:txPr/>
+    <dgm:style>
+      <a:lnRef idx="1">
+        <a:scrgbClr r="0" g="0" b="0"/>
+      </a:lnRef>
+      <a:fillRef idx="0">
+        <a:scrgbClr r="0" g="0" b="0"/>
+      </a:fillRef>
+      <a:effectRef idx="0">
+        <a:scrgbClr r="0" g="0" b="0"/>
+      </a:effectRef>
+      <a:fontRef idx="minor"/>
+    </dgm:style>
+  </dgm:styleLbl>
+  <dgm:styleLbl name="callout">
+    <dgm:scene3d>
+      <a:camera prst="orthographicFront"/>
+      <a:lightRig rig="threePt" dir="t"/>
+    </dgm:scene3d>
+    <dgm:sp3d/>
+    <dgm:txPr/>
+    <dgm:style>
+      <a:lnRef idx="2">
+        <a:scrgbClr r="0" g="0" b="0"/>
+      </a:lnRef>
+      <a:fillRef idx="1">
+        <a:scrgbClr r="0" g="0" b="0"/>
+      </a:fillRef>
+      <a:effectRef idx="0">
+        <a:scrgbClr r="0" g="0" b="0"/>
+      </a:effectRef>
+      <a:fontRef idx="minor"/>
+    </dgm:style>
+  </dgm:styleLbl>
+  <dgm:styleLbl name="asst0">
+    <dgm:scene3d>
+      <a:camera prst="orthographicFront"/>
+      <a:lightRig rig="threePt" dir="t"/>
+    </dgm:scene3d>
+    <dgm:sp3d/>
+    <dgm:txPr/>
+    <dgm:style>
+      <a:lnRef idx="2">
+        <a:scrgbClr r="0" g="0" b="0"/>
+      </a:lnRef>
+      <a:fillRef idx="1">
+        <a:scrgbClr r="0" g="0" b="0"/>
+      </a:fillRef>
+      <a:effectRef idx="0">
+        <a:scrgbClr r="0" g="0" b="0"/>
+      </a:effectRef>
+      <a:fontRef idx="minor">
+        <a:schemeClr val="lt1"/>
+      </a:fontRef>
+    </dgm:style>
+  </dgm:styleLbl>
+  <dgm:styleLbl name="asst1">
+    <dgm:scene3d>
+      <a:camera prst="orthographicFront"/>
+      <a:lightRig rig="threePt" dir="t"/>
+    </dgm:scene3d>
+    <dgm:sp3d/>
+    <dgm:txPr/>
+    <dgm:style>
+      <a:lnRef idx="2">
+        <a:scrgbClr r="0" g="0" b="0"/>
+      </a:lnRef>
+      <a:fillRef idx="1">
+        <a:scrgbClr r="0" g="0" b="0"/>
+      </a:fillRef>
+      <a:effectRef idx="0">
+        <a:scrgbClr r="0" g="0" b="0"/>
+      </a:effectRef>
+      <a:fontRef idx="minor">
+        <a:schemeClr val="lt1"/>
+      </a:fontRef>
+    </dgm:style>
+  </dgm:styleLbl>
+  <dgm:styleLbl name="asst2">
+    <dgm:scene3d>
+      <a:camera prst="orthographicFront"/>
+      <a:lightRig rig="threePt" dir="t"/>
+    </dgm:scene3d>
+    <dgm:sp3d/>
+    <dgm:txPr/>
+    <dgm:style>
+      <a:lnRef idx="2">
+        <a:scrgbClr r="0" g="0" b="0"/>
+      </a:lnRef>
+      <a:fillRef idx="1">
+        <a:scrgbClr r="0" g="0" b="0"/>
+      </a:fillRef>
+      <a:effectRef idx="0">
+        <a:scrgbClr r="0" g="0" b="0"/>
+      </a:effectRef>
+      <a:fontRef idx="minor">
+        <a:schemeClr val="lt1"/>
+      </a:fontRef>
+    </dgm:style>
+  </dgm:styleLbl>
+  <dgm:styleLbl name="asst3">
+    <dgm:scene3d>
+      <a:camera prst="orthographicFront"/>
+      <a:lightRig rig="threePt" dir="t"/>
+    </dgm:scene3d>
+    <dgm:sp3d/>
+    <dgm:txPr/>
+    <dgm:style>
+      <a:lnRef idx="2">
+        <a:scrgbClr r="0" g="0" b="0"/>
+      </a:lnRef>
+      <a:fillRef idx="1">
+        <a:scrgbClr r="0" g="0" b="0"/>
+      </a:fillRef>
+      <a:effectRef idx="0">
+        <a:scrgbClr r="0" g="0" b="0"/>
+      </a:effectRef>
+      <a:fontRef idx="minor">
+        <a:schemeClr val="lt1"/>
+      </a:fontRef>
+    </dgm:style>
+  </dgm:styleLbl>
+  <dgm:styleLbl name="asst4">
+    <dgm:scene3d>
+      <a:camera prst="orthographicFront"/>
+      <a:lightRig rig="threePt" dir="t"/>
+    </dgm:scene3d>
+    <dgm:sp3d/>
+    <dgm:txPr/>
+    <dgm:style>
+      <a:lnRef idx="2">
+        <a:scrgbClr r="0" g="0" b="0"/>
+      </a:lnRef>
+      <a:fillRef idx="1">
+        <a:scrgbClr r="0" g="0" b="0"/>
+      </a:fillRef>
+      <a:effectRef idx="0">
+        <a:scrgbClr r="0" g="0" b="0"/>
+      </a:effectRef>
+      <a:fontRef idx="minor">
+        <a:schemeClr val="lt1"/>
+      </a:fontRef>
+    </dgm:style>
+  </dgm:styleLbl>
+  <dgm:styleLbl name="parChTrans2D1">
+    <dgm:scene3d>
+      <a:camera prst="orthographicFront"/>
+      <a:lightRig rig="threePt" dir="t"/>
+    </dgm:scene3d>
+    <dgm:sp3d/>
+    <dgm:txPr/>
+    <dgm:style>
+      <a:lnRef idx="2">
+        <a:scrgbClr r="0" g="0" b="0"/>
+      </a:lnRef>
+      <a:fillRef idx="1">
+        <a:scrgbClr r="0" g="0" b="0"/>
+      </a:fillRef>
+      <a:effectRef idx="0">
+        <a:scrgbClr r="0" g="0" b="0"/>
+      </a:effectRef>
+      <a:fontRef idx="minor">
+        <a:schemeClr val="lt1"/>
+      </a:fontRef>
+    </dgm:style>
+  </dgm:styleLbl>
+  <dgm:styleLbl name="parChTrans2D2">
+    <dgm:scene3d>
+      <a:camera prst="orthographicFront"/>
+      <a:lightRig rig="threePt" dir="t"/>
+    </dgm:scene3d>
+    <dgm:sp3d/>
+    <dgm:txPr/>
+    <dgm:style>
+      <a:lnRef idx="2">
+        <a:scrgbClr r="0" g="0" b="0"/>
+      </a:lnRef>
+      <a:fillRef idx="1">
+        <a:scrgbClr r="0" g="0" b="0"/>
+      </a:fillRef>
+      <a:effectRef idx="0">
+        <a:scrgbClr r="0" g="0" b="0"/>
+      </a:effectRef>
+      <a:fontRef idx="minor">
+        <a:schemeClr val="lt1"/>
+      </a:fontRef>
+    </dgm:style>
+  </dgm:styleLbl>
+  <dgm:styleLbl name="parChTrans2D3">
+    <dgm:scene3d>
+      <a:camera prst="orthographicFront"/>
+      <a:lightRig rig="threePt" dir="t"/>
+    </dgm:scene3d>
+    <dgm:sp3d/>
+    <dgm:txPr/>
+    <dgm:style>
+      <a:lnRef idx="2">
+        <a:scrgbClr r="0" g="0" b="0"/>
+      </a:lnRef>
+      <a:fillRef idx="1">
+        <a:scrgbClr r="0" g="0" b="0"/>
+      </a:fillRef>
+      <a:effectRef idx="0">
+        <a:scrgbClr r="0" g="0" b="0"/>
+      </a:effectRef>
+      <a:fontRef idx="minor">
+        <a:schemeClr val="lt1"/>
+      </a:fontRef>
+    </dgm:style>
+  </dgm:styleLbl>
+  <dgm:styleLbl name="parChTrans2D4">
+    <dgm:scene3d>
+      <a:camera prst="orthographicFront"/>
+      <a:lightRig rig="threePt" dir="t"/>
+    </dgm:scene3d>
+    <dgm:sp3d/>
+    <dgm:txPr/>
+    <dgm:style>
+      <a:lnRef idx="2">
+        <a:scrgbClr r="0" g="0" b="0"/>
+      </a:lnRef>
+      <a:fillRef idx="1">
+        <a:scrgbClr r="0" g="0" b="0"/>
+      </a:fillRef>
+      <a:effectRef idx="0">
+        <a:scrgbClr r="0" g="0" b="0"/>
+      </a:effectRef>
+      <a:fontRef idx="minor">
+        <a:schemeClr val="lt1"/>
+      </a:fontRef>
+    </dgm:style>
+  </dgm:styleLbl>
+  <dgm:styleLbl name="parChTrans1D1">
+    <dgm:scene3d>
+      <a:camera prst="orthographicFront"/>
+      <a:lightRig rig="threePt" dir="t"/>
+    </dgm:scene3d>
+    <dgm:sp3d/>
+    <dgm:txPr/>
+    <dgm:style>
+      <a:lnRef idx="2">
+        <a:scrgbClr r="0" g="0" b="0"/>
+      </a:lnRef>
+      <a:fillRef idx="0">
+        <a:scrgbClr r="0" g="0" b="0"/>
+      </a:fillRef>
+      <a:effectRef idx="0">
+        <a:scrgbClr r="0" g="0" b="0"/>
+      </a:effectRef>
+      <a:fontRef idx="minor"/>
+    </dgm:style>
+  </dgm:styleLbl>
+  <dgm:styleLbl name="parChTrans1D2">
+    <dgm:scene3d>
+      <a:camera prst="orthographicFront"/>
+      <a:lightRig rig="threePt" dir="t"/>
+    </dgm:scene3d>
+    <dgm:sp3d/>
+    <dgm:txPr/>
+    <dgm:style>
+      <a:lnRef idx="2">
+        <a:scrgbClr r="0" g="0" b="0"/>
+      </a:lnRef>
+      <a:fillRef idx="0">
+        <a:scrgbClr r="0" g="0" b="0"/>
+      </a:fillRef>
+      <a:effectRef idx="0">
+        <a:scrgbClr r="0" g="0" b="0"/>
+      </a:effectRef>
+      <a:fontRef idx="minor"/>
+    </dgm:style>
+  </dgm:styleLbl>
+  <dgm:styleLbl name="parChTrans1D3">
+    <dgm:scene3d>
+      <a:camera prst="orthographicFront"/>
+      <a:lightRig rig="threePt" dir="t"/>
+    </dgm:scene3d>
+    <dgm:sp3d/>
+    <dgm:txPr/>
+    <dgm:style>
+      <a:lnRef idx="2">
+        <a:scrgbClr r="0" g="0" b="0"/>
+      </a:lnRef>
+      <a:fillRef idx="0">
+        <a:scrgbClr r="0" g="0" b="0"/>
+      </a:fillRef>
+      <a:effectRef idx="0">
+        <a:scrgbClr r="0" g="0" b="0"/>
+      </a:effectRef>
+      <a:fontRef idx="minor"/>
+    </dgm:style>
+  </dgm:styleLbl>
+  <dgm:styleLbl name="parChTrans1D4">
+    <dgm:scene3d>
+      <a:camera prst="orthographicFront"/>
+      <a:lightRig rig="threePt" dir="t"/>
+    </dgm:scene3d>
+    <dgm:sp3d/>
+    <dgm:txPr/>
+    <dgm:style>
+      <a:lnRef idx="2">
+        <a:scrgbClr r="0" g="0" b="0"/>
+      </a:lnRef>
+      <a:fillRef idx="0">
+        <a:scrgbClr r="0" g="0" b="0"/>
+      </a:fillRef>
+      <a:effectRef idx="0">
+        <a:scrgbClr r="0" g="0" b="0"/>
+      </a:effectRef>
+      <a:fontRef idx="minor"/>
+    </dgm:style>
+  </dgm:styleLbl>
+  <dgm:styleLbl name="fgAcc1">
+    <dgm:scene3d>
+      <a:camera prst="orthographicFront"/>
+      <a:lightRig rig="threePt" dir="t"/>
+    </dgm:scene3d>
+    <dgm:sp3d/>
+    <dgm:txPr/>
+    <dgm:style>
+      <a:lnRef idx="2">
+        <a:scrgbClr r="0" g="0" b="0"/>
+      </a:lnRef>
+      <a:fillRef idx="1">
+        <a:scrgbClr r="0" g="0" b="0"/>
+      </a:fillRef>
+      <a:effectRef idx="0">
+        <a:scrgbClr r="0" g="0" b="0"/>
+      </a:effectRef>
+      <a:fontRef idx="minor"/>
+    </dgm:style>
+  </dgm:styleLbl>
+  <dgm:styleLbl name="conFgAcc1">
+    <dgm:scene3d>
+      <a:camera prst="orthographicFront"/>
+      <a:lightRig rig="threePt" dir="t"/>
+    </dgm:scene3d>
+    <dgm:sp3d/>
+    <dgm:txPr/>
+    <dgm:style>
+      <a:lnRef idx="2">
+        <a:scrgbClr r="0" g="0" b="0"/>
+      </a:lnRef>
+      <a:fillRef idx="1">
+        <a:scrgbClr r="0" g="0" b="0"/>
+      </a:fillRef>
+      <a:effectRef idx="0">
+        <a:scrgbClr r="0" g="0" b="0"/>
+      </a:effectRef>
+      <a:fontRef idx="minor"/>
+    </dgm:style>
+  </dgm:styleLbl>
+  <dgm:styleLbl name="alignAcc1">
+    <dgm:scene3d>
+      <a:camera prst="orthographicFront"/>
+      <a:lightRig rig="threePt" dir="t"/>
+    </dgm:scene3d>
+    <dgm:sp3d/>
+    <dgm:txPr/>
+    <dgm:style>
+      <a:lnRef idx="2">
+        <a:scrgbClr r="0" g="0" b="0"/>
+      </a:lnRef>
+      <a:fillRef idx="1">
+        <a:scrgbClr r="0" g="0" b="0"/>
+      </a:fillRef>
+      <a:effectRef idx="0">
+        <a:scrgbClr r="0" g="0" b="0"/>
+      </a:effectRef>
+      <a:fontRef idx="minor"/>
+    </dgm:style>
+  </dgm:styleLbl>
+  <dgm:styleLbl name="trAlignAcc1">
+    <dgm:scene3d>
+      <a:camera prst="orthographicFront"/>
+      <a:lightRig rig="threePt" dir="t"/>
+    </dgm:scene3d>
+    <dgm:sp3d/>
+    <dgm:txPr/>
+    <dgm:style>
+      <a:lnRef idx="1">
+        <a:scrgbClr r="0" g="0" b="0"/>
+      </a:lnRef>
+      <a:fillRef idx="1">
+        <a:scrgbClr r="0" g="0" b="0"/>
+      </a:fillRef>
+      <a:effectRef idx="0">
+        <a:scrgbClr r="0" g="0" b="0"/>
+      </a:effectRef>
+      <a:fontRef idx="minor"/>
+    </dgm:style>
+  </dgm:styleLbl>
+  <dgm:styleLbl name="bgAcc1">
+    <dgm:scene3d>
+      <a:camera prst="orthographicFront"/>
+      <a:lightRig rig="threePt" dir="t"/>
+    </dgm:scene3d>
+    <dgm:sp3d/>
+    <dgm:txPr/>
+    <dgm:style>
+      <a:lnRef idx="2">
+        <a:scrgbClr r="0" g="0" b="0"/>
+      </a:lnRef>
+      <a:fillRef idx="1">
+        <a:scrgbClr r="0" g="0" b="0"/>
+      </a:fillRef>
+      <a:effectRef idx="0">
+        <a:scrgbClr r="0" g="0" b="0"/>
+      </a:effectRef>
+      <a:fontRef idx="minor"/>
+    </dgm:style>
+  </dgm:styleLbl>
+  <dgm:styleLbl name="solidFgAcc1">
+    <dgm:scene3d>
+      <a:camera prst="orthographicFront"/>
+      <a:lightRig rig="threePt" dir="t"/>
+    </dgm:scene3d>
+    <dgm:sp3d/>
+    <dgm:txPr/>
+    <dgm:style>
+      <a:lnRef idx="2">
+        <a:scrgbClr r="0" g="0" b="0"/>
+      </a:lnRef>
+      <a:fillRef idx="1">
+        <a:scrgbClr r="0" g="0" b="0"/>
+      </a:fillRef>
+      <a:effectRef idx="0">
+        <a:scrgbClr r="0" g="0" b="0"/>
+      </a:effectRef>
+      <a:fontRef idx="minor"/>
+    </dgm:style>
+  </dgm:styleLbl>
+  <dgm:styleLbl name="solidAlignAcc1">
+    <dgm:scene3d>
+      <a:camera prst="orthographicFront"/>
+      <a:lightRig rig="threePt" dir="t"/>
+    </dgm:scene3d>
+    <dgm:sp3d/>
+    <dgm:txPr/>
+    <dgm:style>
+      <a:lnRef idx="2">
+        <a:scrgbClr r="0" g="0" b="0"/>
+      </a:lnRef>
+      <a:fillRef idx="1">
+        <a:scrgbClr r="0" g="0" b="0"/>
+      </a:fillRef>
+      <a:effectRef idx="0">
+        <a:scrgbClr r="0" g="0" b="0"/>
+      </a:effectRef>
+      <a:fontRef idx="minor"/>
+    </dgm:style>
+  </dgm:styleLbl>
+  <dgm:styleLbl name="solidBgAcc1">
+    <dgm:scene3d>
+      <a:camera prst="orthographicFront"/>
+      <a:lightRig rig="threePt" dir="t"/>
+    </dgm:scene3d>
+    <dgm:sp3d/>
+    <dgm:txPr/>
+    <dgm:style>
+      <a:lnRef idx="2">
+        <a:scrgbClr r="0" g="0" b="0"/>
+      </a:lnRef>
+      <a:fillRef idx="1">
+        <a:scrgbClr r="0" g="0" b="0"/>
+      </a:fillRef>
+      <a:effectRef idx="0">
+        <a:scrgbClr r="0" g="0" b="0"/>
+      </a:effectRef>
+      <a:fontRef idx="minor"/>
+    </dgm:style>
+  </dgm:styleLbl>
+  <dgm:styleLbl name="fgAccFollowNode1">
+    <dgm:scene3d>
+      <a:camera prst="orthographicFront"/>
+      <a:lightRig rig="threePt" dir="t"/>
+    </dgm:scene3d>
+    <dgm:sp3d/>
+    <dgm:txPr/>
+    <dgm:style>
+      <a:lnRef idx="2">
+        <a:scrgbClr r="0" g="0" b="0"/>
+      </a:lnRef>
+      <a:fillRef idx="1">
+        <a:scrgbClr r="0" g="0" b="0"/>
+      </a:fillRef>
+      <a:effectRef idx="0">
+        <a:scrgbClr r="0" g="0" b="0"/>
+      </a:effectRef>
+      <a:fontRef idx="minor"/>
+    </dgm:style>
+  </dgm:styleLbl>
+  <dgm:styleLbl name="alignAccFollowNode1">
+    <dgm:scene3d>
+      <a:camera prst="orthographicFront"/>
+      <a:lightRig rig="threePt" dir="t"/>
+    </dgm:scene3d>
+    <dgm:sp3d/>
+    <dgm:txPr/>
+    <dgm:style>
+      <a:lnRef idx="2">
+        <a:scrgbClr r="0" g="0" b="0"/>
+      </a:lnRef>
+      <a:fillRef idx="1">
+        <a:scrgbClr r="0" g="0" b="0"/>
+      </a:fillRef>
+      <a:effectRef idx="0">
+        <a:scrgbClr r="0" g="0" b="0"/>
+      </a:effectRef>
+      <a:fontRef idx="minor"/>
+    </dgm:style>
+  </dgm:styleLbl>
+  <dgm:styleLbl name="bgAccFollowNode1">
+    <dgm:scene3d>
+      <a:camera prst="orthographicFront"/>
+      <a:lightRig rig="threePt" dir="t"/>
+    </dgm:scene3d>
+    <dgm:sp3d/>
+    <dgm:txPr/>
+    <dgm:style>
+      <a:lnRef idx="2">
+        <a:scrgbClr r="0" g="0" b="0"/>
+      </a:lnRef>
+      <a:fillRef idx="1">
+        <a:scrgbClr r="0" g="0" b="0"/>
+      </a:fillRef>
+      <a:effectRef idx="0">
+        <a:scrgbClr r="0" g="0" b="0"/>
+      </a:effectRef>
+      <a:fontRef idx="minor"/>
+    </dgm:style>
+  </dgm:styleLbl>
+  <dgm:styleLbl name="fgAcc0">
+    <dgm:scene3d>
+      <a:camera prst="orthographicFront"/>
+      <a:lightRig rig="threePt" dir="t"/>
+    </dgm:scene3d>
+    <dgm:sp3d/>
+    <dgm:txPr/>
+    <dgm:style>
+      <a:lnRef idx="2">
+        <a:scrgbClr r="0" g="0" b="0"/>
+      </a:lnRef>
+      <a:fillRef idx="1">
+        <a:scrgbClr r="0" g="0" b="0"/>
+      </a:fillRef>
+      <a:effectRef idx="0">
+        <a:scrgbClr r="0" g="0" b="0"/>
+      </a:effectRef>
+      <a:fontRef idx="minor"/>
+    </dgm:style>
+  </dgm:styleLbl>
+  <dgm:styleLbl name="fgAcc2">
+    <dgm:scene3d>
+      <a:camera prst="orthographicFront"/>
+      <a:lightRig rig="threePt" dir="t"/>
+    </dgm:scene3d>
+    <dgm:sp3d/>
+    <dgm:txPr/>
+    <dgm:style>
+      <a:lnRef idx="2">
+        <a:scrgbClr r="0" g="0" b="0"/>
+      </a:lnRef>
+      <a:fillRef idx="1">
+        <a:scrgbClr r="0" g="0" b="0"/>
+      </a:fillRef>
+      <a:effectRef idx="0">
+        <a:scrgbClr r="0" g="0" b="0"/>
+      </a:effectRef>
+      <a:fontRef idx="minor"/>
+    </dgm:style>
+  </dgm:styleLbl>
+  <dgm:styleLbl name="fgAcc3">
+    <dgm:scene3d>
+      <a:camera prst="orthographicFront"/>
+      <a:lightRig rig="threePt" dir="t"/>
+    </dgm:scene3d>
+    <dgm:sp3d/>
+    <dgm:txPr/>
+    <dgm:style>
+      <a:lnRef idx="2">
+        <a:scrgbClr r="0" g="0" b="0"/>
+      </a:lnRef>
+      <a:fillRef idx="1">
+        <a:scrgbClr r="0" g="0" b="0"/>
+      </a:fillRef>
+      <a:effectRef idx="0">
+        <a:scrgbClr r="0" g="0" b="0"/>
+      </a:effectRef>
+      <a:fontRef idx="minor"/>
+    </dgm:style>
+  </dgm:styleLbl>
+  <dgm:styleLbl name="fgAcc4">
+    <dgm:scene3d>
+      <a:camera prst="orthographicFront"/>
+      <a:lightRig rig="threePt" dir="t"/>
+    </dgm:scene3d>
+    <dgm:sp3d/>
+    <dgm:txPr/>
+    <dgm:style>
+      <a:lnRef idx="2">
+        <a:scrgbClr r="0" g="0" b="0"/>
+      </a:lnRef>
+      <a:fillRef idx="1">
+        <a:scrgbClr r="0" g="0" b="0"/>
+      </a:fillRef>
+      <a:effectRef idx="0">
+        <a:scrgbClr r="0" g="0" b="0"/>
+      </a:effectRef>
+      <a:fontRef idx="minor"/>
+    </dgm:style>
+  </dgm:styleLbl>
+  <dgm:styleLbl name="bgShp">
+    <dgm:scene3d>
+      <a:camera prst="orthographicFront"/>
+      <a:lightRig rig="threePt" dir="t"/>
+    </dgm:scene3d>
+    <dgm:sp3d/>
+    <dgm:txPr/>
+    <dgm:style>
+      <a:lnRef idx="0">
+        <a:scrgbClr r="0" g="0" b="0"/>
+      </a:lnRef>
+      <a:fillRef idx="1">
+        <a:scrgbClr r="0" g="0" b="0"/>
+      </a:fillRef>
+      <a:effectRef idx="0">
+        <a:scrgbClr r="0" g="0" b="0"/>
+      </a:effectRef>
+      <a:fontRef idx="minor"/>
+    </dgm:style>
+  </dgm:styleLbl>
+  <dgm:styleLbl name="dkBgShp">
+    <dgm:scene3d>
+      <a:camera prst="orthographicFront"/>
+      <a:lightRig rig="threePt" dir="t"/>
+    </dgm:scene3d>
+    <dgm:sp3d/>
+    <dgm:txPr/>
+    <dgm:style>
+      <a:lnRef idx="0">
+        <a:scrgbClr r="0" g="0" b="0"/>
+      </a:lnRef>
+      <a:fillRef idx="1">
+        <a:scrgbClr r="0" g="0" b="0"/>
+      </a:fillRef>
+      <a:effectRef idx="0">
+        <a:scrgbClr r="0" g="0" b="0"/>
+      </a:effectRef>
+      <a:fontRef idx="minor"/>
+    </dgm:style>
+  </dgm:styleLbl>
+  <dgm:styleLbl name="trBgShp">
+    <dgm:scene3d>
+      <a:camera prst="orthographicFront"/>
+      <a:lightRig rig="threePt" dir="t"/>
+    </dgm:scene3d>
+    <dgm:sp3d/>
+    <dgm:txPr/>
+    <dgm:style>
+      <a:lnRef idx="0">
+        <a:scrgbClr r="0" g="0" b="0"/>
+      </a:lnRef>
+      <a:fillRef idx="1">
+        <a:scrgbClr r="0" g="0" b="0"/>
+      </a:fillRef>
+      <a:effectRef idx="0">
+        <a:scrgbClr r="0" g="0" b="0"/>
+      </a:effectRef>
+      <a:fontRef idx="minor"/>
+    </dgm:style>
+  </dgm:styleLbl>
+  <dgm:styleLbl name="fgShp">
+    <dgm:scene3d>
+      <a:camera prst="orthographicFront"/>
+      <a:lightRig rig="threePt" dir="t"/>
+    </dgm:scene3d>
+    <dgm:sp3d/>
+    <dgm:txPr/>
+    <dgm:style>
+      <a:lnRef idx="2">
+        <a:scrgbClr r="0" g="0" b="0"/>
+      </a:lnRef>
+      <a:fillRef idx="1">
+        <a:scrgbClr r="0" g="0" b="0"/>
+      </a:fillRef>
+      <a:effectRef idx="0">
+        <a:scrgbClr r="0" g="0" b="0"/>
+      </a:effectRef>
+      <a:fontRef idx="minor"/>
+    </dgm:style>
+  </dgm:styleLbl>
+  <dgm:styleLbl name="revTx">
+    <dgm:scene3d>
+      <a:camera prst="orthographicFront"/>
+      <a:lightRig rig="threePt" dir="t"/>
+    </dgm:scene3d>
+    <dgm:sp3d/>
+    <dgm:txPr/>
+    <dgm:style>
+      <a:lnRef idx="0">
+        <a:scrgbClr r="0" g="0" b="0"/>
+      </a:lnRef>
+      <a:fillRef idx="0">
+        <a:scrgbClr r="0" g="0" b="0"/>
+      </a:fillRef>
+      <a:effectRef idx="0">
+        <a:scrgbClr r="0" g="0" b="0"/>
+      </a:effectRef>
+      <a:fontRef idx="minor"/>
+    </dgm:style>
+  </dgm:styleLbl>
+</dgm:styleDef>
 </file>
 
 <file path=ppt/slideLayouts/slideLayout1.xml><?xml version="1.0" encoding="utf-8"?>
@@ -9205,10 +12260,16 @@
         </p:nvSpPr>
         <p:spPr/>
         <p:txBody>
-          <a:bodyPr/>
+          <a:bodyPr>
+            <a:noAutofit/>
+          </a:bodyPr>
           <a:lstStyle/>
           <a:p>
-            <a:endParaRPr lang="en-US" noProof="0" dirty="0"/>
+            <a:r>
+              <a:rPr lang="en-GB" sz="4000" b="0" dirty="0"/>
+              <a:t>Enhancing Readability of Automatically Generated Unit Tests: Leveraging LLMs for Meaningful Identifier Naming</a:t>
+            </a:r>
+            <a:endParaRPr lang="en-US" sz="4000" noProof="0" dirty="0"/>
           </a:p>
         </p:txBody>
       </p:sp>
@@ -9228,12 +12289,20 @@
             <p:ph type="body" sz="quarter" idx="10"/>
           </p:nvPr>
         </p:nvSpPr>
-        <p:spPr/>
+        <p:spPr>
+          <a:xfrm>
+            <a:off x="623887" y="4692405"/>
+            <a:ext cx="10944225" cy="1062037"/>
+          </a:xfrm>
+        </p:spPr>
         <p:txBody>
           <a:bodyPr/>
           <a:lstStyle/>
           <a:p>
-            <a:endParaRPr lang="en-US"/>
+            <a:r>
+              <a:rPr lang="en-US" dirty="0"/>
+              <a:t>Jason Liu</a:t>
+            </a:r>
           </a:p>
         </p:txBody>
       </p:sp>
@@ -9241,6 +12310,182 @@
     <p:extLst>
       <p:ext uri="{BB962C8B-B14F-4D97-AF65-F5344CB8AC3E}">
         <p14:creationId xmlns:p14="http://schemas.microsoft.com/office/powerpoint/2010/main" val="2323801077"/>
+      </p:ext>
+    </p:extLst>
+  </p:cSld>
+  <p:clrMapOvr>
+    <a:masterClrMapping/>
+  </p:clrMapOvr>
+</p:sld>
+</file>
+
+<file path=ppt/slides/slide10.xml><?xml version="1.0" encoding="utf-8"?>
+<p:sld xmlns:a="http://schemas.openxmlformats.org/drawingml/2006/main" xmlns:r="http://schemas.openxmlformats.org/officeDocument/2006/relationships" xmlns:p="http://schemas.openxmlformats.org/presentationml/2006/main">
+  <p:cSld>
+    <p:spTree>
+      <p:nvGrpSpPr>
+        <p:cNvPr id="1" name=""/>
+        <p:cNvGrpSpPr/>
+        <p:nvPr/>
+      </p:nvGrpSpPr>
+      <p:grpSpPr>
+        <a:xfrm>
+          <a:off x="0" y="0"/>
+          <a:ext cx="0" cy="0"/>
+          <a:chOff x="0" y="0"/>
+          <a:chExt cx="0" cy="0"/>
+        </a:xfrm>
+      </p:grpSpPr>
+      <p:sp>
+        <p:nvSpPr>
+          <p:cNvPr id="3" name="Slide Number Placeholder 2">
+            <a:extLst>
+              <a:ext uri="{FF2B5EF4-FFF2-40B4-BE49-F238E27FC236}">
+                <a16:creationId xmlns:a16="http://schemas.microsoft.com/office/drawing/2014/main" id="{7D961E90-FB64-E47A-E6B7-969E87C73C40}"/>
+              </a:ext>
+            </a:extLst>
+          </p:cNvPr>
+          <p:cNvSpPr>
+            <a:spLocks noGrp="1"/>
+          </p:cNvSpPr>
+          <p:nvPr>
+            <p:ph type="sldNum" sz="quarter" idx="10"/>
+          </p:nvPr>
+        </p:nvSpPr>
+        <p:spPr/>
+        <p:txBody>
+          <a:bodyPr/>
+          <a:lstStyle/>
+          <a:p>
+            <a:fld id="{E038E271-308C-2E46-A3EC-56326F9084CC}" type="slidenum">
+              <a:rPr lang="nl-BE" smtClean="0"/>
+              <a:pPr/>
+              <a:t>10</a:t>
+            </a:fld>
+            <a:endParaRPr lang="nl-BE" dirty="0"/>
+          </a:p>
+        </p:txBody>
+      </p:sp>
+      <p:pic>
+        <p:nvPicPr>
+          <p:cNvPr id="2050" name="Picture 2" descr="Differences between good and bad code">
+            <a:extLst>
+              <a:ext uri="{FF2B5EF4-FFF2-40B4-BE49-F238E27FC236}">
+                <a16:creationId xmlns:a16="http://schemas.microsoft.com/office/drawing/2014/main" id="{52105CEE-2440-50A6-8A5D-019CE1D19B5B}"/>
+              </a:ext>
+            </a:extLst>
+          </p:cNvPr>
+          <p:cNvPicPr>
+            <a:picLocks noChangeAspect="1" noChangeArrowheads="1"/>
+          </p:cNvPicPr>
+          <p:nvPr/>
+        </p:nvPicPr>
+        <p:blipFill>
+          <a:blip r:embed="rId2">
+            <a:extLst>
+              <a:ext uri="{28A0092B-C50C-407E-A947-70E740481C1C}">
+                <a14:useLocalDpi xmlns:a14="http://schemas.microsoft.com/office/drawing/2010/main" val="0"/>
+              </a:ext>
+            </a:extLst>
+          </a:blip>
+          <a:srcRect/>
+          <a:stretch>
+            <a:fillRect/>
+          </a:stretch>
+        </p:blipFill>
+        <p:spPr bwMode="auto">
+          <a:xfrm>
+            <a:off x="2552700" y="514350"/>
+            <a:ext cx="7086600" cy="5829300"/>
+          </a:xfrm>
+          <a:prstGeom prst="rect">
+            <a:avLst/>
+          </a:prstGeom>
+          <a:noFill/>
+          <a:extLst>
+            <a:ext uri="{909E8E84-426E-40DD-AFC4-6F175D3DCCD1}">
+              <a14:hiddenFill xmlns:a14="http://schemas.microsoft.com/office/drawing/2010/main">
+                <a:solidFill>
+                  <a:srgbClr val="FFFFFF"/>
+                </a:solidFill>
+              </a14:hiddenFill>
+            </a:ext>
+          </a:extLst>
+        </p:spPr>
+      </p:pic>
+      <p:sp>
+        <p:nvSpPr>
+          <p:cNvPr id="5" name="TextBox 4">
+            <a:extLst>
+              <a:ext uri="{FF2B5EF4-FFF2-40B4-BE49-F238E27FC236}">
+                <a16:creationId xmlns:a16="http://schemas.microsoft.com/office/drawing/2014/main" id="{BCD27E1B-0B3F-2BF8-EBD0-83B7E1F729F6}"/>
+              </a:ext>
+            </a:extLst>
+          </p:cNvPr>
+          <p:cNvSpPr txBox="1"/>
+          <p:nvPr/>
+        </p:nvSpPr>
+        <p:spPr>
+          <a:xfrm>
+            <a:off x="2552700" y="6404911"/>
+            <a:ext cx="6953250" cy="238125"/>
+          </a:xfrm>
+          <a:prstGeom prst="rect">
+            <a:avLst/>
+          </a:prstGeom>
+          <a:noFill/>
+        </p:spPr>
+        <p:txBody>
+          <a:bodyPr wrap="none" lIns="0" tIns="0" rIns="0" bIns="0" rtlCol="0">
+            <a:noAutofit/>
+          </a:bodyPr>
+          <a:lstStyle/>
+          <a:p>
+            <a:r>
+              <a:rPr lang="en-GB" sz="1000" dirty="0" err="1"/>
+              <a:t>Hromcov</a:t>
+            </a:r>
+            <a:r>
+              <a:rPr lang="en-GB" sz="1000" dirty="0"/>
+              <a:t>, A. (2020). </a:t>
+            </a:r>
+            <a:r>
+              <a:rPr lang="en-GB" sz="1000" i="1" dirty="0"/>
+              <a:t>How to write good code?</a:t>
+            </a:r>
+            <a:r>
+              <a:rPr lang="en-GB" sz="1000" dirty="0"/>
+              <a:t> </a:t>
+            </a:r>
+            <a:r>
+              <a:rPr lang="en-GB" sz="1000" dirty="0" err="1"/>
+              <a:t>Lvivity</a:t>
+            </a:r>
+            <a:r>
+              <a:rPr lang="en-GB" sz="1000" dirty="0"/>
+              <a:t>. </a:t>
+            </a:r>
+            <a:r>
+              <a:rPr lang="en-GB" sz="1000" dirty="0">
+                <a:hlinkClick r:id="rId3"/>
+              </a:rPr>
+              <a:t>https://lvivity.com/how-to-write-good-code</a:t>
+            </a:r>
+            <a:endParaRPr lang="en-BE" sz="1000" b="1" dirty="0">
+              <a:solidFill>
+                <a:schemeClr val="tx1"/>
+              </a:solidFill>
+              <a:latin typeface="+mn-lt"/>
+              <a:ea typeface="Verdana" panose="020B0604030504040204" pitchFamily="34" charset="0"/>
+              <a:cs typeface="Verdana" panose="020B0604030504040204" pitchFamily="34" charset="0"/>
+            </a:endParaRPr>
+          </a:p>
+        </p:txBody>
+      </p:sp>
+    </p:spTree>
+    <p:extLst>
+      <p:ext uri="{BB962C8B-B14F-4D97-AF65-F5344CB8AC3E}">
+        <p14:creationId xmlns:p14="http://schemas.microsoft.com/office/powerpoint/2010/main" val="1079386292"/>
       </p:ext>
     </p:extLst>
   </p:cSld>
@@ -9283,9 +12528,16 @@
             <p:ph type="title"/>
           </p:nvPr>
         </p:nvSpPr>
-        <p:spPr/>
+        <p:spPr>
+          <a:xfrm>
+            <a:off x="623887" y="620713"/>
+            <a:ext cx="10944226" cy="791794"/>
+          </a:xfrm>
+        </p:spPr>
         <p:txBody>
-          <a:bodyPr/>
+          <a:bodyPr anchor="t">
+            <a:normAutofit/>
+          </a:bodyPr>
           <a:lstStyle/>
           <a:p>
             <a:r>
@@ -9319,43 +12571,57 @@
           </a:xfrm>
         </p:spPr>
         <p:txBody>
-          <a:bodyPr/>
+          <a:bodyPr anchor="ctr">
+            <a:normAutofit/>
+          </a:bodyPr>
           <a:lstStyle/>
           <a:p>
+            <a:pPr>
+              <a:spcAft>
+                <a:spcPts val="600"/>
+              </a:spcAft>
+            </a:pPr>
             <a:fld id="{E038E271-308C-2E46-A3EC-56326F9084CC}" type="slidenum">
               <a:rPr lang="nl-BE" smtClean="0"/>
-              <a:pPr/>
+              <a:pPr>
+                <a:spcAft>
+                  <a:spcPts val="600"/>
+                </a:spcAft>
+              </a:pPr>
               <a:t>2</a:t>
             </a:fld>
-            <a:endParaRPr lang="nl-BE" dirty="0"/>
+            <a:endParaRPr lang="nl-BE"/>
           </a:p>
         </p:txBody>
       </p:sp>
-      <p:sp>
-        <p:nvSpPr>
-          <p:cNvPr id="7" name="Text Placeholder 6">
+      <p:graphicFrame>
+        <p:nvGraphicFramePr>
+          <p:cNvPr id="9" name="Text Placeholder 6">
             <a:extLst>
               <a:ext uri="{FF2B5EF4-FFF2-40B4-BE49-F238E27FC236}">
-                <a16:creationId xmlns:a16="http://schemas.microsoft.com/office/drawing/2014/main" id="{2D361F8A-5995-48A9-9138-5390614326DE}"/>
+                <a16:creationId xmlns:a16="http://schemas.microsoft.com/office/drawing/2014/main" id="{9C801D6C-BE13-2086-0E92-9439C1935AA6}"/>
               </a:ext>
             </a:extLst>
           </p:cNvPr>
-          <p:cNvSpPr>
-            <a:spLocks noGrp="1"/>
-          </p:cNvSpPr>
+          <p:cNvGraphicFramePr/>
           <p:nvPr>
-            <p:ph type="body" sz="quarter" idx="11"/>
+            <p:extLst>
+              <p:ext uri="{D42A27DB-BD31-4B8C-83A1-F6EECF244321}">
+                <p14:modId xmlns:p14="http://schemas.microsoft.com/office/powerpoint/2010/main" val="400706540"/>
+              </p:ext>
+            </p:extLst>
           </p:nvPr>
-        </p:nvSpPr>
-        <p:spPr/>
-        <p:txBody>
-          <a:bodyPr/>
-          <a:lstStyle/>
-          <a:p>
-            <a:endParaRPr lang="nl-BE"/>
-          </a:p>
-        </p:txBody>
-      </p:sp>
+        </p:nvGraphicFramePr>
+        <p:xfrm>
+          <a:off x="623889" y="1578459"/>
+          <a:ext cx="10944224" cy="4658829"/>
+        </p:xfrm>
+        <a:graphic>
+          <a:graphicData uri="http://schemas.openxmlformats.org/drawingml/2006/diagram">
+            <dgm:relIds xmlns:dgm="http://schemas.openxmlformats.org/drawingml/2006/diagram" xmlns:r="http://schemas.openxmlformats.org/officeDocument/2006/relationships" r:dm="rId2" r:lo="rId3" r:qs="rId4" r:cs="rId5"/>
+          </a:graphicData>
+        </a:graphic>
+      </p:graphicFrame>
     </p:spTree>
     <p:extLst>
       <p:ext uri="{BB962C8B-B14F-4D97-AF65-F5344CB8AC3E}">
@@ -9434,21 +12700,96 @@
             <p:ph type="title"/>
           </p:nvPr>
         </p:nvSpPr>
-        <p:spPr/>
+        <p:spPr>
+          <a:xfrm>
+            <a:off x="842523" y="616643"/>
+            <a:ext cx="10725790" cy="732324"/>
+          </a:xfrm>
+        </p:spPr>
         <p:txBody>
           <a:bodyPr/>
           <a:lstStyle/>
           <a:p>
-            <a:endParaRPr lang="en-BE"/>
+            <a:r>
+              <a:rPr lang="en-GB" dirty="0"/>
+              <a:t>Problem</a:t>
+            </a:r>
+            <a:endParaRPr lang="en-BE" dirty="0"/>
           </a:p>
         </p:txBody>
       </p:sp>
+      <p:pic>
+        <p:nvPicPr>
+          <p:cNvPr id="7" name="Picture 6">
+            <a:extLst>
+              <a:ext uri="{FF2B5EF4-FFF2-40B4-BE49-F238E27FC236}">
+                <a16:creationId xmlns:a16="http://schemas.microsoft.com/office/drawing/2014/main" id="{BDA7D5FC-A245-55A9-5C26-4E7A9023D0A6}"/>
+              </a:ext>
+            </a:extLst>
+          </p:cNvPr>
+          <p:cNvPicPr>
+            <a:picLocks noChangeAspect="1"/>
+          </p:cNvPicPr>
+          <p:nvPr/>
+        </p:nvPicPr>
+        <p:blipFill>
+          <a:blip r:embed="rId2"/>
+          <a:stretch>
+            <a:fillRect/>
+          </a:stretch>
+        </p:blipFill>
+        <p:spPr>
+          <a:xfrm>
+            <a:off x="2356291" y="2482769"/>
+            <a:ext cx="7479418" cy="2527670"/>
+          </a:xfrm>
+          <a:prstGeom prst="rect">
+            <a:avLst/>
+          </a:prstGeom>
+        </p:spPr>
+      </p:pic>
+    </p:spTree>
+    <p:extLst>
+      <p:ext uri="{BB962C8B-B14F-4D97-AF65-F5344CB8AC3E}">
+        <p14:creationId xmlns:p14="http://schemas.microsoft.com/office/powerpoint/2010/main" val="2856333721"/>
+      </p:ext>
+    </p:extLst>
+  </p:cSld>
+  <p:clrMapOvr>
+    <a:masterClrMapping/>
+  </p:clrMapOvr>
+</p:sld>
+</file>
+
+<file path=ppt/slides/slide4.xml><?xml version="1.0" encoding="utf-8"?>
+<p:sld xmlns:a="http://schemas.openxmlformats.org/drawingml/2006/main" xmlns:r="http://schemas.openxmlformats.org/officeDocument/2006/relationships" xmlns:p="http://schemas.openxmlformats.org/presentationml/2006/main">
+  <p:cSld>
+    <p:spTree>
+      <p:nvGrpSpPr>
+        <p:cNvPr id="1" name="">
+          <a:extLst>
+            <a:ext uri="{FF2B5EF4-FFF2-40B4-BE49-F238E27FC236}">
+              <a16:creationId xmlns:a16="http://schemas.microsoft.com/office/drawing/2014/main" id="{AD0A2D29-B997-3DEE-37CE-E8DA234A86A6}"/>
+            </a:ext>
+          </a:extLst>
+        </p:cNvPr>
+        <p:cNvGrpSpPr/>
+        <p:nvPr/>
+      </p:nvGrpSpPr>
+      <p:grpSpPr>
+        <a:xfrm>
+          <a:off x="0" y="0"/>
+          <a:ext cx="0" cy="0"/>
+          <a:chOff x="0" y="0"/>
+          <a:chExt cx="0" cy="0"/>
+        </a:xfrm>
+      </p:grpSpPr>
       <p:sp>
         <p:nvSpPr>
-          <p:cNvPr id="4" name="Picture Placeholder 3">
+          <p:cNvPr id="2" name="Slide Number Placeholder 1">
             <a:extLst>
               <a:ext uri="{FF2B5EF4-FFF2-40B4-BE49-F238E27FC236}">
-                <a16:creationId xmlns:a16="http://schemas.microsoft.com/office/drawing/2014/main" id="{08AE809A-48DC-35BB-C4A6-F43E586FFDDF}"/>
+                <a16:creationId xmlns:a16="http://schemas.microsoft.com/office/drawing/2014/main" id="{D658EAF6-AAAE-B042-1DD1-B34F459A4FEE}"/>
               </a:ext>
             </a:extLst>
           </p:cNvPr>
@@ -9456,7 +12797,937 @@
             <a:spLocks noGrp="1"/>
           </p:cNvSpPr>
           <p:nvPr>
-            <p:ph type="pic" idx="1"/>
+            <p:ph type="sldNum" sz="quarter" idx="10"/>
+          </p:nvPr>
+        </p:nvSpPr>
+        <p:spPr>
+          <a:xfrm>
+            <a:off x="8923493" y="6339173"/>
+            <a:ext cx="2644619" cy="365125"/>
+          </a:xfrm>
+        </p:spPr>
+        <p:txBody>
+          <a:bodyPr anchor="ctr">
+            <a:normAutofit/>
+          </a:bodyPr>
+          <a:lstStyle/>
+          <a:p>
+            <a:pPr>
+              <a:spcAft>
+                <a:spcPts val="600"/>
+              </a:spcAft>
+            </a:pPr>
+            <a:fld id="{E038E271-308C-2E46-A3EC-56326F9084CC}" type="slidenum">
+              <a:rPr lang="nl-BE" smtClean="0"/>
+              <a:pPr>
+                <a:spcAft>
+                  <a:spcPts val="600"/>
+                </a:spcAft>
+              </a:pPr>
+              <a:t>4</a:t>
+            </a:fld>
+            <a:endParaRPr lang="nl-BE"/>
+          </a:p>
+        </p:txBody>
+      </p:sp>
+      <p:sp>
+        <p:nvSpPr>
+          <p:cNvPr id="8" name="Text Placeholder 2">
+            <a:extLst>
+              <a:ext uri="{FF2B5EF4-FFF2-40B4-BE49-F238E27FC236}">
+                <a16:creationId xmlns:a16="http://schemas.microsoft.com/office/drawing/2014/main" id="{9AB1938E-4DBB-1265-658F-F664815F9981}"/>
+              </a:ext>
+            </a:extLst>
+          </p:cNvPr>
+          <p:cNvSpPr>
+            <a:spLocks noGrp="1"/>
+          </p:cNvSpPr>
+          <p:nvPr>
+            <p:ph type="body" sz="quarter" idx="22"/>
+          </p:nvPr>
+        </p:nvSpPr>
+        <p:spPr>
+          <a:xfrm>
+            <a:off x="630809" y="1578459"/>
+            <a:ext cx="5307799" cy="522288"/>
+          </a:xfrm>
+        </p:spPr>
+        <p:txBody>
+          <a:bodyPr/>
+          <a:lstStyle/>
+          <a:p>
+            <a:r>
+              <a:rPr lang="en-US" dirty="0"/>
+              <a:t>Test code 1</a:t>
+            </a:r>
+          </a:p>
+        </p:txBody>
+      </p:sp>
+      <p:sp>
+        <p:nvSpPr>
+          <p:cNvPr id="10" name="Text Placeholder 3">
+            <a:extLst>
+              <a:ext uri="{FF2B5EF4-FFF2-40B4-BE49-F238E27FC236}">
+                <a16:creationId xmlns:a16="http://schemas.microsoft.com/office/drawing/2014/main" id="{9D8FD79C-BA78-485A-8FF8-D4E84021328F}"/>
+              </a:ext>
+            </a:extLst>
+          </p:cNvPr>
+          <p:cNvSpPr>
+            <a:spLocks noGrp="1"/>
+          </p:cNvSpPr>
+          <p:nvPr>
+            <p:ph type="body" sz="quarter" idx="26"/>
+          </p:nvPr>
+        </p:nvSpPr>
+        <p:spPr>
+          <a:xfrm>
+            <a:off x="6253391" y="1578459"/>
+            <a:ext cx="5307799" cy="522288"/>
+          </a:xfrm>
+        </p:spPr>
+        <p:txBody>
+          <a:bodyPr/>
+          <a:lstStyle/>
+          <a:p>
+            <a:r>
+              <a:rPr lang="en-US" dirty="0"/>
+              <a:t>Test code 2</a:t>
+            </a:r>
+          </a:p>
+        </p:txBody>
+      </p:sp>
+      <p:pic>
+        <p:nvPicPr>
+          <p:cNvPr id="5" name="Content Placeholder 4">
+            <a:extLst>
+              <a:ext uri="{FF2B5EF4-FFF2-40B4-BE49-F238E27FC236}">
+                <a16:creationId xmlns:a16="http://schemas.microsoft.com/office/drawing/2014/main" id="{82DB58AD-3E2E-2921-4005-96128CFC2E18}"/>
+              </a:ext>
+            </a:extLst>
+          </p:cNvPr>
+          <p:cNvPicPr>
+            <a:picLocks noGrp="1" noChangeAspect="1"/>
+          </p:cNvPicPr>
+          <p:nvPr>
+            <p:ph sz="quarter" idx="27"/>
+          </p:nvPr>
+        </p:nvPicPr>
+        <p:blipFill>
+          <a:blip r:embed="rId2"/>
+          <a:stretch>
+            <a:fillRect/>
+          </a:stretch>
+        </p:blipFill>
+        <p:spPr>
+          <a:xfrm>
+            <a:off x="630809" y="2912886"/>
+            <a:ext cx="4348597" cy="2551744"/>
+          </a:xfrm>
+          <a:prstGeom prst="rect">
+            <a:avLst/>
+          </a:prstGeom>
+        </p:spPr>
+      </p:pic>
+      <p:pic>
+        <p:nvPicPr>
+          <p:cNvPr id="9" name="Content Placeholder 8">
+            <a:extLst>
+              <a:ext uri="{FF2B5EF4-FFF2-40B4-BE49-F238E27FC236}">
+                <a16:creationId xmlns:a16="http://schemas.microsoft.com/office/drawing/2014/main" id="{9DD385EA-EC0F-3232-BC86-AA03CF5D0A31}"/>
+              </a:ext>
+            </a:extLst>
+          </p:cNvPr>
+          <p:cNvPicPr>
+            <a:picLocks noGrp="1" noChangeAspect="1"/>
+          </p:cNvPicPr>
+          <p:nvPr>
+            <p:ph sz="quarter" idx="28"/>
+          </p:nvPr>
+        </p:nvPicPr>
+        <p:blipFill>
+          <a:blip r:embed="rId3"/>
+          <a:stretch>
+            <a:fillRect/>
+          </a:stretch>
+        </p:blipFill>
+        <p:spPr>
+          <a:xfrm>
+            <a:off x="6340117" y="2912886"/>
+            <a:ext cx="5134692" cy="2534004"/>
+          </a:xfrm>
+          <a:prstGeom prst="rect">
+            <a:avLst/>
+          </a:prstGeom>
+        </p:spPr>
+      </p:pic>
+      <p:sp>
+        <p:nvSpPr>
+          <p:cNvPr id="3" name="Title 2">
+            <a:extLst>
+              <a:ext uri="{FF2B5EF4-FFF2-40B4-BE49-F238E27FC236}">
+                <a16:creationId xmlns:a16="http://schemas.microsoft.com/office/drawing/2014/main" id="{E0182616-45D4-147B-69D6-66D150047CF8}"/>
+              </a:ext>
+            </a:extLst>
+          </p:cNvPr>
+          <p:cNvSpPr>
+            <a:spLocks noGrp="1"/>
+          </p:cNvSpPr>
+          <p:nvPr>
+            <p:ph type="title"/>
+          </p:nvPr>
+        </p:nvSpPr>
+        <p:spPr>
+          <a:xfrm>
+            <a:off x="623887" y="620713"/>
+            <a:ext cx="10944226" cy="791794"/>
+          </a:xfrm>
+        </p:spPr>
+        <p:txBody>
+          <a:bodyPr anchor="t">
+            <a:normAutofit/>
+          </a:bodyPr>
+          <a:lstStyle/>
+          <a:p>
+            <a:r>
+              <a:rPr lang="en-GB" dirty="0"/>
+              <a:t>Problem</a:t>
+            </a:r>
+            <a:endParaRPr lang="en-BE" dirty="0"/>
+          </a:p>
+        </p:txBody>
+      </p:sp>
+    </p:spTree>
+    <p:extLst>
+      <p:ext uri="{BB962C8B-B14F-4D97-AF65-F5344CB8AC3E}">
+        <p14:creationId xmlns:p14="http://schemas.microsoft.com/office/powerpoint/2010/main" val="3965817023"/>
+      </p:ext>
+    </p:extLst>
+  </p:cSld>
+  <p:clrMapOvr>
+    <a:masterClrMapping/>
+  </p:clrMapOvr>
+</p:sld>
+</file>
+
+<file path=ppt/slides/slide5.xml><?xml version="1.0" encoding="utf-8"?>
+<p:sld xmlns:a="http://schemas.openxmlformats.org/drawingml/2006/main" xmlns:r="http://schemas.openxmlformats.org/officeDocument/2006/relationships" xmlns:p="http://schemas.openxmlformats.org/presentationml/2006/main">
+  <p:cSld>
+    <p:spTree>
+      <p:nvGrpSpPr>
+        <p:cNvPr id="1" name="">
+          <a:extLst>
+            <a:ext uri="{FF2B5EF4-FFF2-40B4-BE49-F238E27FC236}">
+              <a16:creationId xmlns:a16="http://schemas.microsoft.com/office/drawing/2014/main" id="{C00D1988-3087-2C80-32E0-BF0F3AB5F6C8}"/>
+            </a:ext>
+          </a:extLst>
+        </p:cNvPr>
+        <p:cNvGrpSpPr/>
+        <p:nvPr/>
+      </p:nvGrpSpPr>
+      <p:grpSpPr>
+        <a:xfrm>
+          <a:off x="0" y="0"/>
+          <a:ext cx="0" cy="0"/>
+          <a:chOff x="0" y="0"/>
+          <a:chExt cx="0" cy="0"/>
+        </a:xfrm>
+      </p:grpSpPr>
+      <p:sp>
+        <p:nvSpPr>
+          <p:cNvPr id="2" name="Slide Number Placeholder 1">
+            <a:extLst>
+              <a:ext uri="{FF2B5EF4-FFF2-40B4-BE49-F238E27FC236}">
+                <a16:creationId xmlns:a16="http://schemas.microsoft.com/office/drawing/2014/main" id="{81926761-87ED-19CA-1004-1A6D56067A49}"/>
+              </a:ext>
+            </a:extLst>
+          </p:cNvPr>
+          <p:cNvSpPr>
+            <a:spLocks noGrp="1"/>
+          </p:cNvSpPr>
+          <p:nvPr>
+            <p:ph type="sldNum" sz="quarter" idx="10"/>
+          </p:nvPr>
+        </p:nvSpPr>
+        <p:spPr>
+          <a:xfrm>
+            <a:off x="8923493" y="6339173"/>
+            <a:ext cx="2644619" cy="365125"/>
+          </a:xfrm>
+        </p:spPr>
+        <p:txBody>
+          <a:bodyPr anchor="ctr">
+            <a:normAutofit/>
+          </a:bodyPr>
+          <a:lstStyle/>
+          <a:p>
+            <a:pPr>
+              <a:spcAft>
+                <a:spcPts val="600"/>
+              </a:spcAft>
+            </a:pPr>
+            <a:fld id="{E038E271-308C-2E46-A3EC-56326F9084CC}" type="slidenum">
+              <a:rPr lang="nl-BE" smtClean="0"/>
+              <a:pPr>
+                <a:spcAft>
+                  <a:spcPts val="600"/>
+                </a:spcAft>
+              </a:pPr>
+              <a:t>5</a:t>
+            </a:fld>
+            <a:endParaRPr lang="nl-BE"/>
+          </a:p>
+        </p:txBody>
+      </p:sp>
+      <p:sp>
+        <p:nvSpPr>
+          <p:cNvPr id="8" name="Text Placeholder 2">
+            <a:extLst>
+              <a:ext uri="{FF2B5EF4-FFF2-40B4-BE49-F238E27FC236}">
+                <a16:creationId xmlns:a16="http://schemas.microsoft.com/office/drawing/2014/main" id="{F72BFA44-A5C1-072A-C497-1FA625F0EBDE}"/>
+              </a:ext>
+            </a:extLst>
+          </p:cNvPr>
+          <p:cNvSpPr>
+            <a:spLocks noGrp="1"/>
+          </p:cNvSpPr>
+          <p:nvPr>
+            <p:ph type="body" sz="quarter" idx="22"/>
+          </p:nvPr>
+        </p:nvSpPr>
+        <p:spPr>
+          <a:xfrm>
+            <a:off x="630809" y="1578459"/>
+            <a:ext cx="5307799" cy="522288"/>
+          </a:xfrm>
+        </p:spPr>
+        <p:txBody>
+          <a:bodyPr/>
+          <a:lstStyle/>
+          <a:p>
+            <a:r>
+              <a:rPr lang="en-US" dirty="0"/>
+              <a:t>Test code 1</a:t>
+            </a:r>
+          </a:p>
+        </p:txBody>
+      </p:sp>
+      <p:sp>
+        <p:nvSpPr>
+          <p:cNvPr id="10" name="Text Placeholder 3">
+            <a:extLst>
+              <a:ext uri="{FF2B5EF4-FFF2-40B4-BE49-F238E27FC236}">
+                <a16:creationId xmlns:a16="http://schemas.microsoft.com/office/drawing/2014/main" id="{851F696B-1BBE-0429-790A-6739DD7C8E1B}"/>
+              </a:ext>
+            </a:extLst>
+          </p:cNvPr>
+          <p:cNvSpPr>
+            <a:spLocks noGrp="1"/>
+          </p:cNvSpPr>
+          <p:nvPr>
+            <p:ph type="body" sz="quarter" idx="26"/>
+          </p:nvPr>
+        </p:nvSpPr>
+        <p:spPr>
+          <a:xfrm>
+            <a:off x="6253391" y="1578459"/>
+            <a:ext cx="5307799" cy="522288"/>
+          </a:xfrm>
+        </p:spPr>
+        <p:txBody>
+          <a:bodyPr/>
+          <a:lstStyle/>
+          <a:p>
+            <a:r>
+              <a:rPr lang="en-US" dirty="0"/>
+              <a:t>Test code 2</a:t>
+            </a:r>
+          </a:p>
+        </p:txBody>
+      </p:sp>
+      <p:pic>
+        <p:nvPicPr>
+          <p:cNvPr id="5" name="Content Placeholder 4">
+            <a:extLst>
+              <a:ext uri="{FF2B5EF4-FFF2-40B4-BE49-F238E27FC236}">
+                <a16:creationId xmlns:a16="http://schemas.microsoft.com/office/drawing/2014/main" id="{8835A118-475D-564A-79D3-5D250E9E2A4F}"/>
+              </a:ext>
+            </a:extLst>
+          </p:cNvPr>
+          <p:cNvPicPr>
+            <a:picLocks noGrp="1" noChangeAspect="1"/>
+          </p:cNvPicPr>
+          <p:nvPr>
+            <p:ph sz="quarter" idx="27"/>
+          </p:nvPr>
+        </p:nvPicPr>
+        <p:blipFill>
+          <a:blip r:embed="rId2"/>
+          <a:stretch>
+            <a:fillRect/>
+          </a:stretch>
+        </p:blipFill>
+        <p:spPr>
+          <a:xfrm>
+            <a:off x="630809" y="2912886"/>
+            <a:ext cx="4348597" cy="2551744"/>
+          </a:xfrm>
+          <a:prstGeom prst="rect">
+            <a:avLst/>
+          </a:prstGeom>
+        </p:spPr>
+      </p:pic>
+      <p:pic>
+        <p:nvPicPr>
+          <p:cNvPr id="9" name="Content Placeholder 8">
+            <a:extLst>
+              <a:ext uri="{FF2B5EF4-FFF2-40B4-BE49-F238E27FC236}">
+                <a16:creationId xmlns:a16="http://schemas.microsoft.com/office/drawing/2014/main" id="{D9B618E8-9C77-EE3D-3129-C50FA67E2B44}"/>
+              </a:ext>
+            </a:extLst>
+          </p:cNvPr>
+          <p:cNvPicPr>
+            <a:picLocks noGrp="1" noChangeAspect="1"/>
+          </p:cNvPicPr>
+          <p:nvPr>
+            <p:ph sz="quarter" idx="28"/>
+          </p:nvPr>
+        </p:nvPicPr>
+        <p:blipFill>
+          <a:blip r:embed="rId3"/>
+          <a:stretch>
+            <a:fillRect/>
+          </a:stretch>
+        </p:blipFill>
+        <p:spPr>
+          <a:xfrm>
+            <a:off x="6340117" y="2912886"/>
+            <a:ext cx="5134692" cy="2534004"/>
+          </a:xfrm>
+          <a:prstGeom prst="rect">
+            <a:avLst/>
+          </a:prstGeom>
+        </p:spPr>
+      </p:pic>
+      <p:sp>
+        <p:nvSpPr>
+          <p:cNvPr id="3" name="Title 2">
+            <a:extLst>
+              <a:ext uri="{FF2B5EF4-FFF2-40B4-BE49-F238E27FC236}">
+                <a16:creationId xmlns:a16="http://schemas.microsoft.com/office/drawing/2014/main" id="{578F11AC-2BCA-24E5-9F6B-55D38B4E3CDD}"/>
+              </a:ext>
+            </a:extLst>
+          </p:cNvPr>
+          <p:cNvSpPr>
+            <a:spLocks noGrp="1"/>
+          </p:cNvSpPr>
+          <p:nvPr>
+            <p:ph type="title"/>
+          </p:nvPr>
+        </p:nvSpPr>
+        <p:spPr>
+          <a:xfrm>
+            <a:off x="623887" y="620713"/>
+            <a:ext cx="10944226" cy="791794"/>
+          </a:xfrm>
+        </p:spPr>
+        <p:txBody>
+          <a:bodyPr anchor="t">
+            <a:normAutofit/>
+          </a:bodyPr>
+          <a:lstStyle/>
+          <a:p>
+            <a:r>
+              <a:rPr lang="en-GB" dirty="0"/>
+              <a:t>Problem</a:t>
+            </a:r>
+            <a:endParaRPr lang="en-BE" dirty="0"/>
+          </a:p>
+        </p:txBody>
+      </p:sp>
+      <p:sp>
+        <p:nvSpPr>
+          <p:cNvPr id="4" name="TextBox 3">
+            <a:extLst>
+              <a:ext uri="{FF2B5EF4-FFF2-40B4-BE49-F238E27FC236}">
+                <a16:creationId xmlns:a16="http://schemas.microsoft.com/office/drawing/2014/main" id="{899D2808-1CF0-E848-7D62-057DF9038CCA}"/>
+              </a:ext>
+            </a:extLst>
+          </p:cNvPr>
+          <p:cNvSpPr txBox="1"/>
+          <p:nvPr/>
+        </p:nvSpPr>
+        <p:spPr>
+          <a:xfrm>
+            <a:off x="623888" y="5595042"/>
+            <a:ext cx="1594212" cy="208230"/>
+          </a:xfrm>
+          <a:prstGeom prst="rect">
+            <a:avLst/>
+          </a:prstGeom>
+          <a:noFill/>
+        </p:spPr>
+        <p:txBody>
+          <a:bodyPr wrap="square" lIns="0" tIns="0" rIns="0" bIns="0" rtlCol="0">
+            <a:noAutofit/>
+          </a:bodyPr>
+          <a:lstStyle/>
+          <a:p>
+            <a:pPr marL="0" indent="0" algn="l">
+              <a:buFont typeface="Arial" panose="020B0604020202020204" pitchFamily="34" charset="0"/>
+              <a:buNone/>
+            </a:pPr>
+            <a:r>
+              <a:rPr lang="en-GB" sz="1400" b="1" dirty="0">
+                <a:solidFill>
+                  <a:schemeClr val="tx1"/>
+                </a:solidFill>
+                <a:latin typeface="+mn-lt"/>
+                <a:ea typeface="Verdana" panose="020B0604030504040204" pitchFamily="34" charset="0"/>
+                <a:cs typeface="Verdana" panose="020B0604030504040204" pitchFamily="34" charset="0"/>
+              </a:rPr>
+              <a:t>Made with </a:t>
+            </a:r>
+            <a:r>
+              <a:rPr lang="en-GB" sz="1400" b="1" dirty="0" err="1">
+                <a:solidFill>
+                  <a:schemeClr val="tx1"/>
+                </a:solidFill>
+                <a:latin typeface="+mn-lt"/>
+                <a:ea typeface="Verdana" panose="020B0604030504040204" pitchFamily="34" charset="0"/>
+                <a:cs typeface="Verdana" panose="020B0604030504040204" pitchFamily="34" charset="0"/>
+              </a:rPr>
+              <a:t>Pynguin</a:t>
+            </a:r>
+            <a:endParaRPr lang="en-BE" sz="1400" b="1" dirty="0">
+              <a:solidFill>
+                <a:schemeClr val="tx1"/>
+              </a:solidFill>
+              <a:latin typeface="+mn-lt"/>
+              <a:ea typeface="Verdana" panose="020B0604030504040204" pitchFamily="34" charset="0"/>
+              <a:cs typeface="Verdana" panose="020B0604030504040204" pitchFamily="34" charset="0"/>
+            </a:endParaRPr>
+          </a:p>
+        </p:txBody>
+      </p:sp>
+      <p:sp>
+        <p:nvSpPr>
+          <p:cNvPr id="6" name="TextBox 5">
+            <a:extLst>
+              <a:ext uri="{FF2B5EF4-FFF2-40B4-BE49-F238E27FC236}">
+                <a16:creationId xmlns:a16="http://schemas.microsoft.com/office/drawing/2014/main" id="{EA627353-BB78-0AF4-D131-A975AFFDA300}"/>
+              </a:ext>
+            </a:extLst>
+          </p:cNvPr>
+          <p:cNvSpPr txBox="1"/>
+          <p:nvPr/>
+        </p:nvSpPr>
+        <p:spPr>
+          <a:xfrm>
+            <a:off x="6340117" y="5595042"/>
+            <a:ext cx="1594212" cy="208230"/>
+          </a:xfrm>
+          <a:prstGeom prst="rect">
+            <a:avLst/>
+          </a:prstGeom>
+          <a:noFill/>
+        </p:spPr>
+        <p:txBody>
+          <a:bodyPr wrap="square" lIns="0" tIns="0" rIns="0" bIns="0" rtlCol="0">
+            <a:noAutofit/>
+          </a:bodyPr>
+          <a:lstStyle/>
+          <a:p>
+            <a:pPr marL="0" indent="0" algn="l">
+              <a:buFont typeface="Arial" panose="020B0604020202020204" pitchFamily="34" charset="0"/>
+              <a:buNone/>
+            </a:pPr>
+            <a:r>
+              <a:rPr lang="en-GB" sz="1400" b="1" dirty="0">
+                <a:solidFill>
+                  <a:schemeClr val="tx1"/>
+                </a:solidFill>
+                <a:latin typeface="+mn-lt"/>
+                <a:ea typeface="Verdana" panose="020B0604030504040204" pitchFamily="34" charset="0"/>
+                <a:cs typeface="Verdana" panose="020B0604030504040204" pitchFamily="34" charset="0"/>
+              </a:rPr>
+              <a:t>Made by GPT-5</a:t>
+            </a:r>
+            <a:endParaRPr lang="en-BE" sz="1400" b="1" dirty="0">
+              <a:solidFill>
+                <a:schemeClr val="tx1"/>
+              </a:solidFill>
+              <a:latin typeface="+mn-lt"/>
+              <a:ea typeface="Verdana" panose="020B0604030504040204" pitchFamily="34" charset="0"/>
+              <a:cs typeface="Verdana" panose="020B0604030504040204" pitchFamily="34" charset="0"/>
+            </a:endParaRPr>
+          </a:p>
+        </p:txBody>
+      </p:sp>
+    </p:spTree>
+    <p:extLst>
+      <p:ext uri="{BB962C8B-B14F-4D97-AF65-F5344CB8AC3E}">
+        <p14:creationId xmlns:p14="http://schemas.microsoft.com/office/powerpoint/2010/main" val="3456267074"/>
+      </p:ext>
+    </p:extLst>
+  </p:cSld>
+  <p:clrMapOvr>
+    <a:masterClrMapping/>
+  </p:clrMapOvr>
+</p:sld>
+</file>
+
+<file path=ppt/slides/slide6.xml><?xml version="1.0" encoding="utf-8"?>
+<p:sld xmlns:a="http://schemas.openxmlformats.org/drawingml/2006/main" xmlns:r="http://schemas.openxmlformats.org/officeDocument/2006/relationships" xmlns:p="http://schemas.openxmlformats.org/presentationml/2006/main">
+  <p:cSld>
+    <p:spTree>
+      <p:nvGrpSpPr>
+        <p:cNvPr id="1" name=""/>
+        <p:cNvGrpSpPr/>
+        <p:nvPr/>
+      </p:nvGrpSpPr>
+      <p:grpSpPr>
+        <a:xfrm>
+          <a:off x="0" y="0"/>
+          <a:ext cx="0" cy="0"/>
+          <a:chOff x="0" y="0"/>
+          <a:chExt cx="0" cy="0"/>
+        </a:xfrm>
+      </p:grpSpPr>
+      <p:sp>
+        <p:nvSpPr>
+          <p:cNvPr id="3" name="Slide Number Placeholder 2">
+            <a:extLst>
+              <a:ext uri="{FF2B5EF4-FFF2-40B4-BE49-F238E27FC236}">
+                <a16:creationId xmlns:a16="http://schemas.microsoft.com/office/drawing/2014/main" id="{F2F7E765-9715-FE39-72A6-B097790B5568}"/>
+              </a:ext>
+            </a:extLst>
+          </p:cNvPr>
+          <p:cNvSpPr>
+            <a:spLocks noGrp="1"/>
+          </p:cNvSpPr>
+          <p:nvPr>
+            <p:ph type="sldNum" sz="quarter" idx="10"/>
+          </p:nvPr>
+        </p:nvSpPr>
+        <p:spPr>
+          <a:xfrm>
+            <a:off x="8923493" y="6339173"/>
+            <a:ext cx="2644619" cy="365125"/>
+          </a:xfrm>
+        </p:spPr>
+        <p:txBody>
+          <a:bodyPr anchor="ctr">
+            <a:normAutofit/>
+          </a:bodyPr>
+          <a:lstStyle/>
+          <a:p>
+            <a:pPr>
+              <a:spcAft>
+                <a:spcPts val="600"/>
+              </a:spcAft>
+            </a:pPr>
+            <a:fld id="{E038E271-308C-2E46-A3EC-56326F9084CC}" type="slidenum">
+              <a:rPr lang="nl-BE" smtClean="0"/>
+              <a:pPr>
+                <a:spcAft>
+                  <a:spcPts val="600"/>
+                </a:spcAft>
+              </a:pPr>
+              <a:t>6</a:t>
+            </a:fld>
+            <a:endParaRPr lang="nl-BE"/>
+          </a:p>
+        </p:txBody>
+      </p:sp>
+      <p:sp>
+        <p:nvSpPr>
+          <p:cNvPr id="1031" name="Text Placeholder 2">
+            <a:extLst>
+              <a:ext uri="{FF2B5EF4-FFF2-40B4-BE49-F238E27FC236}">
+                <a16:creationId xmlns:a16="http://schemas.microsoft.com/office/drawing/2014/main" id="{FC4CA56F-4A53-9808-E2C1-7805404B80E8}"/>
+              </a:ext>
+            </a:extLst>
+          </p:cNvPr>
+          <p:cNvSpPr>
+            <a:spLocks noGrp="1"/>
+          </p:cNvSpPr>
+          <p:nvPr>
+            <p:ph type="body" sz="quarter" idx="22"/>
+          </p:nvPr>
+        </p:nvSpPr>
+        <p:spPr>
+          <a:xfrm>
+            <a:off x="630810" y="1578459"/>
+            <a:ext cx="3438000" cy="522288"/>
+          </a:xfrm>
+        </p:spPr>
+        <p:txBody>
+          <a:bodyPr/>
+          <a:lstStyle/>
+          <a:p>
+            <a:r>
+              <a:rPr lang="en-US" dirty="0"/>
+              <a:t>Automated</a:t>
+            </a:r>
+          </a:p>
+        </p:txBody>
+      </p:sp>
+      <p:sp>
+        <p:nvSpPr>
+          <p:cNvPr id="1033" name="Text Placeholder 3">
+            <a:extLst>
+              <a:ext uri="{FF2B5EF4-FFF2-40B4-BE49-F238E27FC236}">
+                <a16:creationId xmlns:a16="http://schemas.microsoft.com/office/drawing/2014/main" id="{DB6333BB-4F63-E756-9A3B-AD17E9FC971E}"/>
+              </a:ext>
+            </a:extLst>
+          </p:cNvPr>
+          <p:cNvSpPr>
+            <a:spLocks noGrp="1"/>
+          </p:cNvSpPr>
+          <p:nvPr>
+            <p:ph type="body" sz="quarter" idx="24"/>
+          </p:nvPr>
+        </p:nvSpPr>
+        <p:spPr>
+          <a:xfrm>
+            <a:off x="8136376" y="1578459"/>
+            <a:ext cx="3438000" cy="522288"/>
+          </a:xfrm>
+        </p:spPr>
+        <p:txBody>
+          <a:bodyPr/>
+          <a:lstStyle/>
+          <a:p>
+            <a:r>
+              <a:rPr lang="en-US" dirty="0"/>
+              <a:t>Complexer</a:t>
+            </a:r>
+          </a:p>
+        </p:txBody>
+      </p:sp>
+      <p:sp>
+        <p:nvSpPr>
+          <p:cNvPr id="1035" name="Text Placeholder 4">
+            <a:extLst>
+              <a:ext uri="{FF2B5EF4-FFF2-40B4-BE49-F238E27FC236}">
+                <a16:creationId xmlns:a16="http://schemas.microsoft.com/office/drawing/2014/main" id="{D801C3F8-3BDD-F8AD-312D-B26E52161163}"/>
+              </a:ext>
+            </a:extLst>
+          </p:cNvPr>
+          <p:cNvSpPr>
+            <a:spLocks noGrp="1"/>
+          </p:cNvSpPr>
+          <p:nvPr>
+            <p:ph type="body" sz="quarter" idx="26"/>
+          </p:nvPr>
+        </p:nvSpPr>
+        <p:spPr>
+          <a:xfrm>
+            <a:off x="4383593" y="1578459"/>
+            <a:ext cx="3438000" cy="522288"/>
+          </a:xfrm>
+        </p:spPr>
+        <p:txBody>
+          <a:bodyPr/>
+          <a:lstStyle/>
+          <a:p>
+            <a:r>
+              <a:rPr lang="en-US" dirty="0"/>
+              <a:t>Bigger</a:t>
+            </a:r>
+          </a:p>
+        </p:txBody>
+      </p:sp>
+      <p:pic>
+        <p:nvPicPr>
+          <p:cNvPr id="10" name="Picture 9" descr="A black background with a black square&#10;&#10;AI-generated content may be incorrect.">
+            <a:extLst>
+              <a:ext uri="{FF2B5EF4-FFF2-40B4-BE49-F238E27FC236}">
+                <a16:creationId xmlns:a16="http://schemas.microsoft.com/office/drawing/2014/main" id="{74E49661-AE45-7DAD-D423-37C3D1698592}"/>
+              </a:ext>
+            </a:extLst>
+          </p:cNvPr>
+          <p:cNvPicPr>
+            <a:picLocks noChangeAspect="1"/>
+          </p:cNvPicPr>
+          <p:nvPr/>
+        </p:nvPicPr>
+        <p:blipFill>
+          <a:blip r:embed="rId2"/>
+          <a:stretch>
+            <a:fillRect/>
+          </a:stretch>
+        </p:blipFill>
+        <p:spPr>
+          <a:xfrm>
+            <a:off x="617624" y="3137139"/>
+            <a:ext cx="2085230" cy="2085230"/>
+          </a:xfrm>
+          <a:prstGeom prst="rect">
+            <a:avLst/>
+          </a:prstGeom>
+          <a:noFill/>
+        </p:spPr>
+      </p:pic>
+      <p:pic>
+        <p:nvPicPr>
+          <p:cNvPr id="12" name="Picture 11" descr="A black background with a black square&#10;&#10;AI-generated content may be incorrect.">
+            <a:extLst>
+              <a:ext uri="{FF2B5EF4-FFF2-40B4-BE49-F238E27FC236}">
+                <a16:creationId xmlns:a16="http://schemas.microsoft.com/office/drawing/2014/main" id="{E5E492A8-C8C9-4C6E-3098-F6B2988D20BF}"/>
+              </a:ext>
+            </a:extLst>
+          </p:cNvPr>
+          <p:cNvPicPr>
+            <a:picLocks noChangeAspect="1"/>
+          </p:cNvPicPr>
+          <p:nvPr/>
+        </p:nvPicPr>
+        <p:blipFill>
+          <a:blip r:embed="rId3"/>
+          <a:stretch>
+            <a:fillRect/>
+          </a:stretch>
+        </p:blipFill>
+        <p:spPr>
+          <a:xfrm>
+            <a:off x="4727624" y="3189257"/>
+            <a:ext cx="1980993" cy="1980993"/>
+          </a:xfrm>
+          <a:prstGeom prst="rect">
+            <a:avLst/>
+          </a:prstGeom>
+          <a:noFill/>
+        </p:spPr>
+      </p:pic>
+      <p:pic>
+        <p:nvPicPr>
+          <p:cNvPr id="1026" name="Picture 2" descr="Puzzle pieces icon outline vector illustration">
+            <a:extLst>
+              <a:ext uri="{FF2B5EF4-FFF2-40B4-BE49-F238E27FC236}">
+                <a16:creationId xmlns:a16="http://schemas.microsoft.com/office/drawing/2014/main" id="{52D551DE-7348-3681-033B-941388666FEA}"/>
+              </a:ext>
+            </a:extLst>
+          </p:cNvPr>
+          <p:cNvPicPr>
+            <a:picLocks noChangeAspect="1" noChangeArrowheads="1"/>
+          </p:cNvPicPr>
+          <p:nvPr/>
+        </p:nvPicPr>
+        <p:blipFill>
+          <a:blip r:embed="rId4">
+            <a:extLst>
+              <a:ext uri="{28A0092B-C50C-407E-A947-70E740481C1C}">
+                <a14:useLocalDpi xmlns:a14="http://schemas.microsoft.com/office/drawing/2010/main" val="0"/>
+              </a:ext>
+            </a:extLst>
+          </a:blip>
+          <a:stretch>
+            <a:fillRect/>
+          </a:stretch>
+        </p:blipFill>
+        <p:spPr bwMode="auto">
+          <a:xfrm>
+            <a:off x="8136376" y="3212817"/>
+            <a:ext cx="3438000" cy="1933875"/>
+          </a:xfrm>
+          <a:prstGeom prst="rect">
+            <a:avLst/>
+          </a:prstGeom>
+          <a:solidFill>
+            <a:srgbClr val="FFFFFF"/>
+          </a:solidFill>
+          <a:extLst>
+            <a:ext uri="{909E8E84-426E-40DD-AFC4-6F175D3DCCD1}">
+              <a14:hiddenFill xmlns:a14="http://schemas.microsoft.com/office/drawing/2010/main">
+                <a:solidFill>
+                  <a:srgbClr val="FFFFFF"/>
+                </a:solidFill>
+              </a14:hiddenFill>
+            </a:ext>
+          </a:extLst>
+        </p:spPr>
+      </p:pic>
+      <p:sp>
+        <p:nvSpPr>
+          <p:cNvPr id="2" name="Title 1">
+            <a:extLst>
+              <a:ext uri="{FF2B5EF4-FFF2-40B4-BE49-F238E27FC236}">
+                <a16:creationId xmlns:a16="http://schemas.microsoft.com/office/drawing/2014/main" id="{CDBE194B-99B6-CEE2-CF13-418792505D92}"/>
+              </a:ext>
+            </a:extLst>
+          </p:cNvPr>
+          <p:cNvSpPr>
+            <a:spLocks noGrp="1"/>
+          </p:cNvSpPr>
+          <p:nvPr>
+            <p:ph type="title"/>
+          </p:nvPr>
+        </p:nvSpPr>
+        <p:spPr>
+          <a:xfrm>
+            <a:off x="623887" y="620713"/>
+            <a:ext cx="10944226" cy="791794"/>
+          </a:xfrm>
+        </p:spPr>
+        <p:txBody>
+          <a:bodyPr anchor="t">
+            <a:normAutofit/>
+          </a:bodyPr>
+          <a:lstStyle/>
+          <a:p>
+            <a:r>
+              <a:rPr lang="en-GB" dirty="0"/>
+              <a:t>Problem</a:t>
+            </a:r>
+            <a:endParaRPr lang="en-BE" dirty="0"/>
+          </a:p>
+        </p:txBody>
+      </p:sp>
+    </p:spTree>
+    <p:extLst>
+      <p:ext uri="{BB962C8B-B14F-4D97-AF65-F5344CB8AC3E}">
+        <p14:creationId xmlns:p14="http://schemas.microsoft.com/office/powerpoint/2010/main" val="1538747778"/>
+      </p:ext>
+    </p:extLst>
+  </p:cSld>
+  <p:clrMapOvr>
+    <a:masterClrMapping/>
+  </p:clrMapOvr>
+</p:sld>
+</file>
+
+<file path=ppt/slides/slide7.xml><?xml version="1.0" encoding="utf-8"?>
+<p:sld xmlns:a="http://schemas.openxmlformats.org/drawingml/2006/main" xmlns:r="http://schemas.openxmlformats.org/officeDocument/2006/relationships" xmlns:p="http://schemas.openxmlformats.org/presentationml/2006/main">
+  <p:cSld>
+    <p:spTree>
+      <p:nvGrpSpPr>
+        <p:cNvPr id="1" name=""/>
+        <p:cNvGrpSpPr/>
+        <p:nvPr/>
+      </p:nvGrpSpPr>
+      <p:grpSpPr>
+        <a:xfrm>
+          <a:off x="0" y="0"/>
+          <a:ext cx="0" cy="0"/>
+          <a:chOff x="0" y="0"/>
+          <a:chExt cx="0" cy="0"/>
+        </a:xfrm>
+      </p:grpSpPr>
+      <p:sp>
+        <p:nvSpPr>
+          <p:cNvPr id="2" name="Title 1">
+            <a:extLst>
+              <a:ext uri="{FF2B5EF4-FFF2-40B4-BE49-F238E27FC236}">
+                <a16:creationId xmlns:a16="http://schemas.microsoft.com/office/drawing/2014/main" id="{F932B702-1A21-2193-7B13-155141BD7C07}"/>
+              </a:ext>
+            </a:extLst>
+          </p:cNvPr>
+          <p:cNvSpPr>
+            <a:spLocks noGrp="1"/>
+          </p:cNvSpPr>
+          <p:nvPr>
+            <p:ph type="title"/>
           </p:nvPr>
         </p:nvSpPr>
         <p:spPr/>
@@ -9464,16 +13735,20 @@
           <a:bodyPr/>
           <a:lstStyle/>
           <a:p>
-            <a:endParaRPr lang="en-BE"/>
+            <a:r>
+              <a:rPr lang="en-GB" dirty="0"/>
+              <a:t>Solution</a:t>
+            </a:r>
+            <a:endParaRPr lang="en-BE" dirty="0"/>
           </a:p>
         </p:txBody>
       </p:sp>
       <p:sp>
         <p:nvSpPr>
-          <p:cNvPr id="5" name="Content Placeholder 4">
+          <p:cNvPr id="3" name="Slide Number Placeholder 2">
             <a:extLst>
               <a:ext uri="{FF2B5EF4-FFF2-40B4-BE49-F238E27FC236}">
-                <a16:creationId xmlns:a16="http://schemas.microsoft.com/office/drawing/2014/main" id="{A15BF45C-9482-D571-5A5C-92C359C0F06A}"/>
+                <a16:creationId xmlns:a16="http://schemas.microsoft.com/office/drawing/2014/main" id="{F739E529-711F-2605-7308-6CEA05130D04}"/>
               </a:ext>
             </a:extLst>
           </p:cNvPr>
@@ -9481,7 +13756,7 @@
             <a:spLocks noGrp="1"/>
           </p:cNvSpPr>
           <p:nvPr>
-            <p:ph sz="quarter" idx="12"/>
+            <p:ph type="sldNum" sz="quarter" idx="10"/>
           </p:nvPr>
         </p:nvSpPr>
         <p:spPr/>
@@ -9489,14 +13764,667 @@
           <a:bodyPr/>
           <a:lstStyle/>
           <a:p>
-            <a:endParaRPr lang="en-BE"/>
+            <a:fld id="{E038E271-308C-2E46-A3EC-56326F9084CC}" type="slidenum">
+              <a:rPr lang="nl-BE" smtClean="0"/>
+              <a:pPr/>
+              <a:t>7</a:t>
+            </a:fld>
+            <a:endParaRPr lang="nl-BE" dirty="0"/>
+          </a:p>
+        </p:txBody>
+      </p:sp>
+      <p:sp>
+        <p:nvSpPr>
+          <p:cNvPr id="4" name="Text Placeholder 3">
+            <a:extLst>
+              <a:ext uri="{FF2B5EF4-FFF2-40B4-BE49-F238E27FC236}">
+                <a16:creationId xmlns:a16="http://schemas.microsoft.com/office/drawing/2014/main" id="{93452243-1D62-CB27-A567-E1419C75CEF2}"/>
+              </a:ext>
+            </a:extLst>
+          </p:cNvPr>
+          <p:cNvSpPr>
+            <a:spLocks noGrp="1"/>
+          </p:cNvSpPr>
+          <p:nvPr>
+            <p:ph type="body" sz="quarter" idx="11"/>
+          </p:nvPr>
+        </p:nvSpPr>
+        <p:spPr/>
+        <p:txBody>
+          <a:bodyPr/>
+          <a:lstStyle/>
+          <a:p>
+            <a:r>
+              <a:rPr lang="en-GB" dirty="0"/>
+              <a:t>Nothing or I don’t know yet</a:t>
+            </a:r>
+            <a:endParaRPr lang="en-BE" dirty="0"/>
           </a:p>
         </p:txBody>
       </p:sp>
     </p:spTree>
     <p:extLst>
       <p:ext uri="{BB962C8B-B14F-4D97-AF65-F5344CB8AC3E}">
-        <p14:creationId xmlns:p14="http://schemas.microsoft.com/office/powerpoint/2010/main" val="2856333721"/>
+        <p14:creationId xmlns:p14="http://schemas.microsoft.com/office/powerpoint/2010/main" val="1911213944"/>
+      </p:ext>
+    </p:extLst>
+  </p:cSld>
+  <p:clrMapOvr>
+    <a:masterClrMapping/>
+  </p:clrMapOvr>
+  <p:timing>
+    <p:tnLst>
+      <p:par>
+        <p:cTn id="1" dur="indefinite" restart="never" nodeType="tmRoot">
+          <p:childTnLst>
+            <p:seq concurrent="1" nextAc="seek">
+              <p:cTn id="2" dur="indefinite" nodeType="mainSeq">
+                <p:childTnLst>
+                  <p:par>
+                    <p:cTn id="3" fill="hold">
+                      <p:stCondLst>
+                        <p:cond delay="indefinite"/>
+                      </p:stCondLst>
+                      <p:childTnLst>
+                        <p:par>
+                          <p:cTn id="4" fill="hold">
+                            <p:stCondLst>
+                              <p:cond delay="0"/>
+                            </p:stCondLst>
+                            <p:childTnLst>
+                              <p:par>
+                                <p:cTn id="5" presetID="1" presetClass="entr" presetSubtype="0" fill="hold" nodeType="clickEffect">
+                                  <p:stCondLst>
+                                    <p:cond delay="0"/>
+                                  </p:stCondLst>
+                                  <p:childTnLst>
+                                    <p:set>
+                                      <p:cBhvr>
+                                        <p:cTn id="6" dur="1" fill="hold">
+                                          <p:stCondLst>
+                                            <p:cond delay="0"/>
+                                          </p:stCondLst>
+                                        </p:cTn>
+                                        <p:tgtEl>
+                                          <p:spTgt spid="4">
+                                            <p:txEl>
+                                              <p:pRg st="0" end="0"/>
+                                            </p:txEl>
+                                          </p:spTgt>
+                                        </p:tgtEl>
+                                        <p:attrNameLst>
+                                          <p:attrName>style.visibility</p:attrName>
+                                        </p:attrNameLst>
+                                      </p:cBhvr>
+                                      <p:to>
+                                        <p:strVal val="visible"/>
+                                      </p:to>
+                                    </p:set>
+                                  </p:childTnLst>
+                                </p:cTn>
+                              </p:par>
+                            </p:childTnLst>
+                          </p:cTn>
+                        </p:par>
+                      </p:childTnLst>
+                    </p:cTn>
+                  </p:par>
+                </p:childTnLst>
+              </p:cTn>
+              <p:prevCondLst>
+                <p:cond evt="onPrev" delay="0">
+                  <p:tgtEl>
+                    <p:sldTgt/>
+                  </p:tgtEl>
+                </p:cond>
+              </p:prevCondLst>
+              <p:nextCondLst>
+                <p:cond evt="onNext" delay="0">
+                  <p:tgtEl>
+                    <p:sldTgt/>
+                  </p:tgtEl>
+                </p:cond>
+              </p:nextCondLst>
+            </p:seq>
+          </p:childTnLst>
+        </p:cTn>
+      </p:par>
+    </p:tnLst>
+  </p:timing>
+</p:sld>
+</file>
+
+<file path=ppt/slides/slide8.xml><?xml version="1.0" encoding="utf-8"?>
+<p:sld xmlns:a="http://schemas.openxmlformats.org/drawingml/2006/main" xmlns:r="http://schemas.openxmlformats.org/officeDocument/2006/relationships" xmlns:p="http://schemas.openxmlformats.org/presentationml/2006/main">
+  <p:cSld>
+    <p:spTree>
+      <p:nvGrpSpPr>
+        <p:cNvPr id="1" name=""/>
+        <p:cNvGrpSpPr/>
+        <p:nvPr/>
+      </p:nvGrpSpPr>
+      <p:grpSpPr>
+        <a:xfrm>
+          <a:off x="0" y="0"/>
+          <a:ext cx="0" cy="0"/>
+          <a:chOff x="0" y="0"/>
+          <a:chExt cx="0" cy="0"/>
+        </a:xfrm>
+      </p:grpSpPr>
+      <p:sp>
+        <p:nvSpPr>
+          <p:cNvPr id="2" name="Title 1">
+            <a:extLst>
+              <a:ext uri="{FF2B5EF4-FFF2-40B4-BE49-F238E27FC236}">
+                <a16:creationId xmlns:a16="http://schemas.microsoft.com/office/drawing/2014/main" id="{5795D56A-BD52-59B2-17EF-E8BDA5B418CF}"/>
+              </a:ext>
+            </a:extLst>
+          </p:cNvPr>
+          <p:cNvSpPr>
+            <a:spLocks noGrp="1"/>
+          </p:cNvSpPr>
+          <p:nvPr>
+            <p:ph type="title"/>
+          </p:nvPr>
+        </p:nvSpPr>
+        <p:spPr/>
+        <p:txBody>
+          <a:bodyPr/>
+          <a:lstStyle/>
+          <a:p>
+            <a:r>
+              <a:rPr lang="en-GB" dirty="0"/>
+              <a:t>Progress</a:t>
+            </a:r>
+            <a:endParaRPr lang="en-BE" dirty="0"/>
+          </a:p>
+        </p:txBody>
+      </p:sp>
+      <p:sp>
+        <p:nvSpPr>
+          <p:cNvPr id="3" name="Slide Number Placeholder 2">
+            <a:extLst>
+              <a:ext uri="{FF2B5EF4-FFF2-40B4-BE49-F238E27FC236}">
+                <a16:creationId xmlns:a16="http://schemas.microsoft.com/office/drawing/2014/main" id="{DA3321A7-AFC5-9747-BBE0-8E5741D56A18}"/>
+              </a:ext>
+            </a:extLst>
+          </p:cNvPr>
+          <p:cNvSpPr>
+            <a:spLocks noGrp="1"/>
+          </p:cNvSpPr>
+          <p:nvPr>
+            <p:ph type="sldNum" sz="quarter" idx="10"/>
+          </p:nvPr>
+        </p:nvSpPr>
+        <p:spPr/>
+        <p:txBody>
+          <a:bodyPr/>
+          <a:lstStyle/>
+          <a:p>
+            <a:fld id="{E038E271-308C-2E46-A3EC-56326F9084CC}" type="slidenum">
+              <a:rPr lang="nl-BE" smtClean="0"/>
+              <a:pPr/>
+              <a:t>8</a:t>
+            </a:fld>
+            <a:endParaRPr lang="nl-BE" dirty="0"/>
+          </a:p>
+        </p:txBody>
+      </p:sp>
+      <p:sp>
+        <p:nvSpPr>
+          <p:cNvPr id="4" name="Text Placeholder 3">
+            <a:extLst>
+              <a:ext uri="{FF2B5EF4-FFF2-40B4-BE49-F238E27FC236}">
+                <a16:creationId xmlns:a16="http://schemas.microsoft.com/office/drawing/2014/main" id="{980FB5E3-82AA-7F70-93C7-30254EB7F639}"/>
+              </a:ext>
+            </a:extLst>
+          </p:cNvPr>
+          <p:cNvSpPr>
+            <a:spLocks noGrp="1"/>
+          </p:cNvSpPr>
+          <p:nvPr>
+            <p:ph type="body" sz="quarter" idx="11"/>
+          </p:nvPr>
+        </p:nvSpPr>
+        <p:spPr/>
+        <p:txBody>
+          <a:bodyPr/>
+          <a:lstStyle/>
+          <a:p>
+            <a:r>
+              <a:rPr lang="en-GB" dirty="0"/>
+              <a:t>Arno’s work</a:t>
+            </a:r>
+          </a:p>
+          <a:p>
+            <a:r>
+              <a:rPr lang="en-GB" dirty="0"/>
+              <a:t>Dataset</a:t>
+            </a:r>
+          </a:p>
+          <a:p>
+            <a:r>
+              <a:rPr lang="en-GB" dirty="0"/>
+              <a:t>Docker</a:t>
+            </a:r>
+          </a:p>
+          <a:p>
+            <a:r>
+              <a:rPr lang="en-GB" dirty="0"/>
+              <a:t>API</a:t>
+            </a:r>
+          </a:p>
+          <a:p>
+            <a:r>
+              <a:rPr lang="en-GB" dirty="0"/>
+              <a:t>LLM tuning</a:t>
+            </a:r>
+          </a:p>
+        </p:txBody>
+      </p:sp>
+    </p:spTree>
+    <p:extLst>
+      <p:ext uri="{BB962C8B-B14F-4D97-AF65-F5344CB8AC3E}">
+        <p14:creationId xmlns:p14="http://schemas.microsoft.com/office/powerpoint/2010/main" val="2095409144"/>
+      </p:ext>
+    </p:extLst>
+  </p:cSld>
+  <p:clrMapOvr>
+    <a:masterClrMapping/>
+  </p:clrMapOvr>
+  <p:timing>
+    <p:tnLst>
+      <p:par>
+        <p:cTn id="1" dur="indefinite" restart="never" nodeType="tmRoot">
+          <p:childTnLst>
+            <p:seq concurrent="1" nextAc="seek">
+              <p:cTn id="2" dur="indefinite" nodeType="mainSeq">
+                <p:childTnLst>
+                  <p:par>
+                    <p:cTn id="3" fill="hold">
+                      <p:stCondLst>
+                        <p:cond delay="indefinite"/>
+                      </p:stCondLst>
+                      <p:childTnLst>
+                        <p:par>
+                          <p:cTn id="4" fill="hold">
+                            <p:stCondLst>
+                              <p:cond delay="0"/>
+                            </p:stCondLst>
+                            <p:childTnLst>
+                              <p:par>
+                                <p:cTn id="5" presetID="1" presetClass="entr" presetSubtype="0" fill="hold" nodeType="clickEffect">
+                                  <p:stCondLst>
+                                    <p:cond delay="0"/>
+                                  </p:stCondLst>
+                                  <p:childTnLst>
+                                    <p:set>
+                                      <p:cBhvr>
+                                        <p:cTn id="6" dur="1" fill="hold">
+                                          <p:stCondLst>
+                                            <p:cond delay="0"/>
+                                          </p:stCondLst>
+                                        </p:cTn>
+                                        <p:tgtEl>
+                                          <p:spTgt spid="4">
+                                            <p:txEl>
+                                              <p:pRg st="0" end="0"/>
+                                            </p:txEl>
+                                          </p:spTgt>
+                                        </p:tgtEl>
+                                        <p:attrNameLst>
+                                          <p:attrName>style.visibility</p:attrName>
+                                        </p:attrNameLst>
+                                      </p:cBhvr>
+                                      <p:to>
+                                        <p:strVal val="visible"/>
+                                      </p:to>
+                                    </p:set>
+                                  </p:childTnLst>
+                                </p:cTn>
+                              </p:par>
+                            </p:childTnLst>
+                          </p:cTn>
+                        </p:par>
+                      </p:childTnLst>
+                    </p:cTn>
+                  </p:par>
+                  <p:par>
+                    <p:cTn id="7" fill="hold">
+                      <p:stCondLst>
+                        <p:cond delay="indefinite"/>
+                      </p:stCondLst>
+                      <p:childTnLst>
+                        <p:par>
+                          <p:cTn id="8" fill="hold">
+                            <p:stCondLst>
+                              <p:cond delay="0"/>
+                            </p:stCondLst>
+                            <p:childTnLst>
+                              <p:par>
+                                <p:cTn id="9" presetID="1" presetClass="entr" presetSubtype="0" fill="hold" nodeType="clickEffect">
+                                  <p:stCondLst>
+                                    <p:cond delay="0"/>
+                                  </p:stCondLst>
+                                  <p:childTnLst>
+                                    <p:set>
+                                      <p:cBhvr>
+                                        <p:cTn id="10" dur="1" fill="hold">
+                                          <p:stCondLst>
+                                            <p:cond delay="0"/>
+                                          </p:stCondLst>
+                                        </p:cTn>
+                                        <p:tgtEl>
+                                          <p:spTgt spid="4">
+                                            <p:txEl>
+                                              <p:pRg st="1" end="1"/>
+                                            </p:txEl>
+                                          </p:spTgt>
+                                        </p:tgtEl>
+                                        <p:attrNameLst>
+                                          <p:attrName>style.visibility</p:attrName>
+                                        </p:attrNameLst>
+                                      </p:cBhvr>
+                                      <p:to>
+                                        <p:strVal val="visible"/>
+                                      </p:to>
+                                    </p:set>
+                                  </p:childTnLst>
+                                </p:cTn>
+                              </p:par>
+                            </p:childTnLst>
+                          </p:cTn>
+                        </p:par>
+                      </p:childTnLst>
+                    </p:cTn>
+                  </p:par>
+                  <p:par>
+                    <p:cTn id="11" fill="hold">
+                      <p:stCondLst>
+                        <p:cond delay="indefinite"/>
+                      </p:stCondLst>
+                      <p:childTnLst>
+                        <p:par>
+                          <p:cTn id="12" fill="hold">
+                            <p:stCondLst>
+                              <p:cond delay="0"/>
+                            </p:stCondLst>
+                            <p:childTnLst>
+                              <p:par>
+                                <p:cTn id="13" presetID="1" presetClass="entr" presetSubtype="0" fill="hold" nodeType="clickEffect">
+                                  <p:stCondLst>
+                                    <p:cond delay="0"/>
+                                  </p:stCondLst>
+                                  <p:childTnLst>
+                                    <p:set>
+                                      <p:cBhvr>
+                                        <p:cTn id="14" dur="1" fill="hold">
+                                          <p:stCondLst>
+                                            <p:cond delay="0"/>
+                                          </p:stCondLst>
+                                        </p:cTn>
+                                        <p:tgtEl>
+                                          <p:spTgt spid="4">
+                                            <p:txEl>
+                                              <p:pRg st="2" end="2"/>
+                                            </p:txEl>
+                                          </p:spTgt>
+                                        </p:tgtEl>
+                                        <p:attrNameLst>
+                                          <p:attrName>style.visibility</p:attrName>
+                                        </p:attrNameLst>
+                                      </p:cBhvr>
+                                      <p:to>
+                                        <p:strVal val="visible"/>
+                                      </p:to>
+                                    </p:set>
+                                  </p:childTnLst>
+                                </p:cTn>
+                              </p:par>
+                            </p:childTnLst>
+                          </p:cTn>
+                        </p:par>
+                      </p:childTnLst>
+                    </p:cTn>
+                  </p:par>
+                  <p:par>
+                    <p:cTn id="15" fill="hold">
+                      <p:stCondLst>
+                        <p:cond delay="indefinite"/>
+                      </p:stCondLst>
+                      <p:childTnLst>
+                        <p:par>
+                          <p:cTn id="16" fill="hold">
+                            <p:stCondLst>
+                              <p:cond delay="0"/>
+                            </p:stCondLst>
+                            <p:childTnLst>
+                              <p:par>
+                                <p:cTn id="17" presetID="1" presetClass="entr" presetSubtype="0" fill="hold" nodeType="clickEffect">
+                                  <p:stCondLst>
+                                    <p:cond delay="0"/>
+                                  </p:stCondLst>
+                                  <p:childTnLst>
+                                    <p:set>
+                                      <p:cBhvr>
+                                        <p:cTn id="18" dur="1" fill="hold">
+                                          <p:stCondLst>
+                                            <p:cond delay="0"/>
+                                          </p:stCondLst>
+                                        </p:cTn>
+                                        <p:tgtEl>
+                                          <p:spTgt spid="4">
+                                            <p:txEl>
+                                              <p:pRg st="3" end="3"/>
+                                            </p:txEl>
+                                          </p:spTgt>
+                                        </p:tgtEl>
+                                        <p:attrNameLst>
+                                          <p:attrName>style.visibility</p:attrName>
+                                        </p:attrNameLst>
+                                      </p:cBhvr>
+                                      <p:to>
+                                        <p:strVal val="visible"/>
+                                      </p:to>
+                                    </p:set>
+                                  </p:childTnLst>
+                                </p:cTn>
+                              </p:par>
+                            </p:childTnLst>
+                          </p:cTn>
+                        </p:par>
+                      </p:childTnLst>
+                    </p:cTn>
+                  </p:par>
+                  <p:par>
+                    <p:cTn id="19" fill="hold">
+                      <p:stCondLst>
+                        <p:cond delay="indefinite"/>
+                      </p:stCondLst>
+                      <p:childTnLst>
+                        <p:par>
+                          <p:cTn id="20" fill="hold">
+                            <p:stCondLst>
+                              <p:cond delay="0"/>
+                            </p:stCondLst>
+                            <p:childTnLst>
+                              <p:par>
+                                <p:cTn id="21" presetID="1" presetClass="entr" presetSubtype="0" fill="hold" nodeType="clickEffect">
+                                  <p:stCondLst>
+                                    <p:cond delay="0"/>
+                                  </p:stCondLst>
+                                  <p:childTnLst>
+                                    <p:set>
+                                      <p:cBhvr>
+                                        <p:cTn id="22" dur="1" fill="hold">
+                                          <p:stCondLst>
+                                            <p:cond delay="0"/>
+                                          </p:stCondLst>
+                                        </p:cTn>
+                                        <p:tgtEl>
+                                          <p:spTgt spid="4">
+                                            <p:txEl>
+                                              <p:pRg st="4" end="4"/>
+                                            </p:txEl>
+                                          </p:spTgt>
+                                        </p:tgtEl>
+                                        <p:attrNameLst>
+                                          <p:attrName>style.visibility</p:attrName>
+                                        </p:attrNameLst>
+                                      </p:cBhvr>
+                                      <p:to>
+                                        <p:strVal val="visible"/>
+                                      </p:to>
+                                    </p:set>
+                                  </p:childTnLst>
+                                </p:cTn>
+                              </p:par>
+                            </p:childTnLst>
+                          </p:cTn>
+                        </p:par>
+                      </p:childTnLst>
+                    </p:cTn>
+                  </p:par>
+                </p:childTnLst>
+              </p:cTn>
+              <p:prevCondLst>
+                <p:cond evt="onPrev" delay="0">
+                  <p:tgtEl>
+                    <p:sldTgt/>
+                  </p:tgtEl>
+                </p:cond>
+              </p:prevCondLst>
+              <p:nextCondLst>
+                <p:cond evt="onNext" delay="0">
+                  <p:tgtEl>
+                    <p:sldTgt/>
+                  </p:tgtEl>
+                </p:cond>
+              </p:nextCondLst>
+            </p:seq>
+          </p:childTnLst>
+        </p:cTn>
+      </p:par>
+    </p:tnLst>
+  </p:timing>
+</p:sld>
+</file>
+
+<file path=ppt/slides/slide9.xml><?xml version="1.0" encoding="utf-8"?>
+<p:sld xmlns:a="http://schemas.openxmlformats.org/drawingml/2006/main" xmlns:r="http://schemas.openxmlformats.org/officeDocument/2006/relationships" xmlns:p="http://schemas.openxmlformats.org/presentationml/2006/main">
+  <p:cSld>
+    <p:spTree>
+      <p:nvGrpSpPr>
+        <p:cNvPr id="1" name=""/>
+        <p:cNvGrpSpPr/>
+        <p:nvPr/>
+      </p:nvGrpSpPr>
+      <p:grpSpPr>
+        <a:xfrm>
+          <a:off x="0" y="0"/>
+          <a:ext cx="0" cy="0"/>
+          <a:chOff x="0" y="0"/>
+          <a:chExt cx="0" cy="0"/>
+        </a:xfrm>
+      </p:grpSpPr>
+      <p:sp>
+        <p:nvSpPr>
+          <p:cNvPr id="2" name="Title 1">
+            <a:extLst>
+              <a:ext uri="{FF2B5EF4-FFF2-40B4-BE49-F238E27FC236}">
+                <a16:creationId xmlns:a16="http://schemas.microsoft.com/office/drawing/2014/main" id="{E1E51850-E36D-B6D4-2E78-3FBEDABC477C}"/>
+              </a:ext>
+            </a:extLst>
+          </p:cNvPr>
+          <p:cNvSpPr>
+            <a:spLocks noGrp="1"/>
+          </p:cNvSpPr>
+          <p:nvPr>
+            <p:ph type="title"/>
+          </p:nvPr>
+        </p:nvSpPr>
+        <p:spPr/>
+        <p:txBody>
+          <a:bodyPr/>
+          <a:lstStyle/>
+          <a:p>
+            <a:r>
+              <a:rPr lang="en-GB" dirty="0"/>
+              <a:t>Key takeaways</a:t>
+            </a:r>
+            <a:endParaRPr lang="en-BE" dirty="0"/>
+          </a:p>
+        </p:txBody>
+      </p:sp>
+      <p:sp>
+        <p:nvSpPr>
+          <p:cNvPr id="3" name="Slide Number Placeholder 2">
+            <a:extLst>
+              <a:ext uri="{FF2B5EF4-FFF2-40B4-BE49-F238E27FC236}">
+                <a16:creationId xmlns:a16="http://schemas.microsoft.com/office/drawing/2014/main" id="{95CB9410-E092-BAB4-9300-3859F18FC740}"/>
+              </a:ext>
+            </a:extLst>
+          </p:cNvPr>
+          <p:cNvSpPr>
+            <a:spLocks noGrp="1"/>
+          </p:cNvSpPr>
+          <p:nvPr>
+            <p:ph type="sldNum" sz="quarter" idx="10"/>
+          </p:nvPr>
+        </p:nvSpPr>
+        <p:spPr/>
+        <p:txBody>
+          <a:bodyPr/>
+          <a:lstStyle/>
+          <a:p>
+            <a:fld id="{E038E271-308C-2E46-A3EC-56326F9084CC}" type="slidenum">
+              <a:rPr lang="nl-BE" smtClean="0"/>
+              <a:pPr/>
+              <a:t>9</a:t>
+            </a:fld>
+            <a:endParaRPr lang="nl-BE" dirty="0"/>
+          </a:p>
+        </p:txBody>
+      </p:sp>
+      <p:sp>
+        <p:nvSpPr>
+          <p:cNvPr id="4" name="Text Placeholder 3">
+            <a:extLst>
+              <a:ext uri="{FF2B5EF4-FFF2-40B4-BE49-F238E27FC236}">
+                <a16:creationId xmlns:a16="http://schemas.microsoft.com/office/drawing/2014/main" id="{3C75EBAE-7926-BF81-3E18-8C2ED4BA8751}"/>
+              </a:ext>
+            </a:extLst>
+          </p:cNvPr>
+          <p:cNvSpPr>
+            <a:spLocks noGrp="1"/>
+          </p:cNvSpPr>
+          <p:nvPr>
+            <p:ph type="body" sz="quarter" idx="11"/>
+          </p:nvPr>
+        </p:nvSpPr>
+        <p:spPr/>
+        <p:txBody>
+          <a:bodyPr/>
+          <a:lstStyle/>
+          <a:p>
+            <a:r>
+              <a:rPr lang="en-GB" dirty="0"/>
+              <a:t>Reproduceable</a:t>
+            </a:r>
+          </a:p>
+          <a:p>
+            <a:r>
+              <a:rPr lang="en-GB" dirty="0"/>
+              <a:t>Small steps</a:t>
+            </a:r>
+            <a:endParaRPr lang="en-BE" dirty="0"/>
+          </a:p>
+        </p:txBody>
+      </p:sp>
+    </p:spTree>
+    <p:extLst>
+      <p:ext uri="{BB962C8B-B14F-4D97-AF65-F5344CB8AC3E}">
+        <p14:creationId xmlns:p14="http://schemas.microsoft.com/office/powerpoint/2010/main" val="710192978"/>
       </p:ext>
     </p:extLst>
   </p:cSld>

--- a/docs/presentations/LORE #2.pptx
+++ b/docs/presentations/LORE #2.pptx
@@ -13637,15 +13637,6 @@
           <a:solidFill>
             <a:srgbClr val="FFFFFF"/>
           </a:solidFill>
-          <a:extLst>
-            <a:ext uri="{909E8E84-426E-40DD-AFC4-6F175D3DCCD1}">
-              <a14:hiddenFill xmlns:a14="http://schemas.microsoft.com/office/drawing/2010/main">
-                <a:solidFill>
-                  <a:srgbClr val="FFFFFF"/>
-                </a:solidFill>
-              </a14:hiddenFill>
-            </a:ext>
-          </a:extLst>
         </p:spPr>
       </p:pic>
       <p:sp>
@@ -13794,14 +13785,40 @@
           <a:bodyPr/>
           <a:lstStyle/>
           <a:p>
-            <a:r>
-              <a:rPr lang="en-GB" dirty="0"/>
-              <a:t>Nothing or I don’t know yet</a:t>
-            </a:r>
             <a:endParaRPr lang="en-BE" dirty="0"/>
           </a:p>
         </p:txBody>
       </p:sp>
+      <p:pic>
+        <p:nvPicPr>
+          <p:cNvPr id="6" name="Picture 5">
+            <a:extLst>
+              <a:ext uri="{FF2B5EF4-FFF2-40B4-BE49-F238E27FC236}">
+                <a16:creationId xmlns:a16="http://schemas.microsoft.com/office/drawing/2014/main" id="{C6E61F48-7362-C5F7-229D-C7CED972DE2F}"/>
+              </a:ext>
+            </a:extLst>
+          </p:cNvPr>
+          <p:cNvPicPr>
+            <a:picLocks noChangeAspect="1"/>
+          </p:cNvPicPr>
+          <p:nvPr/>
+        </p:nvPicPr>
+        <p:blipFill>
+          <a:blip r:embed="rId2"/>
+          <a:stretch>
+            <a:fillRect/>
+          </a:stretch>
+        </p:blipFill>
+        <p:spPr>
+          <a:xfrm>
+            <a:off x="1027640" y="2677489"/>
+            <a:ext cx="10540473" cy="2398688"/>
+          </a:xfrm>
+          <a:prstGeom prst="rect">
+            <a:avLst/>
+          </a:prstGeom>
+        </p:spPr>
+      </p:pic>
     </p:spTree>
     <p:extLst>
       <p:ext uri="{BB962C8B-B14F-4D97-AF65-F5344CB8AC3E}">
@@ -13833,10 +13850,15 @@
                             </p:stCondLst>
                             <p:childTnLst>
                               <p:par>
-                                <p:cTn id="5" presetID="1" presetClass="entr" presetSubtype="0" fill="hold" nodeType="clickEffect">
+                                <p:cTn id="5" presetID="1" presetClass="entr" presetSubtype="0" fill="hold" nodeType="clickEffect" nodePh="1">
                                   <p:stCondLst>
                                     <p:cond delay="0"/>
                                   </p:stCondLst>
+                                  <p:endCondLst>
+                                    <p:cond evt="begin" delay="0">
+                                      <p:tn val="5"/>
+                                    </p:cond>
+                                  </p:endCondLst>
                                   <p:childTnLst>
                                     <p:set>
                                       <p:cBhvr>
@@ -14755,7 +14777,7 @@
         </a:ln>
         <a:extLst>
           <a:ext uri="{91240B29-F687-4f45-9708-019B960494DF}">
-            <a14:hiddenLine xmlns:p="http://schemas.openxmlformats.org/presentationml/2006/main" xmlns="" xmlns:a14="http://schemas.microsoft.com/office/drawing/2010/main" w="9525">
+            <a14:hiddenLine xmlns:a14="http://schemas.microsoft.com/office/drawing/2010/main" xmlns="" xmlns:p="http://schemas.openxmlformats.org/presentationml/2006/main" w="9525">
               <a:solidFill>
                 <a:srgbClr val="000000"/>
               </a:solidFill>
@@ -15138,6 +15160,12 @@
 </file>
 
 <file path=customXml/item1.xml><?xml version="1.0" encoding="utf-8"?>
+<p:properties xmlns:p="http://schemas.microsoft.com/office/2006/metadata/properties" xmlns:xsi="http://www.w3.org/2001/XMLSchema-instance" xmlns:pc="http://schemas.microsoft.com/office/infopath/2007/PartnerControls">
+  <documentManagement/>
+</p:properties>
+</file>
+
+<file path=customXml/item2.xml><?xml version="1.0" encoding="utf-8"?>
 <ct:contentTypeSchema xmlns:ct="http://schemas.microsoft.com/office/2006/metadata/contentType" xmlns:ma="http://schemas.microsoft.com/office/2006/metadata/properties/metaAttributes" ct:_="" ma:_="" ma:contentTypeName="Document" ma:contentTypeID="0x010100707C9875C091B247AB9617006510CC43" ma:contentTypeVersion="9" ma:contentTypeDescription="Een nieuw document maken." ma:contentTypeScope="" ma:versionID="6792b0d8b1b497ec7b6f2fc518ad6b71">
   <xsd:schema xmlns:xsd="http://www.w3.org/2001/XMLSchema" xmlns:xs="http://www.w3.org/2001/XMLSchema" xmlns:p="http://schemas.microsoft.com/office/2006/metadata/properties" xmlns:ns2="a09e4e9c-009f-4841-8876-57cddbde6e17" xmlns:ns3="e4e19ae9-58fe-4993-a35b-a8a84bb511ff" targetNamespace="http://schemas.microsoft.com/office/2006/metadata/properties" ma:root="true" ma:fieldsID="4e3ada4487ef8e46945618bd17b59294" ns2:_="" ns3:_="">
     <xsd:import namespace="a09e4e9c-009f-4841-8876-57cddbde6e17"/>
@@ -15334,12 +15362,6 @@
 </ct:contentTypeSchema>
 </file>
 
-<file path=customXml/item2.xml><?xml version="1.0" encoding="utf-8"?>
-<p:properties xmlns:p="http://schemas.microsoft.com/office/2006/metadata/properties" xmlns:xsi="http://www.w3.org/2001/XMLSchema-instance" xmlns:pc="http://schemas.microsoft.com/office/infopath/2007/PartnerControls">
-  <documentManagement/>
-</p:properties>
-</file>
-
 <file path=customXml/item3.xml><?xml version="1.0" encoding="utf-8"?>
 <?mso-contentType ?>
 <FormTemplates xmlns="http://schemas.microsoft.com/sharepoint/v3/contenttype/forms">
@@ -15350,6 +15372,15 @@
 </file>
 
 <file path=customXml/itemProps1.xml><?xml version="1.0" encoding="utf-8"?>
+<ds:datastoreItem xmlns:ds="http://schemas.openxmlformats.org/officeDocument/2006/customXml" ds:itemID="{A5A93269-0A2D-4449-AFE7-E8570D6EC4CB}">
+  <ds:schemaRefs>
+    <ds:schemaRef ds:uri="http://schemas.microsoft.com/office/2006/metadata/properties"/>
+    <ds:schemaRef ds:uri="http://schemas.microsoft.com/office/infopath/2007/PartnerControls"/>
+  </ds:schemaRefs>
+</ds:datastoreItem>
+</file>
+
+<file path=customXml/itemProps2.xml><?xml version="1.0" encoding="utf-8"?>
 <ds:datastoreItem xmlns:ds="http://schemas.openxmlformats.org/officeDocument/2006/customXml" ds:itemID="{54449BF5-F7E1-46D5-B581-A176D4426B3C}">
   <ds:schemaRefs>
     <ds:schemaRef ds:uri="http://schemas.microsoft.com/office/2006/metadata/contentType"/>
@@ -15368,15 +15399,6 @@
 </ds:datastoreItem>
 </file>
 
-<file path=customXml/itemProps2.xml><?xml version="1.0" encoding="utf-8"?>
-<ds:datastoreItem xmlns:ds="http://schemas.openxmlformats.org/officeDocument/2006/customXml" ds:itemID="{A5A93269-0A2D-4449-AFE7-E8570D6EC4CB}">
-  <ds:schemaRefs>
-    <ds:schemaRef ds:uri="http://schemas.microsoft.com/office/2006/metadata/properties"/>
-    <ds:schemaRef ds:uri="http://schemas.microsoft.com/office/infopath/2007/PartnerControls"/>
-  </ds:schemaRefs>
-</ds:datastoreItem>
-</file>
-
 <file path=customXml/itemProps3.xml><?xml version="1.0" encoding="utf-8"?>
 <ds:datastoreItem xmlns:ds="http://schemas.openxmlformats.org/officeDocument/2006/customXml" ds:itemID="{5D6EDECA-2FC6-4CC6-BF57-774C7A66E703}">
   <ds:schemaRefs>

--- a/docs/presentations/LORE #2.pptx
+++ b/docs/presentations/LORE #2.pptx
@@ -15,7 +15,7 @@
     <p:sldId id="279" r:id="rId12"/>
     <p:sldId id="280" r:id="rId13"/>
     <p:sldId id="281" r:id="rId14"/>
-    <p:sldId id="282" r:id="rId15"/>
+    <p:sldId id="283" r:id="rId15"/>
   </p:sldIdLst>
   <p:sldSz cx="12192000" cy="6858000"/>
   <p:notesSz cx="6805613" cy="9944100"/>
@@ -12324,7 +12324,13 @@
   <p:cSld>
     <p:spTree>
       <p:nvGrpSpPr>
-        <p:cNvPr id="1" name=""/>
+        <p:cNvPr id="1" name="">
+          <a:extLst>
+            <a:ext uri="{FF2B5EF4-FFF2-40B4-BE49-F238E27FC236}">
+              <a16:creationId xmlns:a16="http://schemas.microsoft.com/office/drawing/2014/main" id="{72992977-1C10-8ABF-7E19-273F247028A0}"/>
+            </a:ext>
+          </a:extLst>
+        </p:cNvPr>
         <p:cNvGrpSpPr/>
         <p:nvPr/>
       </p:nvGrpSpPr>
@@ -12338,10 +12344,39 @@
       </p:grpSpPr>
       <p:sp>
         <p:nvSpPr>
+          <p:cNvPr id="2" name="Title 1">
+            <a:extLst>
+              <a:ext uri="{FF2B5EF4-FFF2-40B4-BE49-F238E27FC236}">
+                <a16:creationId xmlns:a16="http://schemas.microsoft.com/office/drawing/2014/main" id="{F5316FAA-D1FE-86DE-B209-933A3DF8AE63}"/>
+              </a:ext>
+            </a:extLst>
+          </p:cNvPr>
+          <p:cNvSpPr>
+            <a:spLocks noGrp="1"/>
+          </p:cNvSpPr>
+          <p:nvPr>
+            <p:ph type="title"/>
+          </p:nvPr>
+        </p:nvSpPr>
+        <p:spPr/>
+        <p:txBody>
+          <a:bodyPr/>
+          <a:lstStyle/>
+          <a:p>
+            <a:r>
+              <a:rPr lang="en-GB" dirty="0"/>
+              <a:t>Summary</a:t>
+            </a:r>
+            <a:endParaRPr lang="en-BE" dirty="0"/>
+          </a:p>
+        </p:txBody>
+      </p:sp>
+      <p:sp>
+        <p:nvSpPr>
           <p:cNvPr id="3" name="Slide Number Placeholder 2">
             <a:extLst>
               <a:ext uri="{FF2B5EF4-FFF2-40B4-BE49-F238E27FC236}">
-                <a16:creationId xmlns:a16="http://schemas.microsoft.com/office/drawing/2014/main" id="{7D961E90-FB64-E47A-E6B7-969E87C73C40}"/>
+                <a16:creationId xmlns:a16="http://schemas.microsoft.com/office/drawing/2014/main" id="{7C1D72C9-513E-F83B-0F11-2C5FB569AFB7}"/>
               </a:ext>
             </a:extLst>
           </p:cNvPr>
@@ -12366,9 +12401,80 @@
           </a:p>
         </p:txBody>
       </p:sp>
+      <p:sp>
+        <p:nvSpPr>
+          <p:cNvPr id="4" name="Text Placeholder 3">
+            <a:extLst>
+              <a:ext uri="{FF2B5EF4-FFF2-40B4-BE49-F238E27FC236}">
+                <a16:creationId xmlns:a16="http://schemas.microsoft.com/office/drawing/2014/main" id="{41A81C36-799C-26C5-9AFE-1FDA8BF0F47E}"/>
+              </a:ext>
+            </a:extLst>
+          </p:cNvPr>
+          <p:cNvSpPr>
+            <a:spLocks noGrp="1"/>
+          </p:cNvSpPr>
+          <p:nvPr>
+            <p:ph type="body" sz="quarter" idx="11"/>
+          </p:nvPr>
+        </p:nvSpPr>
+        <p:spPr>
+          <a:xfrm>
+            <a:off x="623889" y="1516380"/>
+            <a:ext cx="4975633" cy="4720907"/>
+          </a:xfrm>
+        </p:spPr>
+        <p:txBody>
+          <a:bodyPr/>
+          <a:lstStyle/>
+          <a:p>
+            <a:r>
+              <a:rPr lang="en-GB" dirty="0"/>
+              <a:t>Readability</a:t>
+            </a:r>
+          </a:p>
+          <a:p>
+            <a:pPr lvl="1"/>
+            <a:r>
+              <a:rPr lang="en-GB" dirty="0"/>
+              <a:t>Unit test generation</a:t>
+            </a:r>
+          </a:p>
+          <a:p>
+            <a:pPr lvl="1"/>
+            <a:r>
+              <a:rPr lang="en-GB" dirty="0"/>
+              <a:t>LLM</a:t>
+            </a:r>
+          </a:p>
+          <a:p>
+            <a:pPr lvl="1"/>
+            <a:endParaRPr lang="en-GB" dirty="0"/>
+          </a:p>
+          <a:p>
+            <a:r>
+              <a:rPr lang="en-GB" dirty="0"/>
+              <a:t>Solution</a:t>
+            </a:r>
+          </a:p>
+          <a:p>
+            <a:pPr lvl="1"/>
+            <a:r>
+              <a:rPr lang="en-GB" dirty="0"/>
+              <a:t>Unknown (for now)</a:t>
+            </a:r>
+          </a:p>
+          <a:p>
+            <a:pPr lvl="1"/>
+            <a:r>
+              <a:rPr lang="en-GB" dirty="0"/>
+              <a:t>Reproduceable</a:t>
+            </a:r>
+          </a:p>
+        </p:txBody>
+      </p:sp>
       <p:pic>
         <p:nvPicPr>
-          <p:cNvPr id="2050" name="Picture 2" descr="Differences between good and bad code">
+          <p:cNvPr id="7" name="Picture 2" descr="Differences between good and bad code">
             <a:extLst>
               <a:ext uri="{FF2B5EF4-FFF2-40B4-BE49-F238E27FC236}">
                 <a16:creationId xmlns:a16="http://schemas.microsoft.com/office/drawing/2014/main" id="{52105CEE-2440-50A6-8A5D-019CE1D19B5B}"/>
@@ -12395,8 +12501,8 @@
         </p:blipFill>
         <p:spPr bwMode="auto">
           <a:xfrm>
-            <a:off x="2552700" y="514350"/>
-            <a:ext cx="7086600" cy="5829300"/>
+            <a:off x="6588868" y="1956416"/>
+            <a:ext cx="4669249" cy="3840834"/>
           </a:xfrm>
           <a:prstGeom prst="rect">
             <a:avLst/>
@@ -12415,7 +12521,7 @@
       </p:pic>
       <p:sp>
         <p:nvSpPr>
-          <p:cNvPr id="5" name="TextBox 4">
+          <p:cNvPr id="8" name="TextBox 7">
             <a:extLst>
               <a:ext uri="{FF2B5EF4-FFF2-40B4-BE49-F238E27FC236}">
                 <a16:creationId xmlns:a16="http://schemas.microsoft.com/office/drawing/2014/main" id="{BCD27E1B-0B3F-2BF8-EBD0-83B7E1F729F6}"/>
@@ -12427,8 +12533,8 @@
         </p:nvSpPr>
         <p:spPr>
           <a:xfrm>
-            <a:off x="2552700" y="6404911"/>
-            <a:ext cx="6953250" cy="238125"/>
+            <a:off x="6588868" y="5867096"/>
+            <a:ext cx="2960485" cy="365125"/>
           </a:xfrm>
           <a:prstGeom prst="rect">
             <a:avLst/>
@@ -12436,7 +12542,7 @@
           <a:noFill/>
         </p:spPr>
         <p:txBody>
-          <a:bodyPr wrap="none" lIns="0" tIns="0" rIns="0" bIns="0" rtlCol="0">
+          <a:bodyPr vert="horz" wrap="none" lIns="0" tIns="0" rIns="0" bIns="0" rtlCol="0">
             <a:noAutofit/>
           </a:bodyPr>
           <a:lstStyle/>
@@ -12457,6 +12563,8 @@
               <a:rPr lang="en-GB" sz="1000" dirty="0"/>
               <a:t> </a:t>
             </a:r>
+          </a:p>
+          <a:p>
             <a:r>
               <a:rPr lang="en-GB" sz="1000" dirty="0" err="1"/>
               <a:t>Lvivity</a:t>
@@ -12485,7 +12593,7 @@
     </p:spTree>
     <p:extLst>
       <p:ext uri="{BB962C8B-B14F-4D97-AF65-F5344CB8AC3E}">
-        <p14:creationId xmlns:p14="http://schemas.microsoft.com/office/powerpoint/2010/main" val="1079386292"/>
+        <p14:creationId xmlns:p14="http://schemas.microsoft.com/office/powerpoint/2010/main" val="1429620548"/>
       </p:ext>
     </p:extLst>
   </p:cSld>
@@ -14438,6 +14546,12 @@
             <a:r>
               <a:rPr lang="en-GB" dirty="0"/>
               <a:t>Small steps</a:t>
+            </a:r>
+          </a:p>
+          <a:p>
+            <a:r>
+              <a:rPr lang="en-GB" dirty="0"/>
+              <a:t>Train/Tune early</a:t>
             </a:r>
             <a:endParaRPr lang="en-BE" dirty="0"/>
           </a:p>
@@ -14777,7 +14891,7 @@
         </a:ln>
         <a:extLst>
           <a:ext uri="{91240B29-F687-4f45-9708-019B960494DF}">
-            <a14:hiddenLine xmlns:a14="http://schemas.microsoft.com/office/drawing/2010/main" xmlns="" xmlns:p="http://schemas.openxmlformats.org/presentationml/2006/main" w="9525">
+            <a14:hiddenLine xmlns:p="http://schemas.openxmlformats.org/presentationml/2006/main" xmlns="" xmlns:a14="http://schemas.microsoft.com/office/drawing/2010/main" w="9525">
               <a:solidFill>
                 <a:srgbClr val="000000"/>
               </a:solidFill>
@@ -15160,12 +15274,6 @@
 </file>
 
 <file path=customXml/item1.xml><?xml version="1.0" encoding="utf-8"?>
-<p:properties xmlns:p="http://schemas.microsoft.com/office/2006/metadata/properties" xmlns:xsi="http://www.w3.org/2001/XMLSchema-instance" xmlns:pc="http://schemas.microsoft.com/office/infopath/2007/PartnerControls">
-  <documentManagement/>
-</p:properties>
-</file>
-
-<file path=customXml/item2.xml><?xml version="1.0" encoding="utf-8"?>
 <ct:contentTypeSchema xmlns:ct="http://schemas.microsoft.com/office/2006/metadata/contentType" xmlns:ma="http://schemas.microsoft.com/office/2006/metadata/properties/metaAttributes" ct:_="" ma:_="" ma:contentTypeName="Document" ma:contentTypeID="0x010100707C9875C091B247AB9617006510CC43" ma:contentTypeVersion="9" ma:contentTypeDescription="Een nieuw document maken." ma:contentTypeScope="" ma:versionID="6792b0d8b1b497ec7b6f2fc518ad6b71">
   <xsd:schema xmlns:xsd="http://www.w3.org/2001/XMLSchema" xmlns:xs="http://www.w3.org/2001/XMLSchema" xmlns:p="http://schemas.microsoft.com/office/2006/metadata/properties" xmlns:ns2="a09e4e9c-009f-4841-8876-57cddbde6e17" xmlns:ns3="e4e19ae9-58fe-4993-a35b-a8a84bb511ff" targetNamespace="http://schemas.microsoft.com/office/2006/metadata/properties" ma:root="true" ma:fieldsID="4e3ada4487ef8e46945618bd17b59294" ns2:_="" ns3:_="">
     <xsd:import namespace="a09e4e9c-009f-4841-8876-57cddbde6e17"/>
@@ -15362,6 +15470,12 @@
 </ct:contentTypeSchema>
 </file>
 
+<file path=customXml/item2.xml><?xml version="1.0" encoding="utf-8"?>
+<p:properties xmlns:p="http://schemas.microsoft.com/office/2006/metadata/properties" xmlns:xsi="http://www.w3.org/2001/XMLSchema-instance" xmlns:pc="http://schemas.microsoft.com/office/infopath/2007/PartnerControls">
+  <documentManagement/>
+</p:properties>
+</file>
+
 <file path=customXml/item3.xml><?xml version="1.0" encoding="utf-8"?>
 <?mso-contentType ?>
 <FormTemplates xmlns="http://schemas.microsoft.com/sharepoint/v3/contenttype/forms">
@@ -15372,15 +15486,6 @@
 </file>
 
 <file path=customXml/itemProps1.xml><?xml version="1.0" encoding="utf-8"?>
-<ds:datastoreItem xmlns:ds="http://schemas.openxmlformats.org/officeDocument/2006/customXml" ds:itemID="{A5A93269-0A2D-4449-AFE7-E8570D6EC4CB}">
-  <ds:schemaRefs>
-    <ds:schemaRef ds:uri="http://schemas.microsoft.com/office/2006/metadata/properties"/>
-    <ds:schemaRef ds:uri="http://schemas.microsoft.com/office/infopath/2007/PartnerControls"/>
-  </ds:schemaRefs>
-</ds:datastoreItem>
-</file>
-
-<file path=customXml/itemProps2.xml><?xml version="1.0" encoding="utf-8"?>
 <ds:datastoreItem xmlns:ds="http://schemas.openxmlformats.org/officeDocument/2006/customXml" ds:itemID="{54449BF5-F7E1-46D5-B581-A176D4426B3C}">
   <ds:schemaRefs>
     <ds:schemaRef ds:uri="http://schemas.microsoft.com/office/2006/metadata/contentType"/>
@@ -15399,6 +15504,15 @@
 </ds:datastoreItem>
 </file>
 
+<file path=customXml/itemProps2.xml><?xml version="1.0" encoding="utf-8"?>
+<ds:datastoreItem xmlns:ds="http://schemas.openxmlformats.org/officeDocument/2006/customXml" ds:itemID="{A5A93269-0A2D-4449-AFE7-E8570D6EC4CB}">
+  <ds:schemaRefs>
+    <ds:schemaRef ds:uri="http://schemas.microsoft.com/office/2006/metadata/properties"/>
+    <ds:schemaRef ds:uri="http://schemas.microsoft.com/office/infopath/2007/PartnerControls"/>
+  </ds:schemaRefs>
+</ds:datastoreItem>
+</file>
+
 <file path=customXml/itemProps3.xml><?xml version="1.0" encoding="utf-8"?>
 <ds:datastoreItem xmlns:ds="http://schemas.openxmlformats.org/officeDocument/2006/customXml" ds:itemID="{5D6EDECA-2FC6-4CC6-BF57-774C7A66E703}">
   <ds:schemaRefs>
